--- a/Projects/P1/doc/IART01.pptx
+++ b/Projects/P1/doc/IART01.pptx
@@ -7,6 +7,8 @@
   <p:sldIdLst>
     <p:sldId id="257" r:id="rId2"/>
     <p:sldId id="258" r:id="rId3"/>
+    <p:sldId id="259" r:id="rId4"/>
+    <p:sldId id="260" r:id="rId5"/>
   </p:sldIdLst>
   <p:sldSz cx="12192000" cy="6858000"/>
   <p:notesSz cx="6858000" cy="9144000"/>
@@ -105,6 +107,11 @@
       </a:defRPr>
     </a:lvl9pPr>
   </p:defaultTextStyle>
+  <p:extLst>
+    <p:ext uri="{EFAFB233-063F-42B5-8137-9DF3F51BA10A}">
+      <p15:sldGuideLst xmlns:p15="http://schemas.microsoft.com/office/powerpoint/2012/main"/>
+    </p:ext>
+  </p:extLst>
 </p:presentation>
 </file>
 
@@ -334,7 +341,7 @@
           <a:p>
             <a:fld id="{E8A19EEC-21EA-4CAF-8095-9FB30FBE369D}" type="datetimeFigureOut">
               <a:rPr lang="en-US" smtClean="0"/>
-              <a:t>03-Mar-20</a:t>
+              <a:t>09-Mar-20</a:t>
             </a:fld>
             <a:endParaRPr lang="en-US"/>
           </a:p>
@@ -542,7 +549,7 @@
           <a:p>
             <a:fld id="{E8A19EEC-21EA-4CAF-8095-9FB30FBE369D}" type="datetimeFigureOut">
               <a:rPr lang="en-US" smtClean="0"/>
-              <a:t>03-Mar-20</a:t>
+              <a:t>09-Mar-20</a:t>
             </a:fld>
             <a:endParaRPr lang="en-US"/>
           </a:p>
@@ -798,7 +805,7 @@
           <a:p>
             <a:fld id="{E8A19EEC-21EA-4CAF-8095-9FB30FBE369D}" type="datetimeFigureOut">
               <a:rPr lang="en-US" smtClean="0"/>
-              <a:t>03-Mar-20</a:t>
+              <a:t>09-Mar-20</a:t>
             </a:fld>
             <a:endParaRPr lang="en-US"/>
           </a:p>
@@ -972,7 +979,7 @@
           <a:p>
             <a:fld id="{E8A19EEC-21EA-4CAF-8095-9FB30FBE369D}" type="datetimeFigureOut">
               <a:rPr lang="en-US" smtClean="0"/>
-              <a:t>03-Mar-20</a:t>
+              <a:t>09-Mar-20</a:t>
             </a:fld>
             <a:endParaRPr lang="en-US"/>
           </a:p>
@@ -1315,7 +1322,7 @@
           <a:p>
             <a:fld id="{E8A19EEC-21EA-4CAF-8095-9FB30FBE369D}" type="datetimeFigureOut">
               <a:rPr lang="en-US" smtClean="0"/>
-              <a:t>03-Mar-20</a:t>
+              <a:t>09-Mar-20</a:t>
             </a:fld>
             <a:endParaRPr lang="en-US"/>
           </a:p>
@@ -1590,7 +1597,7 @@
           <a:p>
             <a:fld id="{E8A19EEC-21EA-4CAF-8095-9FB30FBE369D}" type="datetimeFigureOut">
               <a:rPr lang="en-US" smtClean="0"/>
-              <a:t>03-Mar-20</a:t>
+              <a:t>09-Mar-20</a:t>
             </a:fld>
             <a:endParaRPr lang="en-US"/>
           </a:p>
@@ -1969,7 +1976,7 @@
           <a:p>
             <a:fld id="{E8A19EEC-21EA-4CAF-8095-9FB30FBE369D}" type="datetimeFigureOut">
               <a:rPr lang="en-US" smtClean="0"/>
-              <a:t>03-Mar-20</a:t>
+              <a:t>09-Mar-20</a:t>
             </a:fld>
             <a:endParaRPr lang="en-US"/>
           </a:p>
@@ -2087,7 +2094,7 @@
           <a:p>
             <a:fld id="{E8A19EEC-21EA-4CAF-8095-9FB30FBE369D}" type="datetimeFigureOut">
               <a:rPr lang="en-US" smtClean="0"/>
-              <a:t>03-Mar-20</a:t>
+              <a:t>09-Mar-20</a:t>
             </a:fld>
             <a:endParaRPr lang="en-US"/>
           </a:p>
@@ -2258,7 +2265,7 @@
           <a:p>
             <a:fld id="{E8A19EEC-21EA-4CAF-8095-9FB30FBE369D}" type="datetimeFigureOut">
               <a:rPr lang="en-US" smtClean="0"/>
-              <a:t>03-Mar-20</a:t>
+              <a:t>09-Mar-20</a:t>
             </a:fld>
             <a:endParaRPr lang="en-US"/>
           </a:p>
@@ -2612,7 +2619,7 @@
           <a:p>
             <a:fld id="{E8A19EEC-21EA-4CAF-8095-9FB30FBE369D}" type="datetimeFigureOut">
               <a:rPr lang="en-US" smtClean="0"/>
-              <a:t>03-Mar-20</a:t>
+              <a:t>09-Mar-20</a:t>
             </a:fld>
             <a:endParaRPr lang="en-US"/>
           </a:p>
@@ -2994,7 +3001,7 @@
           <a:p>
             <a:fld id="{E8A19EEC-21EA-4CAF-8095-9FB30FBE369D}" type="datetimeFigureOut">
               <a:rPr lang="en-US" smtClean="0"/>
-              <a:t>03-Mar-20</a:t>
+              <a:t>09-Mar-20</a:t>
             </a:fld>
             <a:endParaRPr lang="en-US"/>
           </a:p>
@@ -3281,7 +3288,7 @@
           <a:p>
             <a:fld id="{E8A19EEC-21EA-4CAF-8095-9FB30FBE369D}" type="datetimeFigureOut">
               <a:rPr lang="en-US" smtClean="0"/>
-              <a:t>03-Mar-20</a:t>
+              <a:t>09-Mar-20</a:t>
             </a:fld>
             <a:endParaRPr lang="en-US"/>
           </a:p>
@@ -4570,8 +4577,19 @@
           <a:p>
             <a:r>
               <a:rPr lang="en-US" dirty="0"/>
-              <a:t>Greedy: </a:t>
-            </a:r>
+              <a:t>Greedy </a:t>
+            </a:r>
+            <a:r>
+              <a:rPr lang="en-US" dirty="0" err="1"/>
+              <a:t>Aproaches</a:t>
+            </a:r>
+            <a:r>
+              <a:rPr lang="en-US" dirty="0"/>
+              <a:t>: </a:t>
+            </a:r>
+          </a:p>
+          <a:p>
+            <a:pPr lvl="1"/>
             <a:r>
               <a:rPr lang="en-US" dirty="0">
                 <a:hlinkClick r:id="rId2"/>
@@ -4581,10 +4599,7 @@
             <a:endParaRPr lang="en-US" dirty="0"/>
           </a:p>
           <a:p>
-            <a:r>
-              <a:rPr lang="en-US" dirty="0"/>
-              <a:t>Greedy: </a:t>
-            </a:r>
+            <a:pPr lvl="1"/>
             <a:r>
               <a:rPr lang="en-US" dirty="0">
                 <a:hlinkClick r:id="rId3"/>
@@ -4593,12 +4608,562 @@
             </a:r>
             <a:endParaRPr lang="en-US" dirty="0"/>
           </a:p>
+          <a:p>
+            <a:endParaRPr lang="en-US" dirty="0"/>
+          </a:p>
         </p:txBody>
       </p:sp>
     </p:spTree>
     <p:extLst>
       <p:ext uri="{BB962C8B-B14F-4D97-AF65-F5344CB8AC3E}">
         <p14:creationId xmlns:p14="http://schemas.microsoft.com/office/powerpoint/2010/main" val="659788409"/>
+      </p:ext>
+    </p:extLst>
+  </p:cSld>
+  <p:clrMapOvr>
+    <a:masterClrMapping/>
+  </p:clrMapOvr>
+</p:sld>
+</file>
+
+<file path=ppt/slides/slide3.xml><?xml version="1.0" encoding="utf-8"?>
+<p:sld xmlns:a="http://schemas.openxmlformats.org/drawingml/2006/main" xmlns:r="http://schemas.openxmlformats.org/officeDocument/2006/relationships" xmlns:p="http://schemas.openxmlformats.org/presentationml/2006/main">
+  <p:cSld>
+    <p:spTree>
+      <p:nvGrpSpPr>
+        <p:cNvPr id="1" name=""/>
+        <p:cNvGrpSpPr/>
+        <p:nvPr/>
+      </p:nvGrpSpPr>
+      <p:grpSpPr>
+        <a:xfrm>
+          <a:off x="0" y="0"/>
+          <a:ext cx="0" cy="0"/>
+          <a:chOff x="0" y="0"/>
+          <a:chExt cx="0" cy="0"/>
+        </a:xfrm>
+      </p:grpSpPr>
+      <p:sp>
+        <p:nvSpPr>
+          <p:cNvPr id="2" name="Title 1">
+            <a:extLst>
+              <a:ext uri="{FF2B5EF4-FFF2-40B4-BE49-F238E27FC236}">
+                <a16:creationId xmlns:a16="http://schemas.microsoft.com/office/drawing/2014/main" id="{CBA2700F-FB35-4165-AAC1-D43408529EE5}"/>
+              </a:ext>
+            </a:extLst>
+          </p:cNvPr>
+          <p:cNvSpPr>
+            <a:spLocks noGrp="1"/>
+          </p:cNvSpPr>
+          <p:nvPr>
+            <p:ph type="title"/>
+          </p:nvPr>
+        </p:nvSpPr>
+        <p:spPr/>
+        <p:txBody>
+          <a:bodyPr/>
+          <a:lstStyle/>
+          <a:p>
+            <a:r>
+              <a:rPr lang="pt-PT" dirty="0" err="1"/>
+              <a:t>Problem</a:t>
+            </a:r>
+            <a:r>
+              <a:rPr lang="pt-PT" dirty="0"/>
+              <a:t> </a:t>
+            </a:r>
+            <a:r>
+              <a:rPr lang="pt-PT" dirty="0" err="1"/>
+              <a:t>Formulation</a:t>
+            </a:r>
+            <a:endParaRPr lang="en-US" dirty="0"/>
+          </a:p>
+        </p:txBody>
+      </p:sp>
+      <p:graphicFrame>
+        <p:nvGraphicFramePr>
+          <p:cNvPr id="4" name="Table 4">
+            <a:extLst>
+              <a:ext uri="{FF2B5EF4-FFF2-40B4-BE49-F238E27FC236}">
+                <a16:creationId xmlns:a16="http://schemas.microsoft.com/office/drawing/2014/main" id="{5D1B0E1E-73AB-480B-B9B0-96886011ED3F}"/>
+              </a:ext>
+            </a:extLst>
+          </p:cNvPr>
+          <p:cNvGraphicFramePr>
+            <a:graphicFrameLocks noGrp="1"/>
+          </p:cNvGraphicFramePr>
+          <p:nvPr>
+            <p:ph idx="1"/>
+            <p:extLst>
+              <p:ext uri="{D42A27DB-BD31-4B8C-83A1-F6EECF244321}">
+                <p14:modId xmlns:p14="http://schemas.microsoft.com/office/powerpoint/2010/main" val="2535663487"/>
+              </p:ext>
+            </p:extLst>
+          </p:nvPr>
+        </p:nvGraphicFramePr>
+        <p:xfrm>
+          <a:off x="1096963" y="1846263"/>
+          <a:ext cx="9179558" cy="1112520"/>
+        </p:xfrm>
+        <a:graphic>
+          <a:graphicData uri="http://schemas.openxmlformats.org/drawingml/2006/table">
+            <a:tbl>
+              <a:tblPr firstRow="1" bandRow="1">
+                <a:tableStyleId>{5940675A-B579-460E-94D1-54222C63F5DA}</a:tableStyleId>
+              </a:tblPr>
+              <a:tblGrid>
+                <a:gridCol w="2473960">
+                  <a:extLst>
+                    <a:ext uri="{9D8B030D-6E8A-4147-A177-3AD203B41FA5}">
+                      <a16:colId xmlns:a16="http://schemas.microsoft.com/office/drawing/2014/main" val="3260735719"/>
+                    </a:ext>
+                  </a:extLst>
+                </a:gridCol>
+                <a:gridCol w="3352799">
+                  <a:extLst>
+                    <a:ext uri="{9D8B030D-6E8A-4147-A177-3AD203B41FA5}">
+                      <a16:colId xmlns:a16="http://schemas.microsoft.com/office/drawing/2014/main" val="719756492"/>
+                    </a:ext>
+                  </a:extLst>
+                </a:gridCol>
+                <a:gridCol w="3352799">
+                  <a:extLst>
+                    <a:ext uri="{9D8B030D-6E8A-4147-A177-3AD203B41FA5}">
+                      <a16:colId xmlns:a16="http://schemas.microsoft.com/office/drawing/2014/main" val="219582939"/>
+                    </a:ext>
+                  </a:extLst>
+                </a:gridCol>
+              </a:tblGrid>
+              <a:tr h="370840">
+                <a:tc>
+                  <a:txBody>
+                    <a:bodyPr/>
+                    <a:lstStyle/>
+                    <a:p>
+                      <a:r>
+                        <a:rPr lang="en-US" noProof="0" dirty="0"/>
+                        <a:t>Solution</a:t>
+                      </a:r>
+                      <a:r>
+                        <a:rPr lang="pt-PT" dirty="0"/>
+                        <a:t> </a:t>
+                      </a:r>
+                      <a:r>
+                        <a:rPr lang="en-US" noProof="0" dirty="0"/>
+                        <a:t>Representation</a:t>
+                      </a:r>
+                    </a:p>
+                  </a:txBody>
+                  <a:tcPr/>
+                </a:tc>
+                <a:tc>
+                  <a:txBody>
+                    <a:bodyPr/>
+                    <a:lstStyle/>
+                    <a:p>
+                      <a:endParaRPr lang="en-US" dirty="0"/>
+                    </a:p>
+                  </a:txBody>
+                  <a:tcPr/>
+                </a:tc>
+                <a:tc>
+                  <a:txBody>
+                    <a:bodyPr/>
+                    <a:lstStyle/>
+                    <a:p>
+                      <a:endParaRPr lang="en-US" dirty="0"/>
+                    </a:p>
+                  </a:txBody>
+                  <a:tcPr/>
+                </a:tc>
+                <a:extLst>
+                  <a:ext uri="{0D108BD9-81ED-4DB2-BD59-A6C34878D82A}">
+                    <a16:rowId xmlns:a16="http://schemas.microsoft.com/office/drawing/2014/main" val="3464672890"/>
+                  </a:ext>
+                </a:extLst>
+              </a:tr>
+              <a:tr h="370840">
+                <a:tc>
+                  <a:txBody>
+                    <a:bodyPr/>
+                    <a:lstStyle/>
+                    <a:p>
+                      <a:r>
+                        <a:rPr lang="pt-PT" dirty="0" err="1"/>
+                        <a:t>Neighborhood</a:t>
+                      </a:r>
+                      <a:r>
+                        <a:rPr lang="pt-PT" dirty="0"/>
+                        <a:t> </a:t>
+                      </a:r>
+                      <a:r>
+                        <a:rPr lang="pt-PT" dirty="0" err="1"/>
+                        <a:t>Function</a:t>
+                      </a:r>
+                      <a:endParaRPr lang="en-US" dirty="0"/>
+                    </a:p>
+                  </a:txBody>
+                  <a:tcPr/>
+                </a:tc>
+                <a:tc>
+                  <a:txBody>
+                    <a:bodyPr/>
+                    <a:lstStyle/>
+                    <a:p>
+                      <a:endParaRPr lang="en-US" dirty="0"/>
+                    </a:p>
+                  </a:txBody>
+                  <a:tcPr/>
+                </a:tc>
+                <a:tc>
+                  <a:txBody>
+                    <a:bodyPr/>
+                    <a:lstStyle/>
+                    <a:p>
+                      <a:endParaRPr lang="en-US" dirty="0"/>
+                    </a:p>
+                  </a:txBody>
+                  <a:tcPr/>
+                </a:tc>
+                <a:extLst>
+                  <a:ext uri="{0D108BD9-81ED-4DB2-BD59-A6C34878D82A}">
+                    <a16:rowId xmlns:a16="http://schemas.microsoft.com/office/drawing/2014/main" val="728440322"/>
+                  </a:ext>
+                </a:extLst>
+              </a:tr>
+              <a:tr h="370840">
+                <a:tc>
+                  <a:txBody>
+                    <a:bodyPr/>
+                    <a:lstStyle/>
+                    <a:p>
+                      <a:r>
+                        <a:rPr lang="en-US" dirty="0"/>
+                        <a:t>Cross Function</a:t>
+                      </a:r>
+                    </a:p>
+                  </a:txBody>
+                  <a:tcPr/>
+                </a:tc>
+                <a:tc>
+                  <a:txBody>
+                    <a:bodyPr/>
+                    <a:lstStyle/>
+                    <a:p>
+                      <a:endParaRPr lang="en-US"/>
+                    </a:p>
+                  </a:txBody>
+                  <a:tcPr/>
+                </a:tc>
+                <a:tc>
+                  <a:txBody>
+                    <a:bodyPr/>
+                    <a:lstStyle/>
+                    <a:p>
+                      <a:endParaRPr lang="en-US" dirty="0"/>
+                    </a:p>
+                  </a:txBody>
+                  <a:tcPr/>
+                </a:tc>
+                <a:extLst>
+                  <a:ext uri="{0D108BD9-81ED-4DB2-BD59-A6C34878D82A}">
+                    <a16:rowId xmlns:a16="http://schemas.microsoft.com/office/drawing/2014/main" val="3611386653"/>
+                  </a:ext>
+                </a:extLst>
+              </a:tr>
+            </a:tbl>
+          </a:graphicData>
+        </a:graphic>
+      </p:graphicFrame>
+      <p:sp>
+        <p:nvSpPr>
+          <p:cNvPr id="8" name="TextBox 7">
+            <a:extLst>
+              <a:ext uri="{FF2B5EF4-FFF2-40B4-BE49-F238E27FC236}">
+                <a16:creationId xmlns:a16="http://schemas.microsoft.com/office/drawing/2014/main" id="{AC035474-B24B-4C55-9C03-FA4A2A17BD54}"/>
+              </a:ext>
+            </a:extLst>
+          </p:cNvPr>
+          <p:cNvSpPr txBox="1"/>
+          <p:nvPr/>
+        </p:nvSpPr>
+        <p:spPr>
+          <a:xfrm>
+            <a:off x="1096962" y="3528378"/>
+            <a:ext cx="6715387" cy="369332"/>
+          </a:xfrm>
+          <a:prstGeom prst="rect">
+            <a:avLst/>
+          </a:prstGeom>
+          <a:noFill/>
+        </p:spPr>
+        <p:txBody>
+          <a:bodyPr wrap="square" rtlCol="0">
+            <a:spAutoFit/>
+          </a:bodyPr>
+          <a:lstStyle/>
+          <a:p>
+            <a:r>
+              <a:rPr lang="pt-PT" dirty="0" err="1"/>
+              <a:t>Rigid</a:t>
+            </a:r>
+            <a:r>
+              <a:rPr lang="pt-PT" dirty="0"/>
+              <a:t> </a:t>
+            </a:r>
+            <a:r>
+              <a:rPr lang="pt-PT" dirty="0" err="1"/>
+              <a:t>Restrictions</a:t>
+            </a:r>
+            <a:endParaRPr lang="en-US" dirty="0"/>
+          </a:p>
+        </p:txBody>
+      </p:sp>
+      <p:sp>
+        <p:nvSpPr>
+          <p:cNvPr id="7" name="TextBox 6">
+            <a:extLst>
+              <a:ext uri="{FF2B5EF4-FFF2-40B4-BE49-F238E27FC236}">
+                <a16:creationId xmlns:a16="http://schemas.microsoft.com/office/drawing/2014/main" id="{A3DBB13A-9FF7-411D-89D9-B2AB60EAF0BA}"/>
+              </a:ext>
+            </a:extLst>
+          </p:cNvPr>
+          <p:cNvSpPr txBox="1"/>
+          <p:nvPr/>
+        </p:nvSpPr>
+        <p:spPr>
+          <a:xfrm>
+            <a:off x="1096962" y="4096465"/>
+            <a:ext cx="6715387" cy="369332"/>
+          </a:xfrm>
+          <a:prstGeom prst="rect">
+            <a:avLst/>
+          </a:prstGeom>
+          <a:noFill/>
+        </p:spPr>
+        <p:txBody>
+          <a:bodyPr wrap="square" rtlCol="0">
+            <a:spAutoFit/>
+          </a:bodyPr>
+          <a:lstStyle/>
+          <a:p>
+            <a:r>
+              <a:rPr lang="en-US" dirty="0"/>
+              <a:t>Evaluation Function</a:t>
+            </a:r>
+          </a:p>
+        </p:txBody>
+      </p:sp>
+    </p:spTree>
+    <p:extLst>
+      <p:ext uri="{BB962C8B-B14F-4D97-AF65-F5344CB8AC3E}">
+        <p14:creationId xmlns:p14="http://schemas.microsoft.com/office/powerpoint/2010/main" val="2588765756"/>
+      </p:ext>
+    </p:extLst>
+  </p:cSld>
+  <p:clrMapOvr>
+    <a:masterClrMapping/>
+  </p:clrMapOvr>
+</p:sld>
+</file>
+
+<file path=ppt/slides/slide4.xml><?xml version="1.0" encoding="utf-8"?>
+<p:sld xmlns:a="http://schemas.openxmlformats.org/drawingml/2006/main" xmlns:r="http://schemas.openxmlformats.org/officeDocument/2006/relationships" xmlns:p="http://schemas.openxmlformats.org/presentationml/2006/main">
+  <p:cSld>
+    <p:spTree>
+      <p:nvGrpSpPr>
+        <p:cNvPr id="1" name=""/>
+        <p:cNvGrpSpPr/>
+        <p:nvPr/>
+      </p:nvGrpSpPr>
+      <p:grpSpPr>
+        <a:xfrm>
+          <a:off x="0" y="0"/>
+          <a:ext cx="0" cy="0"/>
+          <a:chOff x="0" y="0"/>
+          <a:chExt cx="0" cy="0"/>
+        </a:xfrm>
+      </p:grpSpPr>
+      <p:sp>
+        <p:nvSpPr>
+          <p:cNvPr id="2" name="Title 1">
+            <a:extLst>
+              <a:ext uri="{FF2B5EF4-FFF2-40B4-BE49-F238E27FC236}">
+                <a16:creationId xmlns:a16="http://schemas.microsoft.com/office/drawing/2014/main" id="{9CFB4BE0-9EDB-4D8D-A57C-52BBA4F38BFE}"/>
+              </a:ext>
+            </a:extLst>
+          </p:cNvPr>
+          <p:cNvSpPr>
+            <a:spLocks noGrp="1"/>
+          </p:cNvSpPr>
+          <p:nvPr>
+            <p:ph type="title"/>
+          </p:nvPr>
+        </p:nvSpPr>
+        <p:spPr/>
+        <p:txBody>
+          <a:bodyPr/>
+          <a:lstStyle/>
+          <a:p>
+            <a:r>
+              <a:rPr lang="pt-PT" dirty="0" err="1"/>
+              <a:t>Implementation</a:t>
+            </a:r>
+            <a:endParaRPr lang="en-US" dirty="0"/>
+          </a:p>
+        </p:txBody>
+      </p:sp>
+      <p:sp>
+        <p:nvSpPr>
+          <p:cNvPr id="3" name="Content Placeholder 2">
+            <a:extLst>
+              <a:ext uri="{FF2B5EF4-FFF2-40B4-BE49-F238E27FC236}">
+                <a16:creationId xmlns:a16="http://schemas.microsoft.com/office/drawing/2014/main" id="{ABF6DFF8-F8A9-4DCA-BA99-B2B4580C415A}"/>
+              </a:ext>
+            </a:extLst>
+          </p:cNvPr>
+          <p:cNvSpPr>
+            <a:spLocks noGrp="1"/>
+          </p:cNvSpPr>
+          <p:nvPr>
+            <p:ph idx="1"/>
+          </p:nvPr>
+        </p:nvSpPr>
+        <p:spPr/>
+        <p:txBody>
+          <a:bodyPr/>
+          <a:lstStyle/>
+          <a:p>
+            <a:r>
+              <a:rPr lang="pt-PT" dirty="0" err="1"/>
+              <a:t>The</a:t>
+            </a:r>
+            <a:r>
+              <a:rPr lang="pt-PT" dirty="0"/>
+              <a:t> </a:t>
+            </a:r>
+            <a:r>
+              <a:rPr lang="pt-PT" dirty="0" err="1"/>
+              <a:t>project</a:t>
+            </a:r>
+            <a:r>
+              <a:rPr lang="pt-PT" dirty="0"/>
+              <a:t> </a:t>
+            </a:r>
+            <a:r>
+              <a:rPr lang="pt-PT" dirty="0" err="1"/>
+              <a:t>will</a:t>
+            </a:r>
+            <a:r>
+              <a:rPr lang="pt-PT" dirty="0"/>
+              <a:t> </a:t>
+            </a:r>
+            <a:r>
+              <a:rPr lang="pt-PT" dirty="0" err="1"/>
+              <a:t>be</a:t>
+            </a:r>
+            <a:r>
+              <a:rPr lang="pt-PT" dirty="0"/>
+              <a:t> </a:t>
+            </a:r>
+            <a:r>
+              <a:rPr lang="pt-PT" dirty="0" err="1"/>
+              <a:t>developed</a:t>
+            </a:r>
+            <a:r>
+              <a:rPr lang="pt-PT" dirty="0"/>
+              <a:t> </a:t>
+            </a:r>
+            <a:r>
+              <a:rPr lang="pt-PT" dirty="0" err="1"/>
+              <a:t>mostly</a:t>
+            </a:r>
+            <a:r>
+              <a:rPr lang="pt-PT" dirty="0"/>
+              <a:t> in </a:t>
+            </a:r>
+            <a:r>
+              <a:rPr lang="pt-PT" dirty="0" err="1"/>
+              <a:t>Python</a:t>
+            </a:r>
+            <a:r>
+              <a:rPr lang="pt-PT" dirty="0"/>
+              <a:t> 3 </a:t>
+            </a:r>
+            <a:r>
+              <a:rPr lang="pt-PT" dirty="0" err="1"/>
+              <a:t>with</a:t>
+            </a:r>
+            <a:r>
+              <a:rPr lang="pt-PT" dirty="0"/>
+              <a:t> a </a:t>
+            </a:r>
+            <a:r>
+              <a:rPr lang="pt-PT" dirty="0" err="1"/>
+              <a:t>possible</a:t>
+            </a:r>
+            <a:r>
+              <a:rPr lang="pt-PT" dirty="0"/>
+              <a:t> </a:t>
+            </a:r>
+            <a:r>
+              <a:rPr lang="en-US" dirty="0"/>
+              <a:t>visualization using</a:t>
+            </a:r>
+            <a:r>
+              <a:rPr lang="pt-PT" dirty="0"/>
+              <a:t> in JavaScript.</a:t>
+            </a:r>
+          </a:p>
+          <a:p>
+            <a:r>
+              <a:rPr lang="en-US" dirty="0"/>
+              <a:t>The development environment used by the group to develop the project is PyCharm by JetBrains.</a:t>
+            </a:r>
+          </a:p>
+          <a:p>
+            <a:r>
+              <a:rPr lang="en-US" dirty="0"/>
+              <a:t>Data structures that will be most used are trees.</a:t>
+            </a:r>
+          </a:p>
+          <a:p>
+            <a:r>
+              <a:rPr lang="en-US" dirty="0"/>
+              <a:t>The project directory will follow this structure:</a:t>
+            </a:r>
+          </a:p>
+          <a:p>
+            <a:pPr lvl="1"/>
+            <a:r>
+              <a:rPr lang="en-US" dirty="0"/>
+              <a:t>Docs: where all documents will be stored;</a:t>
+            </a:r>
+          </a:p>
+          <a:p>
+            <a:pPr lvl="1"/>
+            <a:r>
+              <a:rPr lang="en-US" dirty="0" err="1"/>
+              <a:t>Src</a:t>
+            </a:r>
+            <a:r>
+              <a:rPr lang="en-US" dirty="0"/>
+              <a:t>: where the project’s source code is located;</a:t>
+            </a:r>
+          </a:p>
+          <a:p>
+            <a:pPr lvl="2"/>
+            <a:r>
+              <a:rPr lang="en-US" dirty="0"/>
+              <a:t>Assets: where code developed by others is located.</a:t>
+            </a:r>
+          </a:p>
+        </p:txBody>
+      </p:sp>
+    </p:spTree>
+    <p:extLst>
+      <p:ext uri="{BB962C8B-B14F-4D97-AF65-F5344CB8AC3E}">
+        <p14:creationId xmlns:p14="http://schemas.microsoft.com/office/powerpoint/2010/main" val="2168552250"/>
       </p:ext>
     </p:extLst>
   </p:cSld>

--- a/Projects/P1/doc/IART01.pptx
+++ b/Projects/P1/doc/IART01.pptx
@@ -4,11 +4,15 @@
   <p:sldMasterIdLst>
     <p:sldMasterId id="2147483672" r:id="rId1"/>
   </p:sldMasterIdLst>
+  <p:handoutMasterIdLst>
+    <p:handoutMasterId r:id="rId7"/>
+  </p:handoutMasterIdLst>
   <p:sldIdLst>
-    <p:sldId id="257" r:id="rId2"/>
-    <p:sldId id="258" r:id="rId3"/>
-    <p:sldId id="259" r:id="rId4"/>
-    <p:sldId id="260" r:id="rId5"/>
+    <p:sldId id="261" r:id="rId2"/>
+    <p:sldId id="257" r:id="rId3"/>
+    <p:sldId id="258" r:id="rId4"/>
+    <p:sldId id="259" r:id="rId5"/>
+    <p:sldId id="260" r:id="rId6"/>
   </p:sldIdLst>
   <p:sldSz cx="12192000" cy="6858000"/>
   <p:notesSz cx="6858000" cy="9144000"/>
@@ -115,8 +119,197 @@
 </p:presentation>
 </file>
 
+<file path=ppt/handoutMasters/handoutMaster1.xml><?xml version="1.0" encoding="utf-8"?>
+<p:handoutMaster xmlns:a="http://schemas.openxmlformats.org/drawingml/2006/main" xmlns:r="http://schemas.openxmlformats.org/officeDocument/2006/relationships" xmlns:p="http://schemas.openxmlformats.org/presentationml/2006/main">
+  <p:cSld>
+    <p:bg>
+      <p:bgRef idx="1001">
+        <a:schemeClr val="bg1"/>
+      </p:bgRef>
+    </p:bg>
+    <p:spTree>
+      <p:nvGrpSpPr>
+        <p:cNvPr id="1" name=""/>
+        <p:cNvGrpSpPr/>
+        <p:nvPr/>
+      </p:nvGrpSpPr>
+      <p:grpSpPr>
+        <a:xfrm>
+          <a:off x="0" y="0"/>
+          <a:ext cx="0" cy="0"/>
+          <a:chOff x="0" y="0"/>
+          <a:chExt cx="0" cy="0"/>
+        </a:xfrm>
+      </p:grpSpPr>
+      <p:sp>
+        <p:nvSpPr>
+          <p:cNvPr id="2" name="Header Placeholder 1">
+            <a:extLst>
+              <a:ext uri="{FF2B5EF4-FFF2-40B4-BE49-F238E27FC236}">
+                <a16:creationId xmlns:a16="http://schemas.microsoft.com/office/drawing/2014/main" id="{03ACA1FF-9958-44F8-A4F2-1C9839A10673}"/>
+              </a:ext>
+            </a:extLst>
+          </p:cNvPr>
+          <p:cNvSpPr>
+            <a:spLocks noGrp="1"/>
+          </p:cNvSpPr>
+          <p:nvPr>
+            <p:ph type="hdr" sz="quarter"/>
+          </p:nvPr>
+        </p:nvSpPr>
+        <p:spPr>
+          <a:xfrm>
+            <a:off x="0" y="0"/>
+            <a:ext cx="2971800" cy="458788"/>
+          </a:xfrm>
+          <a:prstGeom prst="rect">
+            <a:avLst/>
+          </a:prstGeom>
+        </p:spPr>
+        <p:txBody>
+          <a:bodyPr vert="horz" lIns="91440" tIns="45720" rIns="91440" bIns="45720" rtlCol="0"/>
+          <a:lstStyle>
+            <a:lvl1pPr algn="l">
+              <a:defRPr sz="1200"/>
+            </a:lvl1pPr>
+          </a:lstStyle>
+          <a:p>
+            <a:endParaRPr lang="pt-PT"/>
+          </a:p>
+        </p:txBody>
+      </p:sp>
+      <p:sp>
+        <p:nvSpPr>
+          <p:cNvPr id="3" name="Date Placeholder 2">
+            <a:extLst>
+              <a:ext uri="{FF2B5EF4-FFF2-40B4-BE49-F238E27FC236}">
+                <a16:creationId xmlns:a16="http://schemas.microsoft.com/office/drawing/2014/main" id="{053F35BD-47B8-49CA-97BB-7C13FB92D716}"/>
+              </a:ext>
+            </a:extLst>
+          </p:cNvPr>
+          <p:cNvSpPr>
+            <a:spLocks noGrp="1"/>
+          </p:cNvSpPr>
+          <p:nvPr>
+            <p:ph type="dt" sz="quarter" idx="1"/>
+          </p:nvPr>
+        </p:nvSpPr>
+        <p:spPr>
+          <a:xfrm>
+            <a:off x="3884613" y="0"/>
+            <a:ext cx="2971800" cy="458788"/>
+          </a:xfrm>
+          <a:prstGeom prst="rect">
+            <a:avLst/>
+          </a:prstGeom>
+        </p:spPr>
+        <p:txBody>
+          <a:bodyPr vert="horz" lIns="91440" tIns="45720" rIns="91440" bIns="45720" rtlCol="0"/>
+          <a:lstStyle>
+            <a:lvl1pPr algn="r">
+              <a:defRPr sz="1200"/>
+            </a:lvl1pPr>
+          </a:lstStyle>
+          <a:p>
+            <a:fld id="{3198FB46-316A-4315-9B41-C243CD40CDB0}" type="datetimeFigureOut">
+              <a:rPr lang="pt-PT" smtClean="0"/>
+              <a:t>10/03/2020</a:t>
+            </a:fld>
+            <a:endParaRPr lang="pt-PT"/>
+          </a:p>
+        </p:txBody>
+      </p:sp>
+      <p:sp>
+        <p:nvSpPr>
+          <p:cNvPr id="4" name="Footer Placeholder 3">
+            <a:extLst>
+              <a:ext uri="{FF2B5EF4-FFF2-40B4-BE49-F238E27FC236}">
+                <a16:creationId xmlns:a16="http://schemas.microsoft.com/office/drawing/2014/main" id="{68E2804F-D4F4-46AC-95F7-C3FC8B8559F1}"/>
+              </a:ext>
+            </a:extLst>
+          </p:cNvPr>
+          <p:cNvSpPr>
+            <a:spLocks noGrp="1"/>
+          </p:cNvSpPr>
+          <p:nvPr>
+            <p:ph type="ftr" sz="quarter" idx="2"/>
+          </p:nvPr>
+        </p:nvSpPr>
+        <p:spPr>
+          <a:xfrm>
+            <a:off x="0" y="8685213"/>
+            <a:ext cx="2971800" cy="458787"/>
+          </a:xfrm>
+          <a:prstGeom prst="rect">
+            <a:avLst/>
+          </a:prstGeom>
+        </p:spPr>
+        <p:txBody>
+          <a:bodyPr vert="horz" lIns="91440" tIns="45720" rIns="91440" bIns="45720" rtlCol="0" anchor="b"/>
+          <a:lstStyle>
+            <a:lvl1pPr algn="l">
+              <a:defRPr sz="1200"/>
+            </a:lvl1pPr>
+          </a:lstStyle>
+          <a:p>
+            <a:endParaRPr lang="pt-PT"/>
+          </a:p>
+        </p:txBody>
+      </p:sp>
+      <p:sp>
+        <p:nvSpPr>
+          <p:cNvPr id="5" name="Slide Number Placeholder 4">
+            <a:extLst>
+              <a:ext uri="{FF2B5EF4-FFF2-40B4-BE49-F238E27FC236}">
+                <a16:creationId xmlns:a16="http://schemas.microsoft.com/office/drawing/2014/main" id="{E509E64C-B28D-4813-9CBB-AB4A915335F6}"/>
+              </a:ext>
+            </a:extLst>
+          </p:cNvPr>
+          <p:cNvSpPr>
+            <a:spLocks noGrp="1"/>
+          </p:cNvSpPr>
+          <p:nvPr>
+            <p:ph type="sldNum" sz="quarter" idx="3"/>
+          </p:nvPr>
+        </p:nvSpPr>
+        <p:spPr>
+          <a:xfrm>
+            <a:off x="3884613" y="8685213"/>
+            <a:ext cx="2971800" cy="458787"/>
+          </a:xfrm>
+          <a:prstGeom prst="rect">
+            <a:avLst/>
+          </a:prstGeom>
+        </p:spPr>
+        <p:txBody>
+          <a:bodyPr vert="horz" lIns="91440" tIns="45720" rIns="91440" bIns="45720" rtlCol="0" anchor="b"/>
+          <a:lstStyle>
+            <a:lvl1pPr algn="r">
+              <a:defRPr sz="1200"/>
+            </a:lvl1pPr>
+          </a:lstStyle>
+          <a:p>
+            <a:fld id="{BC06498D-EC0A-4992-99AE-73C0AB70FC23}" type="slidenum">
+              <a:rPr lang="pt-PT" smtClean="0"/>
+              <a:t>‹#›</a:t>
+            </a:fld>
+            <a:endParaRPr lang="pt-PT"/>
+          </a:p>
+        </p:txBody>
+      </p:sp>
+    </p:spTree>
+    <p:extLst>
+      <p:ext uri="{BB962C8B-B14F-4D97-AF65-F5344CB8AC3E}">
+        <p14:creationId xmlns:p14="http://schemas.microsoft.com/office/powerpoint/2010/main" val="1116489221"/>
+      </p:ext>
+    </p:extLst>
+  </p:cSld>
+  <p:clrMap bg1="lt1" tx1="dk1" bg2="lt2" tx2="dk2" accent1="accent1" accent2="accent2" accent3="accent3" accent4="accent4" accent5="accent5" accent6="accent6" hlink="hlink" folHlink="folHlink"/>
+</p:handoutMaster>
+</file>
+
 <file path=ppt/slideLayouts/slideLayout1.xml><?xml version="1.0" encoding="utf-8"?>
-<p:sldLayout xmlns:a="http://schemas.openxmlformats.org/drawingml/2006/main" xmlns:r="http://schemas.openxmlformats.org/officeDocument/2006/relationships" xmlns:p="http://schemas.openxmlformats.org/presentationml/2006/main" showMasterSp="0" type="title" preserve="1">
+<p:sldLayout xmlns:a="http://schemas.openxmlformats.org/drawingml/2006/main" xmlns:r="http://schemas.openxmlformats.org/officeDocument/2006/relationships" xmlns:p="http://schemas.openxmlformats.org/presentationml/2006/main" type="title" preserve="1">
   <p:cSld name="Title Slide">
     <p:spTree>
       <p:nvGrpSpPr>
@@ -341,7 +534,7 @@
           <a:p>
             <a:fld id="{E8A19EEC-21EA-4CAF-8095-9FB30FBE369D}" type="datetimeFigureOut">
               <a:rPr lang="en-US" smtClean="0"/>
-              <a:t>09-Mar-20</a:t>
+              <a:t>10-Mar-20</a:t>
             </a:fld>
             <a:endParaRPr lang="en-US"/>
           </a:p>
@@ -549,7 +742,7 @@
           <a:p>
             <a:fld id="{E8A19EEC-21EA-4CAF-8095-9FB30FBE369D}" type="datetimeFigureOut">
               <a:rPr lang="en-US" smtClean="0"/>
-              <a:t>09-Mar-20</a:t>
+              <a:t>10-Mar-20</a:t>
             </a:fld>
             <a:endParaRPr lang="en-US"/>
           </a:p>
@@ -611,7 +804,7 @@
 </file>
 
 <file path=ppt/slideLayouts/slideLayout11.xml><?xml version="1.0" encoding="utf-8"?>
-<p:sldLayout xmlns:a="http://schemas.openxmlformats.org/drawingml/2006/main" xmlns:r="http://schemas.openxmlformats.org/officeDocument/2006/relationships" xmlns:p="http://schemas.openxmlformats.org/presentationml/2006/main" showMasterSp="0" type="vertTitleAndTx" preserve="1">
+<p:sldLayout xmlns:a="http://schemas.openxmlformats.org/drawingml/2006/main" xmlns:r="http://schemas.openxmlformats.org/officeDocument/2006/relationships" xmlns:p="http://schemas.openxmlformats.org/presentationml/2006/main" type="vertTitleAndTx" preserve="1">
   <p:cSld name="Vertical Title and Text">
     <p:spTree>
       <p:nvGrpSpPr>
@@ -805,7 +998,7 @@
           <a:p>
             <a:fld id="{E8A19EEC-21EA-4CAF-8095-9FB30FBE369D}" type="datetimeFigureOut">
               <a:rPr lang="en-US" smtClean="0"/>
-              <a:t>09-Mar-20</a:t>
+              <a:t>10-Mar-20</a:t>
             </a:fld>
             <a:endParaRPr lang="en-US"/>
           </a:p>
@@ -893,20 +1086,24 @@
             <p:ph type="title"/>
           </p:nvPr>
         </p:nvSpPr>
-        <p:spPr/>
+        <p:spPr>
+          <a:xfrm>
+            <a:off x="161925" y="6456"/>
+            <a:ext cx="11887200" cy="872612"/>
+          </a:xfrm>
+        </p:spPr>
         <p:txBody>
           <a:bodyPr/>
           <a:lstStyle>
             <a:lvl1pPr marL="0">
-              <a:defRPr/>
+              <a:defRPr b="1"/>
             </a:lvl1pPr>
           </a:lstStyle>
           <a:p>
             <a:r>
-              <a:rPr lang="en-US"/>
+              <a:rPr lang="en-US" dirty="0"/>
               <a:t>Click to edit Master title style</a:t>
             </a:r>
-            <a:endParaRPr lang="en-US" dirty="0"/>
           </a:p>
         </p:txBody>
       </p:sp>
@@ -920,7 +1117,12 @@
             <p:ph idx="1"/>
           </p:nvPr>
         </p:nvSpPr>
-        <p:spPr/>
+        <p:spPr>
+          <a:xfrm>
+            <a:off x="161925" y="1038691"/>
+            <a:ext cx="11925300" cy="5220065"/>
+          </a:xfrm>
+        </p:spPr>
         <p:txBody>
           <a:bodyPr/>
           <a:lstStyle/>
@@ -972,35 +1174,52 @@
             <p:ph type="dt" sz="half" idx="10"/>
           </p:nvPr>
         </p:nvSpPr>
+        <p:spPr>
+          <a:xfrm>
+            <a:off x="161925" y="6459785"/>
+            <a:ext cx="3267075" cy="365125"/>
+          </a:xfrm>
+        </p:spPr>
+        <p:txBody>
+          <a:bodyPr/>
+          <a:lstStyle>
+            <a:lvl1pPr>
+              <a:defRPr sz="1000" b="1"/>
+            </a:lvl1pPr>
+          </a:lstStyle>
+          <a:p>
+            <a:r>
+              <a:rPr lang="en-US"/>
+              <a:t>March 2020</a:t>
+            </a:r>
+            <a:endParaRPr lang="en-US" dirty="0"/>
+          </a:p>
+        </p:txBody>
+      </p:sp>
+      <p:sp>
+        <p:nvSpPr>
+          <p:cNvPr id="5" name="Footer Placeholder 4"/>
+          <p:cNvSpPr>
+            <a:spLocks noGrp="1"/>
+          </p:cNvSpPr>
+          <p:nvPr>
+            <p:ph type="ftr" sz="quarter" idx="11"/>
+          </p:nvPr>
+        </p:nvSpPr>
         <p:spPr/>
         <p:txBody>
           <a:bodyPr/>
-          <a:lstStyle/>
-          <a:p>
-            <a:fld id="{E8A19EEC-21EA-4CAF-8095-9FB30FBE369D}" type="datetimeFigureOut">
-              <a:rPr lang="en-US" smtClean="0"/>
-              <a:t>09-Mar-20</a:t>
-            </a:fld>
-            <a:endParaRPr lang="en-US"/>
-          </a:p>
-        </p:txBody>
-      </p:sp>
-      <p:sp>
-        <p:nvSpPr>
-          <p:cNvPr id="5" name="Footer Placeholder 4"/>
-          <p:cNvSpPr>
-            <a:spLocks noGrp="1"/>
-          </p:cNvSpPr>
-          <p:nvPr>
-            <p:ph type="ftr" sz="quarter" idx="11"/>
-          </p:nvPr>
-        </p:nvSpPr>
-        <p:spPr/>
-        <p:txBody>
-          <a:bodyPr/>
-          <a:lstStyle/>
-          <a:p>
-            <a:endParaRPr lang="en-US"/>
+          <a:lstStyle>
+            <a:lvl1pPr>
+              <a:defRPr sz="1000" b="1"/>
+            </a:lvl1pPr>
+          </a:lstStyle>
+          <a:p>
+            <a:r>
+              <a:rPr lang="en-US"/>
+              <a:t>artificial intelligence</a:t>
+            </a:r>
+            <a:endParaRPr lang="en-US" dirty="0"/>
           </a:p>
         </p:txBody>
       </p:sp>
@@ -1023,10 +1242,53 @@
               <a:rPr lang="en-US" smtClean="0"/>
               <a:t>‹#›</a:t>
             </a:fld>
-            <a:endParaRPr lang="en-US"/>
-          </a:p>
-        </p:txBody>
-      </p:sp>
+            <a:endParaRPr lang="en-US" dirty="0"/>
+          </a:p>
+        </p:txBody>
+      </p:sp>
+      <p:cxnSp>
+        <p:nvCxnSpPr>
+          <p:cNvPr id="8" name="Straight Connector 7">
+            <a:extLst>
+              <a:ext uri="{FF2B5EF4-FFF2-40B4-BE49-F238E27FC236}">
+                <a16:creationId xmlns:a16="http://schemas.microsoft.com/office/drawing/2014/main" id="{D24380DC-2342-43C1-A9F4-DA421C252B4B}"/>
+              </a:ext>
+            </a:extLst>
+          </p:cNvPr>
+          <p:cNvCxnSpPr>
+            <a:cxnSpLocks/>
+          </p:cNvCxnSpPr>
+          <p:nvPr userDrawn="1"/>
+        </p:nvCxnSpPr>
+        <p:spPr>
+          <a:xfrm>
+            <a:off x="161925" y="922992"/>
+            <a:ext cx="11887200" cy="0"/>
+          </a:xfrm>
+          <a:prstGeom prst="line">
+            <a:avLst/>
+          </a:prstGeom>
+          <a:ln>
+            <a:solidFill>
+              <a:srgbClr val="002060"/>
+            </a:solidFill>
+          </a:ln>
+        </p:spPr>
+        <p:style>
+          <a:lnRef idx="1">
+            <a:schemeClr val="accent1"/>
+          </a:lnRef>
+          <a:fillRef idx="0">
+            <a:schemeClr val="accent1"/>
+          </a:fillRef>
+          <a:effectRef idx="0">
+            <a:schemeClr val="accent1"/>
+          </a:effectRef>
+          <a:fontRef idx="minor">
+            <a:schemeClr val="tx1"/>
+          </a:fontRef>
+        </p:style>
+      </p:cxnSp>
     </p:spTree>
     <p:extLst>
       <p:ext uri="{BB962C8B-B14F-4D97-AF65-F5344CB8AC3E}">
@@ -1041,16 +1303,8 @@
 </file>
 
 <file path=ppt/slideLayouts/slideLayout3.xml><?xml version="1.0" encoding="utf-8"?>
-<p:sldLayout xmlns:a="http://schemas.openxmlformats.org/drawingml/2006/main" xmlns:r="http://schemas.openxmlformats.org/officeDocument/2006/relationships" xmlns:p="http://schemas.openxmlformats.org/presentationml/2006/main" showMasterSp="0" type="secHead" preserve="1">
+<p:sldLayout xmlns:a="http://schemas.openxmlformats.org/drawingml/2006/main" xmlns:r="http://schemas.openxmlformats.org/officeDocument/2006/relationships" xmlns:p="http://schemas.openxmlformats.org/presentationml/2006/main" type="secHead" preserve="1">
   <p:cSld name="Section Header">
-    <p:bg>
-      <p:bgPr>
-        <a:solidFill>
-          <a:schemeClr val="bg1"/>
-        </a:solidFill>
-        <a:effectLst/>
-      </p:bgPr>
-    </p:bg>
     <p:spTree>
       <p:nvGrpSpPr>
         <p:cNvPr id="1" name=""/>
@@ -1322,7 +1576,7 @@
           <a:p>
             <a:fld id="{E8A19EEC-21EA-4CAF-8095-9FB30FBE369D}" type="datetimeFigureOut">
               <a:rPr lang="en-US" smtClean="0"/>
-              <a:t>09-Mar-20</a:t>
+              <a:t>10-Mar-20</a:t>
             </a:fld>
             <a:endParaRPr lang="en-US"/>
           </a:p>
@@ -1597,7 +1851,7 @@
           <a:p>
             <a:fld id="{E8A19EEC-21EA-4CAF-8095-9FB30FBE369D}" type="datetimeFigureOut">
               <a:rPr lang="en-US" smtClean="0"/>
-              <a:t>09-Mar-20</a:t>
+              <a:t>10-Mar-20</a:t>
             </a:fld>
             <a:endParaRPr lang="en-US"/>
           </a:p>
@@ -1976,7 +2230,7 @@
           <a:p>
             <a:fld id="{E8A19EEC-21EA-4CAF-8095-9FB30FBE369D}" type="datetimeFigureOut">
               <a:rPr lang="en-US" smtClean="0"/>
-              <a:t>09-Mar-20</a:t>
+              <a:t>10-Mar-20</a:t>
             </a:fld>
             <a:endParaRPr lang="en-US"/>
           </a:p>
@@ -2094,7 +2348,7 @@
           <a:p>
             <a:fld id="{E8A19EEC-21EA-4CAF-8095-9FB30FBE369D}" type="datetimeFigureOut">
               <a:rPr lang="en-US" smtClean="0"/>
-              <a:t>09-Mar-20</a:t>
+              <a:t>10-Mar-20</a:t>
             </a:fld>
             <a:endParaRPr lang="en-US"/>
           </a:p>
@@ -2156,7 +2410,7 @@
 </file>
 
 <file path=ppt/slideLayouts/slideLayout7.xml><?xml version="1.0" encoding="utf-8"?>
-<p:sldLayout xmlns:a="http://schemas.openxmlformats.org/drawingml/2006/main" xmlns:r="http://schemas.openxmlformats.org/officeDocument/2006/relationships" xmlns:p="http://schemas.openxmlformats.org/presentationml/2006/main" showMasterSp="0" type="blank" preserve="1">
+<p:sldLayout xmlns:a="http://schemas.openxmlformats.org/drawingml/2006/main" xmlns:r="http://schemas.openxmlformats.org/officeDocument/2006/relationships" xmlns:p="http://schemas.openxmlformats.org/presentationml/2006/main" type="blank" preserve="1">
   <p:cSld name="Blank">
     <p:spTree>
       <p:nvGrpSpPr>
@@ -2265,7 +2519,7 @@
           <a:p>
             <a:fld id="{E8A19EEC-21EA-4CAF-8095-9FB30FBE369D}" type="datetimeFigureOut">
               <a:rPr lang="en-US" smtClean="0"/>
-              <a:t>09-Mar-20</a:t>
+              <a:t>10-Mar-20</a:t>
             </a:fld>
             <a:endParaRPr lang="en-US"/>
           </a:p>
@@ -2335,7 +2589,7 @@
 </file>
 
 <file path=ppt/slideLayouts/slideLayout8.xml><?xml version="1.0" encoding="utf-8"?>
-<p:sldLayout xmlns:a="http://schemas.openxmlformats.org/drawingml/2006/main" xmlns:r="http://schemas.openxmlformats.org/officeDocument/2006/relationships" xmlns:p="http://schemas.openxmlformats.org/presentationml/2006/main" showMasterSp="0" type="objTx" preserve="1">
+<p:sldLayout xmlns:a="http://schemas.openxmlformats.org/drawingml/2006/main" xmlns:r="http://schemas.openxmlformats.org/officeDocument/2006/relationships" xmlns:p="http://schemas.openxmlformats.org/presentationml/2006/main" type="objTx" preserve="1">
   <p:cSld name="Content with Caption">
     <p:spTree>
       <p:nvGrpSpPr>
@@ -2359,8 +2613,8 @@
         </p:nvSpPr>
         <p:spPr>
           <a:xfrm>
-            <a:off x="16" y="0"/>
-            <a:ext cx="4050791" cy="6858000"/>
+            <a:off x="0" y="0"/>
+            <a:ext cx="4040071" cy="6858000"/>
           </a:xfrm>
           <a:prstGeom prst="rect">
             <a:avLst/>
@@ -2449,7 +2703,7 @@
           </a:bodyPr>
           <a:lstStyle>
             <a:lvl1pPr>
-              <a:defRPr sz="3600" b="0">
+              <a:defRPr sz="3600" b="1">
                 <a:solidFill>
                   <a:srgbClr val="FFFFFF"/>
                 </a:solidFill>
@@ -2458,10 +2712,9 @@
           </a:lstStyle>
           <a:p>
             <a:r>
-              <a:rPr lang="en-US"/>
+              <a:rPr lang="en-US" dirty="0"/>
               <a:t>Click to edit Master title style</a:t>
             </a:r>
-            <a:endParaRPr lang="en-US" dirty="0"/>
           </a:p>
         </p:txBody>
       </p:sp>
@@ -2545,7 +2798,7 @@
           <a:lstStyle>
             <a:lvl1pPr marL="0" indent="0">
               <a:buNone/>
-              <a:defRPr sz="1500">
+              <a:defRPr sz="1500" b="1">
                 <a:solidFill>
                   <a:srgbClr val="FFFFFF"/>
                 </a:solidFill>
@@ -2587,7 +2840,7 @@
           <a:p>
             <a:pPr lvl="0"/>
             <a:r>
-              <a:rPr lang="en-US"/>
+              <a:rPr lang="en-US" dirty="0"/>
               <a:t>Click to edit Master text styles</a:t>
             </a:r>
           </a:p>
@@ -2613,47 +2866,15 @@
           <a:bodyPr/>
           <a:lstStyle>
             <a:lvl1pPr algn="l">
-              <a:defRPr/>
+              <a:defRPr sz="1000" b="1"/>
             </a:lvl1pPr>
           </a:lstStyle>
           <a:p>
-            <a:fld id="{E8A19EEC-21EA-4CAF-8095-9FB30FBE369D}" type="datetimeFigureOut">
-              <a:rPr lang="en-US" smtClean="0"/>
-              <a:t>09-Mar-20</a:t>
-            </a:fld>
-            <a:endParaRPr lang="en-US"/>
-          </a:p>
-        </p:txBody>
-      </p:sp>
-      <p:sp>
-        <p:nvSpPr>
-          <p:cNvPr id="6" name="Footer Placeholder 5"/>
-          <p:cNvSpPr>
-            <a:spLocks noGrp="1"/>
-          </p:cNvSpPr>
-          <p:nvPr>
-            <p:ph type="ftr" sz="quarter" idx="11"/>
-          </p:nvPr>
-        </p:nvSpPr>
-        <p:spPr>
-          <a:xfrm>
-            <a:off x="4800600" y="6459785"/>
-            <a:ext cx="4648200" cy="365125"/>
-          </a:xfrm>
-        </p:spPr>
-        <p:txBody>
-          <a:bodyPr/>
-          <a:lstStyle>
-            <a:lvl1pPr algn="l">
-              <a:defRPr>
-                <a:solidFill>
-                  <a:schemeClr val="tx2"/>
-                </a:solidFill>
-              </a:defRPr>
-            </a:lvl1pPr>
-          </a:lstStyle>
-          <a:p>
-            <a:endParaRPr lang="en-US"/>
+            <a:r>
+              <a:rPr lang="en-US"/>
+              <a:t>March 2020</a:t>
+            </a:r>
+            <a:endParaRPr lang="en-US" dirty="0"/>
           </a:p>
         </p:txBody>
       </p:sp>
@@ -2702,7 +2923,7 @@
 </file>
 
 <file path=ppt/slideLayouts/slideLayout9.xml><?xml version="1.0" encoding="utf-8"?>
-<p:sldLayout xmlns:a="http://schemas.openxmlformats.org/drawingml/2006/main" xmlns:r="http://schemas.openxmlformats.org/officeDocument/2006/relationships" xmlns:p="http://schemas.openxmlformats.org/presentationml/2006/main" showMasterSp="0" type="picTx" preserve="1">
+<p:sldLayout xmlns:a="http://schemas.openxmlformats.org/drawingml/2006/main" xmlns:r="http://schemas.openxmlformats.org/officeDocument/2006/relationships" xmlns:p="http://schemas.openxmlformats.org/presentationml/2006/main" type="picTx" preserve="1">
   <p:cSld name="Picture with Caption">
     <p:spTree>
       <p:nvGrpSpPr>
@@ -3001,7 +3222,7 @@
           <a:p>
             <a:fld id="{E8A19EEC-21EA-4CAF-8095-9FB30FBE369D}" type="datetimeFigureOut">
               <a:rPr lang="en-US" smtClean="0"/>
-              <a:t>09-Mar-20</a:t>
+              <a:t>10-Mar-20</a:t>
             </a:fld>
             <a:endParaRPr lang="en-US"/>
           </a:p>
@@ -3172,8 +3393,8 @@
         </p:nvSpPr>
         <p:spPr>
           <a:xfrm>
-            <a:off x="1097280" y="286603"/>
-            <a:ext cx="10058400" cy="1450757"/>
+            <a:off x="1612185" y="144561"/>
+            <a:ext cx="10058400" cy="881716"/>
           </a:xfrm>
           <a:prstGeom prst="rect">
             <a:avLst/>
@@ -3186,10 +3407,9 @@
           <a:lstStyle/>
           <a:p>
             <a:r>
-              <a:rPr lang="en-US"/>
+              <a:rPr lang="en-150" noProof="0"/>
               <a:t>Click to edit Master title style</a:t>
             </a:r>
-            <a:endParaRPr lang="en-US" dirty="0"/>
           </a:p>
         </p:txBody>
       </p:sp>
@@ -3220,38 +3440,37 @@
           <a:p>
             <a:pPr lvl="0"/>
             <a:r>
-              <a:rPr lang="en-US"/>
+              <a:rPr lang="en-150" noProof="0"/>
               <a:t>Click to edit Master text styles</a:t>
             </a:r>
           </a:p>
           <a:p>
             <a:pPr lvl="1"/>
             <a:r>
-              <a:rPr lang="en-US"/>
+              <a:rPr lang="en-150" noProof="0"/>
               <a:t>Second level</a:t>
             </a:r>
           </a:p>
           <a:p>
             <a:pPr lvl="2"/>
             <a:r>
-              <a:rPr lang="en-US"/>
+              <a:rPr lang="en-150" noProof="0"/>
               <a:t>Third level</a:t>
             </a:r>
           </a:p>
           <a:p>
             <a:pPr lvl="3"/>
             <a:r>
-              <a:rPr lang="en-US"/>
+              <a:rPr lang="en-150" noProof="0"/>
               <a:t>Fourth level</a:t>
             </a:r>
           </a:p>
           <a:p>
             <a:pPr lvl="4"/>
             <a:r>
-              <a:rPr lang="en-US"/>
+              <a:rPr lang="en-150" noProof="0"/>
               <a:t>Fifth level</a:t>
             </a:r>
-            <a:endParaRPr lang="en-US" dirty="0"/>
           </a:p>
         </p:txBody>
       </p:sp>
@@ -3288,7 +3507,7 @@
           <a:p>
             <a:fld id="{E8A19EEC-21EA-4CAF-8095-9FB30FBE369D}" type="datetimeFigureOut">
               <a:rPr lang="en-US" smtClean="0"/>
-              <a:t>09-Mar-20</a:t>
+              <a:t>10-Mar-20</a:t>
             </a:fld>
             <a:endParaRPr lang="en-US"/>
           </a:p>
@@ -3368,44 +3587,6 @@
           </a:p>
         </p:txBody>
       </p:sp>
-      <p:cxnSp>
-        <p:nvCxnSpPr>
-          <p:cNvPr id="10" name="Straight Connector 9"/>
-          <p:cNvCxnSpPr/>
-          <p:nvPr/>
-        </p:nvCxnSpPr>
-        <p:spPr>
-          <a:xfrm>
-            <a:off x="1193532" y="1737845"/>
-            <a:ext cx="9966960" cy="0"/>
-          </a:xfrm>
-          <a:prstGeom prst="line">
-            <a:avLst/>
-          </a:prstGeom>
-          <a:ln w="6350">
-            <a:solidFill>
-              <a:schemeClr val="tx1">
-                <a:lumMod val="50000"/>
-                <a:lumOff val="50000"/>
-              </a:schemeClr>
-            </a:solidFill>
-          </a:ln>
-        </p:spPr>
-        <p:style>
-          <a:lnRef idx="1">
-            <a:schemeClr val="accent1"/>
-          </a:lnRef>
-          <a:fillRef idx="0">
-            <a:schemeClr val="accent1"/>
-          </a:fillRef>
-          <a:effectRef idx="0">
-            <a:schemeClr val="accent1"/>
-          </a:effectRef>
-          <a:fontRef idx="minor">
-            <a:schemeClr val="tx1"/>
-          </a:fontRef>
-        </p:style>
-      </p:cxnSp>
     </p:spTree>
     <p:extLst>
       <p:ext uri="{BB962C8B-B14F-4D97-AF65-F5344CB8AC3E}">
@@ -3817,7 +3998,7 @@
           <p:cNvPr id="2" name="Title 1">
             <a:extLst>
               <a:ext uri="{FF2B5EF4-FFF2-40B4-BE49-F238E27FC236}">
-                <a16:creationId xmlns:a16="http://schemas.microsoft.com/office/drawing/2014/main" id="{7DB07CBC-281B-46F3-9733-F591F654B8CB}"/>
+                <a16:creationId xmlns:a16="http://schemas.microsoft.com/office/drawing/2014/main" id="{B1924548-7DFA-405A-A843-589A1EA546DA}"/>
               </a:ext>
             </a:extLst>
           </p:cNvPr>
@@ -3830,29 +4011,36 @@
         </p:nvSpPr>
         <p:spPr>
           <a:xfrm>
-            <a:off x="1451579" y="804519"/>
-            <a:ext cx="9603275" cy="660297"/>
+            <a:off x="301658" y="-4"/>
+            <a:ext cx="3591612" cy="2394407"/>
           </a:xfrm>
         </p:spPr>
         <p:txBody>
           <a:bodyPr>
-            <a:normAutofit fontScale="90000"/>
+            <a:normAutofit/>
           </a:bodyPr>
           <a:lstStyle/>
           <a:p>
-            <a:r>
-              <a:rPr lang="pt-PT" dirty="0" err="1"/>
-              <a:t>Problem</a:t>
-            </a:r>
-            <a:r>
-              <a:rPr lang="pt-PT" dirty="0"/>
-              <a:t> </a:t>
-            </a:r>
-            <a:r>
-              <a:rPr lang="pt-PT" dirty="0" err="1"/>
-              <a:t>Description</a:t>
-            </a:r>
-            <a:endParaRPr lang="en-US" dirty="0"/>
+            <a:pPr>
+              <a:spcAft>
+                <a:spcPts val="1200"/>
+              </a:spcAft>
+            </a:pPr>
+            <a:r>
+              <a:rPr lang="en-US" sz="4000" dirty="0"/>
+              <a:t>Artificial Intelligence</a:t>
+            </a:r>
+            <a:br>
+              <a:rPr lang="en-US" sz="4000" dirty="0"/>
+            </a:br>
+            <a:br>
+              <a:rPr lang="en-US" sz="4000" dirty="0"/>
+            </a:br>
+            <a:r>
+              <a:rPr lang="en-US" sz="4000" dirty="0"/>
+              <a:t>Self Driving Rides</a:t>
+            </a:r>
+            <a:endParaRPr lang="pt-PT" sz="4000" dirty="0"/>
           </a:p>
         </p:txBody>
       </p:sp>
@@ -3861,7 +4049,7 @@
           <p:cNvPr id="3" name="Content Placeholder 2">
             <a:extLst>
               <a:ext uri="{FF2B5EF4-FFF2-40B4-BE49-F238E27FC236}">
-                <a16:creationId xmlns:a16="http://schemas.microsoft.com/office/drawing/2014/main" id="{DEE151C5-442E-432C-B4C3-72418C120A28}"/>
+                <a16:creationId xmlns:a16="http://schemas.microsoft.com/office/drawing/2014/main" id="{F234D29A-2EDB-49E4-9BFD-459E80BACAC8}"/>
               </a:ext>
             </a:extLst>
           </p:cNvPr>
@@ -3872,367 +4060,123 @@
             <p:ph idx="1"/>
           </p:nvPr>
         </p:nvSpPr>
-        <p:spPr>
-          <a:xfrm>
-            <a:off x="1066800" y="1836209"/>
-            <a:ext cx="10058400" cy="4440766"/>
-          </a:xfrm>
-        </p:spPr>
-        <p:txBody>
-          <a:bodyPr numCol="2">
-            <a:normAutofit/>
-          </a:bodyPr>
+        <p:spPr/>
+        <p:txBody>
+          <a:bodyPr/>
           <a:lstStyle/>
           <a:p>
+            <a:endParaRPr lang="pt-PT" dirty="0"/>
+          </a:p>
+        </p:txBody>
+      </p:sp>
+      <p:sp>
+        <p:nvSpPr>
+          <p:cNvPr id="4" name="Text Placeholder 3">
+            <a:extLst>
+              <a:ext uri="{FF2B5EF4-FFF2-40B4-BE49-F238E27FC236}">
+                <a16:creationId xmlns:a16="http://schemas.microsoft.com/office/drawing/2014/main" id="{BBEA73BE-0F18-4740-A07F-431300A206E2}"/>
+              </a:ext>
+            </a:extLst>
+          </p:cNvPr>
+          <p:cNvSpPr>
+            <a:spLocks noGrp="1"/>
+          </p:cNvSpPr>
+          <p:nvPr>
+            <p:ph type="body" sz="half" idx="2"/>
+          </p:nvPr>
+        </p:nvSpPr>
+        <p:spPr/>
+        <p:txBody>
+          <a:bodyPr/>
+          <a:lstStyle/>
+          <a:p>
+            <a:r>
+              <a:rPr lang="en-US" dirty="0"/>
+              <a:t>March 2020</a:t>
+            </a:r>
+          </a:p>
+          <a:p>
+            <a:endParaRPr lang="en-US" dirty="0"/>
+          </a:p>
+          <a:p>
             <a:pPr>
-              <a:lnSpc>
-                <a:spcPct val="100000"/>
-              </a:lnSpc>
               <a:spcBef>
                 <a:spcPts val="0"/>
               </a:spcBef>
-              <a:spcAft>
-                <a:spcPts val="0"/>
-              </a:spcAft>
             </a:pPr>
             <a:r>
-              <a:rPr lang="en-US" sz="1300" b="1" dirty="0"/>
-              <a:t>Map</a:t>
-            </a:r>
-            <a:r>
-              <a:rPr lang="en-US" sz="1300" dirty="0"/>
-              <a:t>:</a:t>
-            </a:r>
-            <a:r>
-              <a:rPr lang="en-US" sz="1400" b="1" dirty="0"/>
-              <a:t> </a:t>
-            </a:r>
-            <a:r>
-              <a:rPr lang="en-US" sz="1300" dirty="0"/>
-              <a:t>The city is represented by a rectangular grid of streets, with R horizontal streets (rows) and C vertical streets (columns). Street intersections are referenced by integer, 0-based coordinates of the horizontal and the vertical street. For example, [r, c] means the intersection of the r-</a:t>
-            </a:r>
-            <a:r>
-              <a:rPr lang="en-US" sz="1300" dirty="0" err="1"/>
-              <a:t>th</a:t>
-            </a:r>
-            <a:r>
-              <a:rPr lang="en-US" sz="1300" dirty="0"/>
-              <a:t> horizontal and the c-</a:t>
-            </a:r>
-            <a:r>
-              <a:rPr lang="en-US" sz="1300" dirty="0" err="1"/>
-              <a:t>th</a:t>
-            </a:r>
-            <a:r>
-              <a:rPr lang="en-US" sz="1300" dirty="0"/>
-              <a:t> vertical street ( 0 ≤ r &lt; R, 0 ≤ c &lt; C ).</a:t>
+              <a:rPr lang="en-US" dirty="0"/>
+              <a:t>Francisco</a:t>
             </a:r>
           </a:p>
           <a:p>
             <a:pPr>
-              <a:lnSpc>
-                <a:spcPct val="100000"/>
-              </a:lnSpc>
               <a:spcBef>
                 <a:spcPts val="0"/>
               </a:spcBef>
-              <a:spcAft>
-                <a:spcPts val="0"/>
-              </a:spcAft>
             </a:pPr>
-            <a:endParaRPr lang="en-US" sz="1300" dirty="0"/>
+            <a:r>
+              <a:rPr lang="en-US" dirty="0"/>
+              <a:t>Luís </a:t>
+            </a:r>
           </a:p>
           <a:p>
             <a:pPr>
-              <a:lnSpc>
-                <a:spcPct val="100000"/>
-              </a:lnSpc>
               <a:spcBef>
                 <a:spcPts val="0"/>
               </a:spcBef>
-              <a:spcAft>
-                <a:spcPts val="0"/>
-              </a:spcAft>
             </a:pPr>
             <a:r>
-              <a:rPr lang="en-US" sz="1300" b="1" dirty="0"/>
-              <a:t>Vehicles</a:t>
-            </a:r>
-            <a:r>
-              <a:rPr lang="en-US" sz="1300" dirty="0"/>
-              <a:t>:</a:t>
-            </a:r>
-            <a:r>
-              <a:rPr lang="en-US" sz="1300" b="1" dirty="0"/>
-              <a:t> </a:t>
-            </a:r>
-            <a:r>
-              <a:rPr lang="en-US" sz="1200" dirty="0"/>
-              <a:t>There are F vehicles in the fleet. At the beginning of the simulation, all vehicles are in the intersection [0, 0]. There is no limit to how many vehicles can be in the same intersection. </a:t>
-            </a:r>
-          </a:p>
-          <a:p>
-            <a:pPr>
-              <a:lnSpc>
-                <a:spcPct val="100000"/>
-              </a:lnSpc>
-              <a:spcBef>
-                <a:spcPts val="0"/>
-              </a:spcBef>
-              <a:spcAft>
-                <a:spcPts val="0"/>
-              </a:spcAft>
-            </a:pPr>
-            <a:endParaRPr lang="en-US" sz="1200" dirty="0"/>
-          </a:p>
-          <a:p>
-            <a:pPr>
-              <a:lnSpc>
-                <a:spcPct val="100000"/>
-              </a:lnSpc>
-              <a:spcBef>
-                <a:spcPts val="0"/>
-              </a:spcBef>
-              <a:spcAft>
-                <a:spcPts val="0"/>
-              </a:spcAft>
-            </a:pPr>
-            <a:r>
-              <a:rPr lang="en-US" sz="1300" b="1" dirty="0"/>
-              <a:t>Time and distance</a:t>
-            </a:r>
-            <a:r>
-              <a:rPr lang="en-US" sz="1300" dirty="0"/>
-              <a:t>:</a:t>
-            </a:r>
-            <a:r>
-              <a:rPr lang="en-US" sz="1400" b="1" dirty="0"/>
-              <a:t> </a:t>
-            </a:r>
-            <a:r>
-              <a:rPr lang="en-US" sz="1200" dirty="0"/>
-              <a:t>The simulation proceeds in T steps, from 0 to T − 1 . The distance between two intersections is defined as the minimum total number of city blocks (cells in the grid) that a vehicle has to pass in each direction to get from one intersection to the other. That is, the distance between intersection [a, b] and intersection [x, y] is equal to |a − x| + |b − y| . </a:t>
-            </a:r>
-          </a:p>
-          <a:p>
-            <a:pPr>
-              <a:lnSpc>
-                <a:spcPct val="100000"/>
-              </a:lnSpc>
-              <a:spcBef>
-                <a:spcPts val="0"/>
-              </a:spcBef>
-              <a:spcAft>
-                <a:spcPts val="0"/>
-              </a:spcAft>
-            </a:pPr>
-            <a:endParaRPr lang="en-US" sz="1200" dirty="0"/>
-          </a:p>
-          <a:p>
-            <a:pPr>
-              <a:lnSpc>
-                <a:spcPct val="100000"/>
-              </a:lnSpc>
-              <a:spcBef>
-                <a:spcPts val="0"/>
-              </a:spcBef>
-              <a:spcAft>
-                <a:spcPts val="0"/>
-              </a:spcAft>
-            </a:pPr>
-            <a:r>
-              <a:rPr lang="en-US" sz="1300" b="1" dirty="0"/>
-              <a:t>Rides</a:t>
-            </a:r>
-            <a:r>
-              <a:rPr lang="en-US" sz="1300" dirty="0"/>
-              <a:t>: </a:t>
-            </a:r>
-            <a:r>
-              <a:rPr lang="en-US" sz="1200" dirty="0"/>
-              <a:t>There are N pre-booked rides. Each ride is characterized by the following information: </a:t>
-            </a:r>
-          </a:p>
-          <a:p>
-            <a:pPr>
-              <a:lnSpc>
-                <a:spcPct val="100000"/>
-              </a:lnSpc>
-              <a:spcBef>
-                <a:spcPts val="0"/>
-              </a:spcBef>
-              <a:spcAft>
-                <a:spcPts val="0"/>
-              </a:spcAft>
-            </a:pPr>
-            <a:r>
-              <a:rPr lang="en-US" sz="1200" dirty="0"/>
-              <a:t>● start intersection – to begin the ride, the vehicle must be in this intersection. ● finish intersection – to end the ride, the vehicle must be in this intersection. Finish intersection is always different than start intersection. </a:t>
-            </a:r>
-          </a:p>
-          <a:p>
-            <a:pPr>
-              <a:lnSpc>
-                <a:spcPct val="100000"/>
-              </a:lnSpc>
-              <a:spcBef>
-                <a:spcPts val="0"/>
-              </a:spcBef>
-              <a:spcAft>
-                <a:spcPts val="0"/>
-              </a:spcAft>
-            </a:pPr>
-            <a:r>
-              <a:rPr lang="en-US" sz="1200" dirty="0"/>
-              <a:t>● earliest start – the earliest step in which the ride can start. It can also start at any later step. </a:t>
-            </a:r>
-          </a:p>
-          <a:p>
-            <a:pPr>
-              <a:lnSpc>
-                <a:spcPct val="100000"/>
-              </a:lnSpc>
-              <a:spcBef>
-                <a:spcPts val="0"/>
-              </a:spcBef>
-              <a:spcAft>
-                <a:spcPts val="0"/>
-              </a:spcAft>
-            </a:pPr>
-            <a:r>
-              <a:rPr lang="en-US" sz="1200" dirty="0"/>
-              <a:t>● latest finish – the latest step by which the ride must finish to get points for it. ○ Note that the given “latest finish” step is the step in which the ride must already be over (and not the last step in which the vehicle moves) – see example below. </a:t>
-            </a:r>
-          </a:p>
-          <a:p>
-            <a:pPr>
-              <a:lnSpc>
-                <a:spcPct val="100000"/>
-              </a:lnSpc>
-              <a:spcBef>
-                <a:spcPts val="0"/>
-              </a:spcBef>
-              <a:spcAft>
-                <a:spcPts val="0"/>
-              </a:spcAft>
-            </a:pPr>
-            <a:endParaRPr lang="en-US" sz="1200" dirty="0"/>
-          </a:p>
-          <a:p>
-            <a:pPr>
-              <a:lnSpc>
-                <a:spcPct val="100000"/>
-              </a:lnSpc>
-              <a:spcBef>
-                <a:spcPts val="0"/>
-              </a:spcBef>
-              <a:spcAft>
-                <a:spcPts val="0"/>
-              </a:spcAft>
-            </a:pPr>
-            <a:r>
-              <a:rPr lang="en-US" sz="1200" b="1" dirty="0"/>
-              <a:t>Simulation</a:t>
-            </a:r>
-            <a:r>
-              <a:rPr lang="en-US" sz="1200" dirty="0"/>
-              <a:t>: Each vehicle makes the rides you assign to it in the order that you specify: </a:t>
-            </a:r>
-          </a:p>
-          <a:p>
-            <a:pPr>
-              <a:lnSpc>
-                <a:spcPct val="100000"/>
-              </a:lnSpc>
-              <a:spcBef>
-                <a:spcPts val="0"/>
-              </a:spcBef>
-              <a:spcAft>
-                <a:spcPts val="0"/>
-              </a:spcAft>
-            </a:pPr>
-            <a:r>
-              <a:rPr lang="en-US" sz="1200" dirty="0"/>
-              <a:t>● first, the vehicle drives from its current intersection ([0,0] at the beginning of the simulation) to the start intersection of the next ride (unless the vehicle is already in this intersection) </a:t>
-            </a:r>
-          </a:p>
-          <a:p>
-            <a:pPr>
-              <a:lnSpc>
-                <a:spcPct val="100000"/>
-              </a:lnSpc>
-              <a:spcBef>
-                <a:spcPts val="0"/>
-              </a:spcBef>
-              <a:spcAft>
-                <a:spcPts val="0"/>
-              </a:spcAft>
-            </a:pPr>
-            <a:r>
-              <a:rPr lang="en-US" sz="1200" dirty="0"/>
-              <a:t>● then, if the current step is earlier than the earliest start of the next ride, the vehicle waits until that step </a:t>
-            </a:r>
-          </a:p>
-          <a:p>
-            <a:pPr>
-              <a:lnSpc>
-                <a:spcPct val="100000"/>
-              </a:lnSpc>
-              <a:spcBef>
-                <a:spcPts val="0"/>
-              </a:spcBef>
-              <a:spcAft>
-                <a:spcPts val="0"/>
-              </a:spcAft>
-            </a:pPr>
-            <a:r>
-              <a:rPr lang="en-US" sz="1200" dirty="0"/>
-              <a:t>● then, the vehicle drives to the finish intersection ○ the vehicle does this even if the arrival step is later than the latest finish; but no points are earned by such a ride </a:t>
-            </a:r>
-          </a:p>
-          <a:p>
-            <a:pPr>
-              <a:lnSpc>
-                <a:spcPct val="100000"/>
-              </a:lnSpc>
-              <a:spcBef>
-                <a:spcPts val="0"/>
-              </a:spcBef>
-              <a:spcAft>
-                <a:spcPts val="0"/>
-              </a:spcAft>
-            </a:pPr>
-            <a:r>
-              <a:rPr lang="en-US" sz="1200" dirty="0"/>
-              <a:t>● then, the process repeats for the next assigned ride, until the vehicle handles all scheduled rides or the simulation reaches its final step T (whichever comes first) </a:t>
-            </a:r>
-          </a:p>
-          <a:p>
-            <a:pPr>
-              <a:lnSpc>
-                <a:spcPct val="100000"/>
-              </a:lnSpc>
-              <a:spcBef>
-                <a:spcPts val="0"/>
-              </a:spcBef>
-              <a:spcAft>
-                <a:spcPts val="0"/>
-              </a:spcAft>
-            </a:pPr>
-            <a:r>
-              <a:rPr lang="en-US" sz="1200" dirty="0"/>
-              <a:t>● any remaining assigned rides are simply ignored </a:t>
-            </a:r>
-          </a:p>
-          <a:p>
-            <a:endParaRPr lang="en-US" sz="1400" dirty="0"/>
-          </a:p>
-        </p:txBody>
-      </p:sp>
+              <a:rPr lang="en-US" dirty="0"/>
+              <a:t>Martim</a:t>
+            </a:r>
+            <a:endParaRPr lang="pt-PT" dirty="0"/>
+          </a:p>
+        </p:txBody>
+      </p:sp>
+      <p:cxnSp>
+        <p:nvCxnSpPr>
+          <p:cNvPr id="6" name="Straight Connector 5">
+            <a:extLst>
+              <a:ext uri="{FF2B5EF4-FFF2-40B4-BE49-F238E27FC236}">
+                <a16:creationId xmlns:a16="http://schemas.microsoft.com/office/drawing/2014/main" id="{89C4B753-E694-4194-8F11-D27846F5AA68}"/>
+              </a:ext>
+            </a:extLst>
+          </p:cNvPr>
+          <p:cNvCxnSpPr>
+            <a:cxnSpLocks/>
+          </p:cNvCxnSpPr>
+          <p:nvPr/>
+        </p:nvCxnSpPr>
+        <p:spPr>
+          <a:xfrm>
+            <a:off x="0" y="1527144"/>
+            <a:ext cx="4062953" cy="0"/>
+          </a:xfrm>
+          <a:prstGeom prst="line">
+            <a:avLst/>
+          </a:prstGeom>
+          <a:ln w="57150"/>
+        </p:spPr>
+        <p:style>
+          <a:lnRef idx="2">
+            <a:schemeClr val="accent1"/>
+          </a:lnRef>
+          <a:fillRef idx="0">
+            <a:schemeClr val="accent1"/>
+          </a:fillRef>
+          <a:effectRef idx="1">
+            <a:schemeClr val="accent1"/>
+          </a:effectRef>
+          <a:fontRef idx="minor">
+            <a:schemeClr val="tx1"/>
+          </a:fontRef>
+        </p:style>
+      </p:cxnSp>
     </p:spTree>
     <p:extLst>
       <p:ext uri="{BB962C8B-B14F-4D97-AF65-F5344CB8AC3E}">
-        <p14:creationId xmlns:p14="http://schemas.microsoft.com/office/powerpoint/2010/main" val="1995632077"/>
+        <p14:creationId xmlns:p14="http://schemas.microsoft.com/office/powerpoint/2010/main" val="288939043"/>
       </p:ext>
     </p:extLst>
   </p:cSld>
@@ -4264,7 +4208,7 @@
           <p:cNvPr id="2" name="Title 1">
             <a:extLst>
               <a:ext uri="{FF2B5EF4-FFF2-40B4-BE49-F238E27FC236}">
-                <a16:creationId xmlns:a16="http://schemas.microsoft.com/office/drawing/2014/main" id="{5FBBA380-0AC9-4A93-AA0D-985CB56D6DC4}"/>
+                <a16:creationId xmlns:a16="http://schemas.microsoft.com/office/drawing/2014/main" id="{7DB07CBC-281B-46F3-9733-F591F654B8CB}"/>
               </a:ext>
             </a:extLst>
           </p:cNvPr>
@@ -4275,16 +4219,22 @@
             <p:ph type="title"/>
           </p:nvPr>
         </p:nvSpPr>
-        <p:spPr/>
-        <p:txBody>
-          <a:bodyPr/>
+        <p:spPr>
+          <a:xfrm>
+            <a:off x="216815" y="-26286"/>
+            <a:ext cx="11774079" cy="948118"/>
+          </a:xfrm>
+        </p:spPr>
+        <p:txBody>
+          <a:bodyPr>
+            <a:normAutofit/>
+          </a:bodyPr>
           <a:lstStyle/>
           <a:p>
             <a:r>
-              <a:rPr lang="pt-PT" dirty="0" err="1"/>
-              <a:t>References</a:t>
-            </a:r>
-            <a:endParaRPr lang="en-US" dirty="0"/>
+              <a:rPr lang="en-150" b="1" noProof="0" dirty="0"/>
+              <a:t>Problem Description</a:t>
+            </a:r>
           </a:p>
         </p:txBody>
       </p:sp>
@@ -4293,7 +4243,7 @@
           <p:cNvPr id="3" name="Content Placeholder 2">
             <a:extLst>
               <a:ext uri="{FF2B5EF4-FFF2-40B4-BE49-F238E27FC236}">
-                <a16:creationId xmlns:a16="http://schemas.microsoft.com/office/drawing/2014/main" id="{DDEF9C54-FF2B-4BCC-AA7F-AD2F1A70BC78}"/>
+                <a16:creationId xmlns:a16="http://schemas.microsoft.com/office/drawing/2014/main" id="{DEE151C5-442E-432C-B4C3-72418C120A28}"/>
               </a:ext>
             </a:extLst>
           </p:cNvPr>
@@ -4304,319 +4254,490 @@
             <p:ph idx="1"/>
           </p:nvPr>
         </p:nvSpPr>
-        <p:spPr/>
-        <p:txBody>
-          <a:bodyPr/>
+        <p:spPr>
+          <a:xfrm>
+            <a:off x="216816" y="978394"/>
+            <a:ext cx="11870409" cy="5375271"/>
+          </a:xfrm>
+        </p:spPr>
+        <p:txBody>
+          <a:bodyPr numCol="2" spcCol="365760">
+            <a:noAutofit/>
+          </a:bodyPr>
           <a:lstStyle/>
           <a:p>
-            <a:r>
-              <a:rPr lang="pt-PT" dirty="0" err="1"/>
-              <a:t>During</a:t>
-            </a:r>
-            <a:r>
-              <a:rPr lang="pt-PT" dirty="0"/>
+            <a:pPr algn="just">
+              <a:lnSpc>
+                <a:spcPct val="100000"/>
+              </a:lnSpc>
+              <a:spcBef>
+                <a:spcPts val="0"/>
+              </a:spcBef>
+              <a:spcAft>
+                <a:spcPts val="0"/>
+              </a:spcAft>
+            </a:pPr>
+            <a:r>
+              <a:rPr lang="en-150" sz="1400" b="1" u="sng" noProof="0" dirty="0">
+                <a:solidFill>
+                  <a:srgbClr val="002C58"/>
+                </a:solidFill>
+              </a:rPr>
+              <a:t>Map</a:t>
+            </a:r>
+            <a:r>
+              <a:rPr lang="en-150" sz="1400" noProof="0" dirty="0"/>
+              <a:t>:</a:t>
+            </a:r>
+            <a:r>
+              <a:rPr lang="en-150" sz="1400" b="1" noProof="0" dirty="0"/>
               <a:t> </a:t>
             </a:r>
             <a:r>
-              <a:rPr lang="pt-PT" dirty="0" err="1"/>
-              <a:t>the</a:t>
-            </a:r>
-            <a:r>
-              <a:rPr lang="pt-PT" dirty="0"/>
-              <a:t> research </a:t>
-            </a:r>
-            <a:r>
-              <a:rPr lang="pt-PT" dirty="0" err="1"/>
-              <a:t>stage</a:t>
-            </a:r>
-            <a:r>
-              <a:rPr lang="pt-PT" dirty="0"/>
+              <a:rPr lang="en-150" sz="1400" noProof="0" dirty="0"/>
+              <a:t>The city is represented by a rectangular grid of streets, with R horizontal streets (rows) and C vertical streets (columns). Street intersections are referenced by integer, 0-based coordinates of the horizontal and the vertical street. For example, [r, c] means the intersection of the r-</a:t>
+            </a:r>
+            <a:r>
+              <a:rPr lang="en-150" sz="1400" noProof="0" dirty="0" err="1"/>
+              <a:t>th</a:t>
+            </a:r>
+            <a:r>
+              <a:rPr lang="en-150" sz="1400" noProof="0" dirty="0"/>
+              <a:t> horizontal and the c-</a:t>
+            </a:r>
+            <a:r>
+              <a:rPr lang="en-150" sz="1400" noProof="0" dirty="0" err="1"/>
+              <a:t>th</a:t>
+            </a:r>
+            <a:r>
+              <a:rPr lang="en-150" sz="1400" noProof="0" dirty="0"/>
+              <a:t> vertical street ( 0 ≤ r &lt; R, 0 ≤ c &lt; C ).</a:t>
+            </a:r>
+            <a:endParaRPr lang="en-US" sz="1400" noProof="0" dirty="0"/>
+          </a:p>
+          <a:p>
+            <a:pPr algn="just">
+              <a:lnSpc>
+                <a:spcPct val="100000"/>
+              </a:lnSpc>
+              <a:spcBef>
+                <a:spcPts val="0"/>
+              </a:spcBef>
+              <a:spcAft>
+                <a:spcPts val="0"/>
+              </a:spcAft>
+            </a:pPr>
+            <a:endParaRPr lang="en-US" sz="1400" noProof="0" dirty="0"/>
+          </a:p>
+          <a:p>
+            <a:pPr algn="just">
+              <a:lnSpc>
+                <a:spcPct val="100000"/>
+              </a:lnSpc>
+              <a:spcBef>
+                <a:spcPts val="0"/>
+              </a:spcBef>
+              <a:spcAft>
+                <a:spcPts val="0"/>
+              </a:spcAft>
+            </a:pPr>
+            <a:endParaRPr lang="en-150" sz="1000" noProof="0" dirty="0"/>
+          </a:p>
+          <a:p>
+            <a:pPr algn="just">
+              <a:lnSpc>
+                <a:spcPct val="100000"/>
+              </a:lnSpc>
+              <a:spcBef>
+                <a:spcPts val="0"/>
+              </a:spcBef>
+              <a:spcAft>
+                <a:spcPts val="0"/>
+              </a:spcAft>
+            </a:pPr>
+            <a:r>
+              <a:rPr lang="en-150" sz="1400" b="1" u="sng" noProof="0" dirty="0">
+                <a:solidFill>
+                  <a:srgbClr val="002C58"/>
+                </a:solidFill>
+              </a:rPr>
+              <a:t>Vehicles</a:t>
+            </a:r>
+            <a:r>
+              <a:rPr lang="en-150" sz="1400" noProof="0" dirty="0"/>
+              <a:t>:</a:t>
+            </a:r>
+            <a:r>
+              <a:rPr lang="en-150" sz="1400" b="1" noProof="0" dirty="0"/>
               <a:t> </a:t>
             </a:r>
             <a:r>
-              <a:rPr lang="pt-PT" dirty="0" err="1"/>
-              <a:t>of</a:t>
-            </a:r>
-            <a:r>
-              <a:rPr lang="pt-PT" dirty="0"/>
+              <a:rPr lang="en-150" sz="1400" noProof="0" dirty="0"/>
+              <a:t>There are F vehicles in the fleet. At the beginning of the simulation, all vehicles are in the intersection [0, 0]. There is no limit to how many vehicles can be in the same intersection. </a:t>
+            </a:r>
+          </a:p>
+          <a:p>
+            <a:pPr algn="just">
+              <a:lnSpc>
+                <a:spcPct val="100000"/>
+              </a:lnSpc>
+              <a:spcBef>
+                <a:spcPts val="0"/>
+              </a:spcBef>
+              <a:spcAft>
+                <a:spcPts val="0"/>
+              </a:spcAft>
+            </a:pPr>
+            <a:endParaRPr lang="en-US" sz="1400" noProof="0" dirty="0"/>
+          </a:p>
+          <a:p>
+            <a:pPr algn="just">
+              <a:lnSpc>
+                <a:spcPct val="100000"/>
+              </a:lnSpc>
+              <a:spcBef>
+                <a:spcPts val="0"/>
+              </a:spcBef>
+              <a:spcAft>
+                <a:spcPts val="0"/>
+              </a:spcAft>
+            </a:pPr>
+            <a:endParaRPr lang="en-150" sz="1000" noProof="0" dirty="0"/>
+          </a:p>
+          <a:p>
+            <a:pPr algn="just">
+              <a:lnSpc>
+                <a:spcPct val="100000"/>
+              </a:lnSpc>
+              <a:spcBef>
+                <a:spcPts val="0"/>
+              </a:spcBef>
+              <a:spcAft>
+                <a:spcPts val="0"/>
+              </a:spcAft>
+            </a:pPr>
+            <a:r>
+              <a:rPr lang="en-150" sz="1400" b="1" u="sng" noProof="0" dirty="0">
+                <a:solidFill>
+                  <a:srgbClr val="002C58"/>
+                </a:solidFill>
+              </a:rPr>
+              <a:t>Time and distance</a:t>
+            </a:r>
+            <a:r>
+              <a:rPr lang="en-150" sz="1400" noProof="0" dirty="0"/>
+              <a:t>:</a:t>
+            </a:r>
+            <a:r>
+              <a:rPr lang="en-150" sz="1400" b="1" noProof="0" dirty="0"/>
               <a:t> </a:t>
             </a:r>
             <a:r>
-              <a:rPr lang="pt-PT" dirty="0" err="1"/>
-              <a:t>the</a:t>
-            </a:r>
-            <a:r>
-              <a:rPr lang="pt-PT" dirty="0"/>
-              <a:t> </a:t>
-            </a:r>
-            <a:r>
-              <a:rPr lang="pt-PT" dirty="0" err="1"/>
-              <a:t>project</a:t>
-            </a:r>
-            <a:r>
-              <a:rPr lang="pt-PT" dirty="0"/>
-              <a:t> </a:t>
-            </a:r>
-            <a:r>
-              <a:rPr lang="pt-PT" dirty="0" err="1"/>
-              <a:t>the</a:t>
-            </a:r>
-            <a:r>
-              <a:rPr lang="pt-PT" dirty="0"/>
-              <a:t> </a:t>
-            </a:r>
-            <a:r>
-              <a:rPr lang="pt-PT" dirty="0" err="1"/>
-              <a:t>group</a:t>
-            </a:r>
-            <a:r>
-              <a:rPr lang="pt-PT" dirty="0"/>
-              <a:t> came </a:t>
-            </a:r>
-            <a:r>
-              <a:rPr lang="pt-PT" dirty="0" err="1"/>
-              <a:t>across</a:t>
-            </a:r>
-            <a:r>
-              <a:rPr lang="pt-PT" dirty="0"/>
-              <a:t> </a:t>
-            </a:r>
-            <a:r>
-              <a:rPr lang="pt-PT" dirty="0" err="1"/>
-              <a:t>several</a:t>
-            </a:r>
-            <a:r>
-              <a:rPr lang="pt-PT" dirty="0"/>
-              <a:t> </a:t>
-            </a:r>
-            <a:r>
-              <a:rPr lang="pt-PT" dirty="0" err="1"/>
-              <a:t>implementations</a:t>
-            </a:r>
-            <a:r>
-              <a:rPr lang="pt-PT" dirty="0"/>
-              <a:t> </a:t>
-            </a:r>
-            <a:r>
-              <a:rPr lang="pt-PT" dirty="0" err="1"/>
-              <a:t>of</a:t>
-            </a:r>
-            <a:r>
-              <a:rPr lang="pt-PT" dirty="0"/>
-              <a:t> </a:t>
-            </a:r>
-            <a:r>
-              <a:rPr lang="pt-PT" dirty="0" err="1"/>
-              <a:t>algorithms</a:t>
-            </a:r>
-            <a:r>
-              <a:rPr lang="pt-PT" dirty="0"/>
-              <a:t> </a:t>
-            </a:r>
-            <a:r>
-              <a:rPr lang="pt-PT" dirty="0" err="1"/>
-              <a:t>that</a:t>
-            </a:r>
-            <a:r>
-              <a:rPr lang="pt-PT" dirty="0"/>
-              <a:t> can </a:t>
-            </a:r>
-            <a:r>
-              <a:rPr lang="pt-PT" dirty="0" err="1"/>
-              <a:t>be</a:t>
-            </a:r>
-            <a:r>
-              <a:rPr lang="pt-PT" dirty="0"/>
-              <a:t> </a:t>
-            </a:r>
-            <a:r>
-              <a:rPr lang="pt-PT" dirty="0" err="1"/>
-              <a:t>adapted</a:t>
-            </a:r>
-            <a:r>
-              <a:rPr lang="pt-PT" dirty="0"/>
-              <a:t> </a:t>
-            </a:r>
-            <a:r>
-              <a:rPr lang="pt-PT" dirty="0" err="1"/>
-              <a:t>and</a:t>
-            </a:r>
-            <a:r>
-              <a:rPr lang="pt-PT" dirty="0"/>
-              <a:t> </a:t>
-            </a:r>
-            <a:r>
-              <a:rPr lang="pt-PT" dirty="0" err="1"/>
-              <a:t>used</a:t>
-            </a:r>
-            <a:r>
-              <a:rPr lang="pt-PT" dirty="0"/>
-              <a:t> </a:t>
-            </a:r>
-            <a:r>
-              <a:rPr lang="pt-PT" dirty="0" err="1"/>
-              <a:t>on</a:t>
-            </a:r>
-            <a:r>
-              <a:rPr lang="pt-PT" dirty="0"/>
-              <a:t> </a:t>
-            </a:r>
-            <a:r>
-              <a:rPr lang="pt-PT" dirty="0" err="1"/>
-              <a:t>our</a:t>
-            </a:r>
-            <a:r>
-              <a:rPr lang="pt-PT" dirty="0"/>
-              <a:t> </a:t>
-            </a:r>
-            <a:r>
-              <a:rPr lang="pt-PT" dirty="0" err="1"/>
-              <a:t>own</a:t>
-            </a:r>
-            <a:r>
-              <a:rPr lang="pt-PT" dirty="0"/>
-              <a:t> </a:t>
-            </a:r>
-            <a:r>
-              <a:rPr lang="pt-PT" dirty="0" err="1"/>
-              <a:t>project</a:t>
-            </a:r>
-            <a:r>
-              <a:rPr lang="pt-PT" dirty="0"/>
-              <a:t>, </a:t>
-            </a:r>
-            <a:r>
-              <a:rPr lang="pt-PT" dirty="0" err="1"/>
-              <a:t>such</a:t>
-            </a:r>
-            <a:r>
-              <a:rPr lang="pt-PT" dirty="0"/>
-              <a:t> as </a:t>
-            </a:r>
-            <a:r>
-              <a:rPr lang="pt-PT" dirty="0" err="1"/>
-              <a:t>Python</a:t>
-            </a:r>
-            <a:r>
-              <a:rPr lang="pt-PT" dirty="0"/>
-              <a:t> </a:t>
-            </a:r>
-            <a:r>
-              <a:rPr lang="pt-PT" dirty="0" err="1"/>
-              <a:t>implementations</a:t>
-            </a:r>
-            <a:r>
-              <a:rPr lang="pt-PT" dirty="0"/>
-              <a:t> </a:t>
-            </a:r>
-            <a:r>
-              <a:rPr lang="pt-PT" dirty="0" err="1"/>
-              <a:t>of</a:t>
-            </a:r>
-            <a:r>
-              <a:rPr lang="pt-PT" dirty="0"/>
-              <a:t> A*, BFS, DFS, </a:t>
-            </a:r>
-            <a:r>
-              <a:rPr lang="pt-PT" dirty="0" err="1"/>
-              <a:t>uniform</a:t>
-            </a:r>
-            <a:r>
-              <a:rPr lang="pt-PT" dirty="0"/>
-              <a:t> </a:t>
-            </a:r>
-            <a:r>
-              <a:rPr lang="pt-PT" dirty="0" err="1"/>
-              <a:t>cost</a:t>
-            </a:r>
-            <a:r>
-              <a:rPr lang="pt-PT" dirty="0"/>
-              <a:t>, </a:t>
-            </a:r>
-            <a:r>
-              <a:rPr lang="pt-PT" dirty="0" err="1"/>
-              <a:t>interactive</a:t>
-            </a:r>
-            <a:r>
-              <a:rPr lang="pt-PT" dirty="0"/>
-              <a:t> </a:t>
-            </a:r>
-            <a:r>
-              <a:rPr lang="pt-PT" dirty="0" err="1"/>
-              <a:t>deepening</a:t>
-            </a:r>
-            <a:r>
-              <a:rPr lang="pt-PT" dirty="0"/>
-              <a:t> </a:t>
-            </a:r>
-            <a:r>
-              <a:rPr lang="pt-PT" dirty="0" err="1"/>
-              <a:t>and</a:t>
-            </a:r>
-            <a:r>
-              <a:rPr lang="pt-PT" dirty="0"/>
-              <a:t> </a:t>
-            </a:r>
-            <a:r>
-              <a:rPr lang="pt-PT" dirty="0" err="1"/>
-              <a:t>greedy</a:t>
-            </a:r>
-            <a:r>
-              <a:rPr lang="pt-PT" dirty="0"/>
-              <a:t> </a:t>
-            </a:r>
-            <a:r>
-              <a:rPr lang="pt-PT" dirty="0" err="1"/>
-              <a:t>algorithms</a:t>
-            </a:r>
-            <a:r>
-              <a:rPr lang="pt-PT" dirty="0"/>
-              <a:t>.</a:t>
-            </a:r>
-          </a:p>
-          <a:p>
-            <a:r>
-              <a:rPr lang="en-US" dirty="0"/>
-              <a:t>Greedy </a:t>
-            </a:r>
-            <a:r>
-              <a:rPr lang="en-US" dirty="0" err="1"/>
-              <a:t>Aproaches</a:t>
-            </a:r>
-            <a:r>
-              <a:rPr lang="en-US" dirty="0"/>
-              <a:t>: </a:t>
-            </a:r>
-          </a:p>
-          <a:p>
-            <a:pPr lvl="1"/>
-            <a:r>
-              <a:rPr lang="en-US" dirty="0">
-                <a:hlinkClick r:id="rId2"/>
+              <a:rPr lang="en-150" sz="1400" noProof="0" dirty="0"/>
+              <a:t>The simulation proceeds in T steps, from 0 to T − 1 . The distance between two intersections is defined as the minimum total number of city blocks (cells in the grid) that a vehicle has to pass in each direction to get from one intersection to the other. That is, the distance between intersection [a, b] and intersection [x, y] is equal to |a − x| + |b − y| . </a:t>
+            </a:r>
+          </a:p>
+          <a:p>
+            <a:pPr algn="just">
+              <a:lnSpc>
+                <a:spcPct val="100000"/>
+              </a:lnSpc>
+              <a:spcBef>
+                <a:spcPts val="0"/>
+              </a:spcBef>
+              <a:spcAft>
+                <a:spcPts val="0"/>
+              </a:spcAft>
+            </a:pPr>
+            <a:endParaRPr lang="en-US" sz="1400" noProof="0" dirty="0"/>
+          </a:p>
+          <a:p>
+            <a:pPr algn="just">
+              <a:lnSpc>
+                <a:spcPct val="100000"/>
+              </a:lnSpc>
+              <a:spcBef>
+                <a:spcPts val="0"/>
+              </a:spcBef>
+              <a:spcAft>
+                <a:spcPts val="0"/>
+              </a:spcAft>
+            </a:pPr>
+            <a:endParaRPr lang="en-150" sz="1000" noProof="0" dirty="0"/>
+          </a:p>
+          <a:p>
+            <a:pPr algn="just">
+              <a:lnSpc>
+                <a:spcPct val="100000"/>
+              </a:lnSpc>
+              <a:spcBef>
+                <a:spcPts val="0"/>
+              </a:spcBef>
+              <a:spcAft>
+                <a:spcPts val="0"/>
+              </a:spcAft>
+            </a:pPr>
+            <a:r>
+              <a:rPr lang="en-150" sz="1400" b="1" u="sng" noProof="0" dirty="0">
+                <a:solidFill>
+                  <a:srgbClr val="002C58"/>
+                </a:solidFill>
               </a:rPr>
-              <a:t>https://github.com/n1try/hashcode-2018/blob/master/qualification/python/</a:t>
-            </a:r>
-            <a:endParaRPr lang="en-US" dirty="0"/>
-          </a:p>
-          <a:p>
-            <a:pPr lvl="1"/>
-            <a:r>
-              <a:rPr lang="en-US" dirty="0">
-                <a:hlinkClick r:id="rId3"/>
+              <a:t>Rides</a:t>
+            </a:r>
+            <a:r>
+              <a:rPr lang="en-150" sz="1400" noProof="0" dirty="0"/>
+              <a:t>: There are N pre-booked rides. Each ride is characterized by the following information: </a:t>
+            </a:r>
+          </a:p>
+          <a:p>
+            <a:pPr algn="just">
+              <a:lnSpc>
+                <a:spcPct val="100000"/>
+              </a:lnSpc>
+              <a:spcBef>
+                <a:spcPts val="0"/>
+              </a:spcBef>
+              <a:spcAft>
+                <a:spcPts val="0"/>
+              </a:spcAft>
+            </a:pPr>
+            <a:r>
+              <a:rPr lang="en-150" sz="1400" noProof="0" dirty="0"/>
+              <a:t>● </a:t>
+            </a:r>
+            <a:r>
+              <a:rPr lang="en-150" sz="1400" b="1" noProof="0" dirty="0"/>
+              <a:t>start intersection</a:t>
+            </a:r>
+            <a:r>
+              <a:rPr lang="en-150" sz="1400" noProof="0" dirty="0"/>
+              <a:t> – to begin the ride, the vehicle must be in this intersection. </a:t>
+            </a:r>
+            <a:endParaRPr lang="en-US" sz="1400" noProof="0" dirty="0"/>
+          </a:p>
+          <a:p>
+            <a:pPr algn="just">
+              <a:lnSpc>
+                <a:spcPct val="100000"/>
+              </a:lnSpc>
+              <a:spcBef>
+                <a:spcPts val="0"/>
+              </a:spcBef>
+              <a:spcAft>
+                <a:spcPts val="0"/>
+              </a:spcAft>
+            </a:pPr>
+            <a:r>
+              <a:rPr lang="en-150" sz="1400" noProof="0" dirty="0"/>
+              <a:t>● </a:t>
+            </a:r>
+            <a:r>
+              <a:rPr lang="en-150" sz="1400" b="1" noProof="0" dirty="0"/>
+              <a:t>finish intersection</a:t>
+            </a:r>
+            <a:r>
+              <a:rPr lang="en-150" sz="1400" noProof="0" dirty="0"/>
+              <a:t> – to end the ride, the vehicle must be in </a:t>
+            </a:r>
+            <a:r>
+              <a:rPr lang="en-150" sz="1400" noProof="0" dirty="0" err="1"/>
+              <a:t>ths</a:t>
+            </a:r>
+            <a:r>
+              <a:rPr lang="en-150" sz="1400" noProof="0" dirty="0"/>
+              <a:t> intersection. Finish intersection is always different than start intersection</a:t>
+            </a:r>
+            <a:r>
+              <a:rPr lang="en-150" sz="1400" dirty="0"/>
+              <a:t>. </a:t>
+            </a:r>
+            <a:endParaRPr lang="en-US" sz="1400" dirty="0"/>
+          </a:p>
+          <a:p>
+            <a:pPr algn="just">
+              <a:lnSpc>
+                <a:spcPct val="100000"/>
+              </a:lnSpc>
+              <a:spcBef>
+                <a:spcPts val="0"/>
+              </a:spcBef>
+              <a:spcAft>
+                <a:spcPts val="0"/>
+              </a:spcAft>
+            </a:pPr>
+            <a:r>
+              <a:rPr lang="en-150" sz="1400" noProof="0" dirty="0"/>
+              <a:t>● </a:t>
+            </a:r>
+            <a:r>
+              <a:rPr lang="en-150" sz="1400" b="1" noProof="0" dirty="0"/>
+              <a:t>earliest start</a:t>
+            </a:r>
+            <a:r>
+              <a:rPr lang="en-150" sz="1400" noProof="0" dirty="0"/>
+              <a:t> – the earliest step in which the ride can start. It can also start at any later step. </a:t>
+            </a:r>
+          </a:p>
+          <a:p>
+            <a:pPr algn="just">
+              <a:lnSpc>
+                <a:spcPct val="100000"/>
+              </a:lnSpc>
+              <a:spcBef>
+                <a:spcPts val="0"/>
+              </a:spcBef>
+              <a:spcAft>
+                <a:spcPts val="0"/>
+              </a:spcAft>
+            </a:pPr>
+            <a:r>
+              <a:rPr lang="en-150" sz="1400" noProof="0" dirty="0"/>
+              <a:t>● </a:t>
+            </a:r>
+            <a:r>
+              <a:rPr lang="en-150" sz="1400" b="1" noProof="0" dirty="0"/>
+              <a:t>latest finish</a:t>
+            </a:r>
+            <a:r>
+              <a:rPr lang="en-150" sz="1400" noProof="0" dirty="0"/>
+              <a:t> – the latest step by which the ride must finish to get points for it. ○ Note that the given “latest finish” step is the step in which the ride must already be over (and not the last step in which the vehicle moves) – see example below. </a:t>
+            </a:r>
+          </a:p>
+          <a:p>
+            <a:pPr algn="just">
+              <a:lnSpc>
+                <a:spcPct val="100000"/>
+              </a:lnSpc>
+              <a:spcBef>
+                <a:spcPts val="0"/>
+              </a:spcBef>
+              <a:spcAft>
+                <a:spcPts val="0"/>
+              </a:spcAft>
+            </a:pPr>
+            <a:endParaRPr lang="en-US" sz="1400" b="1" noProof="0" dirty="0"/>
+          </a:p>
+          <a:p>
+            <a:pPr algn="just">
+              <a:lnSpc>
+                <a:spcPct val="100000"/>
+              </a:lnSpc>
+              <a:spcBef>
+                <a:spcPts val="0"/>
+              </a:spcBef>
+              <a:spcAft>
+                <a:spcPts val="0"/>
+              </a:spcAft>
+            </a:pPr>
+            <a:r>
+              <a:rPr lang="en-150" sz="1400" b="1" u="sng" noProof="0" dirty="0">
+                <a:solidFill>
+                  <a:srgbClr val="002C58"/>
+                </a:solidFill>
               </a:rPr>
-              <a:t>https://github.com/papachristoumarios/HashCode-Team111/blob/master/selfdriving.py</a:t>
-            </a:r>
-            <a:endParaRPr lang="en-US" dirty="0"/>
-          </a:p>
-          <a:p>
-            <a:endParaRPr lang="en-US" dirty="0"/>
+              <a:t>Simulation</a:t>
+            </a:r>
+            <a:r>
+              <a:rPr lang="en-150" sz="1400" noProof="0" dirty="0"/>
+              <a:t>: Each vehicle makes the rides you assign to it in the order that you specify: </a:t>
+            </a:r>
+          </a:p>
+          <a:p>
+            <a:pPr algn="just">
+              <a:lnSpc>
+                <a:spcPct val="100000"/>
+              </a:lnSpc>
+              <a:spcBef>
+                <a:spcPts val="0"/>
+              </a:spcBef>
+              <a:spcAft>
+                <a:spcPts val="0"/>
+              </a:spcAft>
+            </a:pPr>
+            <a:r>
+              <a:rPr lang="en-150" sz="1400" noProof="0" dirty="0"/>
+              <a:t>● first, the vehicle drives from its current intersection ([0,0] at the beginning of the simulation) to the start intersection of the next ride (unless the vehicle is already in this intersection) </a:t>
+            </a:r>
+          </a:p>
+          <a:p>
+            <a:pPr algn="just">
+              <a:lnSpc>
+                <a:spcPct val="100000"/>
+              </a:lnSpc>
+              <a:spcBef>
+                <a:spcPts val="0"/>
+              </a:spcBef>
+              <a:spcAft>
+                <a:spcPts val="0"/>
+              </a:spcAft>
+            </a:pPr>
+            <a:r>
+              <a:rPr lang="en-150" sz="1400" noProof="0" dirty="0"/>
+              <a:t>● then, if the current step is earlier than the earliest start of the next ride, the vehicle waits until that step </a:t>
+            </a:r>
+          </a:p>
+          <a:p>
+            <a:pPr algn="just">
+              <a:lnSpc>
+                <a:spcPct val="100000"/>
+              </a:lnSpc>
+              <a:spcBef>
+                <a:spcPts val="0"/>
+              </a:spcBef>
+              <a:spcAft>
+                <a:spcPts val="0"/>
+              </a:spcAft>
+            </a:pPr>
+            <a:r>
+              <a:rPr lang="en-150" sz="1400" noProof="0" dirty="0"/>
+              <a:t>● then, the vehicle drives to the finish intersection ○ the vehicle does this even if the arrival step is later than the latest finish; but no points are earned by such a ride </a:t>
+            </a:r>
+          </a:p>
+          <a:p>
+            <a:pPr algn="just">
+              <a:lnSpc>
+                <a:spcPct val="100000"/>
+              </a:lnSpc>
+              <a:spcBef>
+                <a:spcPts val="0"/>
+              </a:spcBef>
+              <a:spcAft>
+                <a:spcPts val="0"/>
+              </a:spcAft>
+            </a:pPr>
+            <a:r>
+              <a:rPr lang="en-150" sz="1400" noProof="0" dirty="0"/>
+              <a:t>● then, the process repeats for the next assigned ride, until the vehicle handles all scheduled rides or the simulation reaches its final step T (whichever comes first) </a:t>
+            </a:r>
+          </a:p>
+          <a:p>
+            <a:pPr algn="just">
+              <a:lnSpc>
+                <a:spcPct val="100000"/>
+              </a:lnSpc>
+              <a:spcBef>
+                <a:spcPts val="0"/>
+              </a:spcBef>
+              <a:spcAft>
+                <a:spcPts val="0"/>
+              </a:spcAft>
+            </a:pPr>
+            <a:r>
+              <a:rPr lang="en-150" sz="1400" noProof="0" dirty="0"/>
+              <a:t>● any remaining assigned rides are simply ignored </a:t>
+            </a:r>
+          </a:p>
+          <a:p>
+            <a:pPr algn="just"/>
+            <a:endParaRPr lang="en-150" sz="1400" noProof="0" dirty="0"/>
           </a:p>
         </p:txBody>
       </p:sp>
     </p:spTree>
     <p:extLst>
       <p:ext uri="{BB962C8B-B14F-4D97-AF65-F5344CB8AC3E}">
-        <p14:creationId xmlns:p14="http://schemas.microsoft.com/office/powerpoint/2010/main" val="659788409"/>
+        <p14:creationId xmlns:p14="http://schemas.microsoft.com/office/powerpoint/2010/main" val="1995632077"/>
       </p:ext>
     </p:extLst>
   </p:cSld>
@@ -4648,6 +4769,134 @@
           <p:cNvPr id="2" name="Title 1">
             <a:extLst>
               <a:ext uri="{FF2B5EF4-FFF2-40B4-BE49-F238E27FC236}">
+                <a16:creationId xmlns:a16="http://schemas.microsoft.com/office/drawing/2014/main" id="{5FBBA380-0AC9-4A93-AA0D-985CB56D6DC4}"/>
+              </a:ext>
+            </a:extLst>
+          </p:cNvPr>
+          <p:cNvSpPr>
+            <a:spLocks noGrp="1"/>
+          </p:cNvSpPr>
+          <p:nvPr>
+            <p:ph type="title"/>
+          </p:nvPr>
+        </p:nvSpPr>
+        <p:spPr>
+          <a:xfrm>
+            <a:off x="216816" y="-22919"/>
+            <a:ext cx="11792932" cy="948118"/>
+          </a:xfrm>
+        </p:spPr>
+        <p:txBody>
+          <a:bodyPr/>
+          <a:lstStyle/>
+          <a:p>
+            <a:r>
+              <a:rPr lang="en-150" noProof="0" dirty="0"/>
+              <a:t>References</a:t>
+            </a:r>
+          </a:p>
+        </p:txBody>
+      </p:sp>
+      <p:sp>
+        <p:nvSpPr>
+          <p:cNvPr id="3" name="Content Placeholder 2">
+            <a:extLst>
+              <a:ext uri="{FF2B5EF4-FFF2-40B4-BE49-F238E27FC236}">
+                <a16:creationId xmlns:a16="http://schemas.microsoft.com/office/drawing/2014/main" id="{DDEF9C54-FF2B-4BCC-AA7F-AD2F1A70BC78}"/>
+              </a:ext>
+            </a:extLst>
+          </p:cNvPr>
+          <p:cNvSpPr>
+            <a:spLocks noGrp="1"/>
+          </p:cNvSpPr>
+          <p:nvPr>
+            <p:ph idx="1"/>
+          </p:nvPr>
+        </p:nvSpPr>
+        <p:spPr/>
+        <p:txBody>
+          <a:bodyPr/>
+          <a:lstStyle/>
+          <a:p>
+            <a:r>
+              <a:rPr lang="en-150" noProof="0" dirty="0"/>
+              <a:t>During the research stage of the project the group came across several implementations of algorithms that can be adapted and used on our own project, such as Python implementations of A*, BFS, DFS, uniform cost, interactive deepening and greedy algorithms.</a:t>
+            </a:r>
+          </a:p>
+          <a:p>
+            <a:r>
+              <a:rPr lang="en-150" noProof="0" dirty="0"/>
+              <a:t>Greedy Ap</a:t>
+            </a:r>
+            <a:r>
+              <a:rPr lang="en-US" noProof="0" dirty="0"/>
+              <a:t>p</a:t>
+            </a:r>
+            <a:r>
+              <a:rPr lang="en-150" noProof="0" dirty="0"/>
+              <a:t>roaches: </a:t>
+            </a:r>
+          </a:p>
+          <a:p>
+            <a:pPr lvl="1"/>
+            <a:r>
+              <a:rPr lang="en-150" noProof="0" dirty="0">
+                <a:hlinkClick r:id="rId2"/>
+              </a:rPr>
+              <a:t>https://github.com/n1try/hashcode-2018/blob/master/qualification/python/</a:t>
+            </a:r>
+            <a:endParaRPr lang="en-150" noProof="0" dirty="0"/>
+          </a:p>
+          <a:p>
+            <a:pPr lvl="1"/>
+            <a:r>
+              <a:rPr lang="en-150" noProof="0" dirty="0">
+                <a:hlinkClick r:id="rId3"/>
+              </a:rPr>
+              <a:t>https://github.com/papachristoumarios/HashCode-Team111/blob/master/selfdriving.py</a:t>
+            </a:r>
+            <a:endParaRPr lang="en-150" noProof="0" dirty="0"/>
+          </a:p>
+          <a:p>
+            <a:endParaRPr lang="en-150" noProof="0" dirty="0"/>
+          </a:p>
+        </p:txBody>
+      </p:sp>
+    </p:spTree>
+    <p:extLst>
+      <p:ext uri="{BB962C8B-B14F-4D97-AF65-F5344CB8AC3E}">
+        <p14:creationId xmlns:p14="http://schemas.microsoft.com/office/powerpoint/2010/main" val="659788409"/>
+      </p:ext>
+    </p:extLst>
+  </p:cSld>
+  <p:clrMapOvr>
+    <a:masterClrMapping/>
+  </p:clrMapOvr>
+</p:sld>
+</file>
+
+<file path=ppt/slides/slide4.xml><?xml version="1.0" encoding="utf-8"?>
+<p:sld xmlns:a="http://schemas.openxmlformats.org/drawingml/2006/main" xmlns:r="http://schemas.openxmlformats.org/officeDocument/2006/relationships" xmlns:p="http://schemas.openxmlformats.org/presentationml/2006/main">
+  <p:cSld>
+    <p:spTree>
+      <p:nvGrpSpPr>
+        <p:cNvPr id="1" name=""/>
+        <p:cNvGrpSpPr/>
+        <p:nvPr/>
+      </p:nvGrpSpPr>
+      <p:grpSpPr>
+        <a:xfrm>
+          <a:off x="0" y="0"/>
+          <a:ext cx="0" cy="0"/>
+          <a:chOff x="0" y="0"/>
+          <a:chExt cx="0" cy="0"/>
+        </a:xfrm>
+      </p:grpSpPr>
+      <p:sp>
+        <p:nvSpPr>
+          <p:cNvPr id="2" name="Title 1">
+            <a:extLst>
+              <a:ext uri="{FF2B5EF4-FFF2-40B4-BE49-F238E27FC236}">
                 <a16:creationId xmlns:a16="http://schemas.microsoft.com/office/drawing/2014/main" id="{CBA2700F-FB35-4165-AAC1-D43408529EE5}"/>
               </a:ext>
             </a:extLst>
@@ -4659,24 +4908,20 @@
             <p:ph type="title"/>
           </p:nvPr>
         </p:nvSpPr>
-        <p:spPr/>
+        <p:spPr>
+          <a:xfrm>
+            <a:off x="161925" y="0"/>
+            <a:ext cx="11887200" cy="926203"/>
+          </a:xfrm>
+        </p:spPr>
         <p:txBody>
           <a:bodyPr/>
           <a:lstStyle/>
           <a:p>
             <a:r>
-              <a:rPr lang="pt-PT" dirty="0" err="1"/>
-              <a:t>Problem</a:t>
-            </a:r>
-            <a:r>
-              <a:rPr lang="pt-PT" dirty="0"/>
-              <a:t> </a:t>
-            </a:r>
-            <a:r>
-              <a:rPr lang="pt-PT" dirty="0" err="1"/>
-              <a:t>Formulation</a:t>
-            </a:r>
-            <a:endParaRPr lang="en-US" dirty="0"/>
+              <a:rPr lang="en-150" noProof="0" dirty="0"/>
+              <a:t>Problem Formulation</a:t>
+            </a:r>
           </a:p>
         </p:txBody>
       </p:sp>
@@ -4696,7 +4941,7 @@
             <p:ph idx="1"/>
             <p:extLst>
               <p:ext uri="{D42A27DB-BD31-4B8C-83A1-F6EECF244321}">
-                <p14:modId xmlns:p14="http://schemas.microsoft.com/office/powerpoint/2010/main" val="2535663487"/>
+                <p14:modId xmlns:p14="http://schemas.microsoft.com/office/powerpoint/2010/main" val="832955798"/>
               </p:ext>
             </p:extLst>
           </p:nvPr>
@@ -4967,7 +5212,7 @@
 </p:sld>
 </file>
 
-<file path=ppt/slides/slide4.xml><?xml version="1.0" encoding="utf-8"?>
+<file path=ppt/slides/slide5.xml><?xml version="1.0" encoding="utf-8"?>
 <p:sld xmlns:a="http://schemas.openxmlformats.org/drawingml/2006/main" xmlns:r="http://schemas.openxmlformats.org/officeDocument/2006/relationships" xmlns:p="http://schemas.openxmlformats.org/presentationml/2006/main">
   <p:cSld>
     <p:spTree>
@@ -5000,16 +5245,20 @@
             <p:ph type="title"/>
           </p:nvPr>
         </p:nvSpPr>
-        <p:spPr/>
+        <p:spPr>
+          <a:xfrm>
+            <a:off x="161925" y="6456"/>
+            <a:ext cx="11887200" cy="907944"/>
+          </a:xfrm>
+        </p:spPr>
         <p:txBody>
           <a:bodyPr/>
           <a:lstStyle/>
           <a:p>
             <a:r>
-              <a:rPr lang="pt-PT" dirty="0" err="1"/>
+              <a:rPr lang="en-150" noProof="0" dirty="0"/>
               <a:t>Implementation</a:t>
             </a:r>
-            <a:endParaRPr lang="en-US" dirty="0"/>
           </a:p>
         </p:txBody>
       </p:sp>
@@ -5035,126 +5284,46 @@
           <a:lstStyle/>
           <a:p>
             <a:r>
-              <a:rPr lang="pt-PT" dirty="0" err="1"/>
-              <a:t>The</a:t>
-            </a:r>
-            <a:r>
-              <a:rPr lang="pt-PT" dirty="0"/>
-              <a:t> </a:t>
-            </a:r>
-            <a:r>
-              <a:rPr lang="pt-PT" dirty="0" err="1"/>
-              <a:t>project</a:t>
-            </a:r>
-            <a:r>
-              <a:rPr lang="pt-PT" dirty="0"/>
-              <a:t> </a:t>
-            </a:r>
-            <a:r>
-              <a:rPr lang="pt-PT" dirty="0" err="1"/>
-              <a:t>will</a:t>
-            </a:r>
-            <a:r>
-              <a:rPr lang="pt-PT" dirty="0"/>
-              <a:t> </a:t>
-            </a:r>
-            <a:r>
-              <a:rPr lang="pt-PT" dirty="0" err="1"/>
-              <a:t>be</a:t>
-            </a:r>
-            <a:r>
-              <a:rPr lang="pt-PT" dirty="0"/>
-              <a:t> </a:t>
-            </a:r>
-            <a:r>
-              <a:rPr lang="pt-PT" dirty="0" err="1"/>
-              <a:t>developed</a:t>
-            </a:r>
-            <a:r>
-              <a:rPr lang="pt-PT" dirty="0"/>
-              <a:t> </a:t>
-            </a:r>
-            <a:r>
-              <a:rPr lang="pt-PT" dirty="0" err="1"/>
-              <a:t>mostly</a:t>
-            </a:r>
-            <a:r>
-              <a:rPr lang="pt-PT" dirty="0"/>
-              <a:t> in </a:t>
-            </a:r>
-            <a:r>
-              <a:rPr lang="pt-PT" dirty="0" err="1"/>
-              <a:t>Python</a:t>
-            </a:r>
-            <a:r>
-              <a:rPr lang="pt-PT" dirty="0"/>
-              <a:t> 3 </a:t>
-            </a:r>
-            <a:r>
-              <a:rPr lang="pt-PT" dirty="0" err="1"/>
-              <a:t>with</a:t>
-            </a:r>
-            <a:r>
-              <a:rPr lang="pt-PT" dirty="0"/>
-              <a:t> a </a:t>
-            </a:r>
-            <a:r>
-              <a:rPr lang="pt-PT" dirty="0" err="1"/>
-              <a:t>possible</a:t>
-            </a:r>
-            <a:r>
-              <a:rPr lang="pt-PT" dirty="0"/>
-              <a:t> </a:t>
-            </a:r>
-            <a:r>
-              <a:rPr lang="en-US" dirty="0"/>
-              <a:t>visualization using</a:t>
-            </a:r>
-            <a:r>
-              <a:rPr lang="pt-PT" dirty="0"/>
-              <a:t> in JavaScript.</a:t>
-            </a:r>
-          </a:p>
-          <a:p>
-            <a:r>
-              <a:rPr lang="en-US" dirty="0"/>
+              <a:rPr lang="en-150" noProof="0" dirty="0"/>
+              <a:t>The project will be developed mostly in Python 3 with a possible visualization using JavaScript.</a:t>
+            </a:r>
+          </a:p>
+          <a:p>
+            <a:r>
+              <a:rPr lang="en-150" noProof="0" dirty="0"/>
               <a:t>The development environment used by the group to develop the project is PyCharm by JetBrains.</a:t>
             </a:r>
           </a:p>
           <a:p>
             <a:r>
-              <a:rPr lang="en-US" dirty="0"/>
+              <a:rPr lang="en-150" noProof="0" dirty="0"/>
               <a:t>Data structures that will be most used are trees.</a:t>
             </a:r>
           </a:p>
           <a:p>
             <a:r>
-              <a:rPr lang="en-US" dirty="0"/>
+              <a:rPr lang="en-150" noProof="0" dirty="0"/>
               <a:t>The project directory will follow this structure:</a:t>
             </a:r>
           </a:p>
           <a:p>
             <a:pPr lvl="1"/>
             <a:r>
-              <a:rPr lang="en-US" dirty="0"/>
-              <a:t>Docs: where all documents will be stored;</a:t>
+              <a:rPr lang="en-150" noProof="0" dirty="0"/>
+              <a:t>Doc: where all documents will be stored;</a:t>
             </a:r>
           </a:p>
           <a:p>
             <a:pPr lvl="1"/>
             <a:r>
-              <a:rPr lang="en-US" dirty="0" err="1"/>
-              <a:t>Src</a:t>
-            </a:r>
-            <a:r>
-              <a:rPr lang="en-US" dirty="0"/>
-              <a:t>: where the project’s source code is located;</a:t>
+              <a:rPr lang="en-150" noProof="0" dirty="0"/>
+              <a:t>Src: where the project’s source code is located;</a:t>
             </a:r>
           </a:p>
           <a:p>
             <a:pPr lvl="2"/>
             <a:r>
-              <a:rPr lang="en-US" dirty="0"/>
+              <a:rPr lang="en-150" noProof="0" dirty="0"/>
               <a:t>Assets: where code developed by others is located.</a:t>
             </a:r>
           </a:p>
@@ -5176,7 +5345,7 @@
 <file path=ppt/theme/theme1.xml><?xml version="1.0" encoding="utf-8"?>
 <a:theme xmlns:a="http://schemas.openxmlformats.org/drawingml/2006/main" name="Retrospect">
   <a:themeElements>
-    <a:clrScheme name="Retrospect">
+    <a:clrScheme name="Custom 3">
       <a:dk1>
         <a:srgbClr val="000000"/>
       </a:dk1>
@@ -5190,10 +5359,10 @@
         <a:srgbClr val="CCDDEA"/>
       </a:lt2>
       <a:accent1>
-        <a:srgbClr val="E48312"/>
+        <a:srgbClr val="2576B9"/>
       </a:accent1>
       <a:accent2>
-        <a:srgbClr val="BD582C"/>
+        <a:srgbClr val="001642"/>
       </a:accent2>
       <a:accent3>
         <a:srgbClr val="865640"/>
@@ -5454,4 +5623,299 @@
     </a:ext>
   </a:extLst>
 </a:theme>
+</file>
+
+<file path=ppt/theme/theme2.xml><?xml version="1.0" encoding="utf-8"?>
+<a:theme xmlns:a="http://schemas.openxmlformats.org/drawingml/2006/main" name="Office Theme">
+  <a:themeElements>
+    <a:clrScheme name="Office">
+      <a:dk1>
+        <a:sysClr val="windowText" lastClr="000000"/>
+      </a:dk1>
+      <a:lt1>
+        <a:sysClr val="window" lastClr="FFFFFF"/>
+      </a:lt1>
+      <a:dk2>
+        <a:srgbClr val="44546A"/>
+      </a:dk2>
+      <a:lt2>
+        <a:srgbClr val="E7E6E6"/>
+      </a:lt2>
+      <a:accent1>
+        <a:srgbClr val="4472C4"/>
+      </a:accent1>
+      <a:accent2>
+        <a:srgbClr val="ED7D31"/>
+      </a:accent2>
+      <a:accent3>
+        <a:srgbClr val="A5A5A5"/>
+      </a:accent3>
+      <a:accent4>
+        <a:srgbClr val="FFC000"/>
+      </a:accent4>
+      <a:accent5>
+        <a:srgbClr val="5B9BD5"/>
+      </a:accent5>
+      <a:accent6>
+        <a:srgbClr val="70AD47"/>
+      </a:accent6>
+      <a:hlink>
+        <a:srgbClr val="0563C1"/>
+      </a:hlink>
+      <a:folHlink>
+        <a:srgbClr val="954F72"/>
+      </a:folHlink>
+    </a:clrScheme>
+    <a:fontScheme name="Office">
+      <a:majorFont>
+        <a:latin typeface="Calibri Light" panose="020F0302020204030204"/>
+        <a:ea typeface=""/>
+        <a:cs typeface=""/>
+        <a:font script="Jpan" typeface="游ゴシック Light"/>
+        <a:font script="Hang" typeface="맑은 고딕"/>
+        <a:font script="Hans" typeface="等线 Light"/>
+        <a:font script="Hant" typeface="新細明體"/>
+        <a:font script="Arab" typeface="Times New Roman"/>
+        <a:font script="Hebr" typeface="Times New Roman"/>
+        <a:font script="Thai" typeface="Angsana New"/>
+        <a:font script="Ethi" typeface="Nyala"/>
+        <a:font script="Beng" typeface="Vrinda"/>
+        <a:font script="Gujr" typeface="Shruti"/>
+        <a:font script="Khmr" typeface="MoolBoran"/>
+        <a:font script="Knda" typeface="Tunga"/>
+        <a:font script="Guru" typeface="Raavi"/>
+        <a:font script="Cans" typeface="Euphemia"/>
+        <a:font script="Cher" typeface="Plantagenet Cherokee"/>
+        <a:font script="Yiii" typeface="Microsoft Yi Baiti"/>
+        <a:font script="Tibt" typeface="Microsoft Himalaya"/>
+        <a:font script="Thaa" typeface="MV Boli"/>
+        <a:font script="Deva" typeface="Mangal"/>
+        <a:font script="Telu" typeface="Gautami"/>
+        <a:font script="Taml" typeface="Latha"/>
+        <a:font script="Syrc" typeface="Estrangelo Edessa"/>
+        <a:font script="Orya" typeface="Kalinga"/>
+        <a:font script="Mlym" typeface="Kartika"/>
+        <a:font script="Laoo" typeface="DokChampa"/>
+        <a:font script="Sinh" typeface="Iskoola Pota"/>
+        <a:font script="Mong" typeface="Mongolian Baiti"/>
+        <a:font script="Viet" typeface="Times New Roman"/>
+        <a:font script="Uigh" typeface="Microsoft Uighur"/>
+        <a:font script="Geor" typeface="Sylfaen"/>
+        <a:font script="Armn" typeface="Arial"/>
+        <a:font script="Bugi" typeface="Leelawadee UI"/>
+        <a:font script="Bopo" typeface="Microsoft JhengHei"/>
+        <a:font script="Java" typeface="Javanese Text"/>
+        <a:font script="Lisu" typeface="Segoe UI"/>
+        <a:font script="Mymr" typeface="Myanmar Text"/>
+        <a:font script="Nkoo" typeface="Ebrima"/>
+        <a:font script="Olck" typeface="Nirmala UI"/>
+        <a:font script="Osma" typeface="Ebrima"/>
+        <a:font script="Phag" typeface="Phagspa"/>
+        <a:font script="Syrn" typeface="Estrangelo Edessa"/>
+        <a:font script="Syrj" typeface="Estrangelo Edessa"/>
+        <a:font script="Syre" typeface="Estrangelo Edessa"/>
+        <a:font script="Sora" typeface="Nirmala UI"/>
+        <a:font script="Tale" typeface="Microsoft Tai Le"/>
+        <a:font script="Talu" typeface="Microsoft New Tai Lue"/>
+        <a:font script="Tfng" typeface="Ebrima"/>
+      </a:majorFont>
+      <a:minorFont>
+        <a:latin typeface="Calibri" panose="020F0502020204030204"/>
+        <a:ea typeface=""/>
+        <a:cs typeface=""/>
+        <a:font script="Jpan" typeface="游ゴシック"/>
+        <a:font script="Hang" typeface="맑은 고딕"/>
+        <a:font script="Hans" typeface="等线"/>
+        <a:font script="Hant" typeface="新細明體"/>
+        <a:font script="Arab" typeface="Arial"/>
+        <a:font script="Hebr" typeface="Arial"/>
+        <a:font script="Thai" typeface="Cordia New"/>
+        <a:font script="Ethi" typeface="Nyala"/>
+        <a:font script="Beng" typeface="Vrinda"/>
+        <a:font script="Gujr" typeface="Shruti"/>
+        <a:font script="Khmr" typeface="DaunPenh"/>
+        <a:font script="Knda" typeface="Tunga"/>
+        <a:font script="Guru" typeface="Raavi"/>
+        <a:font script="Cans" typeface="Euphemia"/>
+        <a:font script="Cher" typeface="Plantagenet Cherokee"/>
+        <a:font script="Yiii" typeface="Microsoft Yi Baiti"/>
+        <a:font script="Tibt" typeface="Microsoft Himalaya"/>
+        <a:font script="Thaa" typeface="MV Boli"/>
+        <a:font script="Deva" typeface="Mangal"/>
+        <a:font script="Telu" typeface="Gautami"/>
+        <a:font script="Taml" typeface="Latha"/>
+        <a:font script="Syrc" typeface="Estrangelo Edessa"/>
+        <a:font script="Orya" typeface="Kalinga"/>
+        <a:font script="Mlym" typeface="Kartika"/>
+        <a:font script="Laoo" typeface="DokChampa"/>
+        <a:font script="Sinh" typeface="Iskoola Pota"/>
+        <a:font script="Mong" typeface="Mongolian Baiti"/>
+        <a:font script="Viet" typeface="Arial"/>
+        <a:font script="Uigh" typeface="Microsoft Uighur"/>
+        <a:font script="Geor" typeface="Sylfaen"/>
+        <a:font script="Armn" typeface="Arial"/>
+        <a:font script="Bugi" typeface="Leelawadee UI"/>
+        <a:font script="Bopo" typeface="Microsoft JhengHei"/>
+        <a:font script="Java" typeface="Javanese Text"/>
+        <a:font script="Lisu" typeface="Segoe UI"/>
+        <a:font script="Mymr" typeface="Myanmar Text"/>
+        <a:font script="Nkoo" typeface="Ebrima"/>
+        <a:font script="Olck" typeface="Nirmala UI"/>
+        <a:font script="Osma" typeface="Ebrima"/>
+        <a:font script="Phag" typeface="Phagspa"/>
+        <a:font script="Syrn" typeface="Estrangelo Edessa"/>
+        <a:font script="Syrj" typeface="Estrangelo Edessa"/>
+        <a:font script="Syre" typeface="Estrangelo Edessa"/>
+        <a:font script="Sora" typeface="Nirmala UI"/>
+        <a:font script="Tale" typeface="Microsoft Tai Le"/>
+        <a:font script="Talu" typeface="Microsoft New Tai Lue"/>
+        <a:font script="Tfng" typeface="Ebrima"/>
+      </a:minorFont>
+    </a:fontScheme>
+    <a:fmtScheme name="Office">
+      <a:fillStyleLst>
+        <a:solidFill>
+          <a:schemeClr val="phClr"/>
+        </a:solidFill>
+        <a:gradFill rotWithShape="1">
+          <a:gsLst>
+            <a:gs pos="0">
+              <a:schemeClr val="phClr">
+                <a:lumMod val="110000"/>
+                <a:satMod val="105000"/>
+                <a:tint val="67000"/>
+              </a:schemeClr>
+            </a:gs>
+            <a:gs pos="50000">
+              <a:schemeClr val="phClr">
+                <a:lumMod val="105000"/>
+                <a:satMod val="103000"/>
+                <a:tint val="73000"/>
+              </a:schemeClr>
+            </a:gs>
+            <a:gs pos="100000">
+              <a:schemeClr val="phClr">
+                <a:lumMod val="105000"/>
+                <a:satMod val="109000"/>
+                <a:tint val="81000"/>
+              </a:schemeClr>
+            </a:gs>
+          </a:gsLst>
+          <a:lin ang="5400000" scaled="0"/>
+        </a:gradFill>
+        <a:gradFill rotWithShape="1">
+          <a:gsLst>
+            <a:gs pos="0">
+              <a:schemeClr val="phClr">
+                <a:satMod val="103000"/>
+                <a:lumMod val="102000"/>
+                <a:tint val="94000"/>
+              </a:schemeClr>
+            </a:gs>
+            <a:gs pos="50000">
+              <a:schemeClr val="phClr">
+                <a:satMod val="110000"/>
+                <a:lumMod val="100000"/>
+                <a:shade val="100000"/>
+              </a:schemeClr>
+            </a:gs>
+            <a:gs pos="100000">
+              <a:schemeClr val="phClr">
+                <a:lumMod val="99000"/>
+                <a:satMod val="120000"/>
+                <a:shade val="78000"/>
+              </a:schemeClr>
+            </a:gs>
+          </a:gsLst>
+          <a:lin ang="5400000" scaled="0"/>
+        </a:gradFill>
+      </a:fillStyleLst>
+      <a:lnStyleLst>
+        <a:ln w="6350" cap="flat" cmpd="sng" algn="ctr">
+          <a:solidFill>
+            <a:schemeClr val="phClr"/>
+          </a:solidFill>
+          <a:prstDash val="solid"/>
+          <a:miter lim="800000"/>
+        </a:ln>
+        <a:ln w="12700" cap="flat" cmpd="sng" algn="ctr">
+          <a:solidFill>
+            <a:schemeClr val="phClr"/>
+          </a:solidFill>
+          <a:prstDash val="solid"/>
+          <a:miter lim="800000"/>
+        </a:ln>
+        <a:ln w="19050" cap="flat" cmpd="sng" algn="ctr">
+          <a:solidFill>
+            <a:schemeClr val="phClr"/>
+          </a:solidFill>
+          <a:prstDash val="solid"/>
+          <a:miter lim="800000"/>
+        </a:ln>
+      </a:lnStyleLst>
+      <a:effectStyleLst>
+        <a:effectStyle>
+          <a:effectLst/>
+        </a:effectStyle>
+        <a:effectStyle>
+          <a:effectLst/>
+        </a:effectStyle>
+        <a:effectStyle>
+          <a:effectLst>
+            <a:outerShdw blurRad="57150" dist="19050" dir="5400000" algn="ctr" rotWithShape="0">
+              <a:srgbClr val="000000">
+                <a:alpha val="63000"/>
+              </a:srgbClr>
+            </a:outerShdw>
+          </a:effectLst>
+        </a:effectStyle>
+      </a:effectStyleLst>
+      <a:bgFillStyleLst>
+        <a:solidFill>
+          <a:schemeClr val="phClr"/>
+        </a:solidFill>
+        <a:solidFill>
+          <a:schemeClr val="phClr">
+            <a:tint val="95000"/>
+            <a:satMod val="170000"/>
+          </a:schemeClr>
+        </a:solidFill>
+        <a:gradFill rotWithShape="1">
+          <a:gsLst>
+            <a:gs pos="0">
+              <a:schemeClr val="phClr">
+                <a:tint val="93000"/>
+                <a:satMod val="150000"/>
+                <a:shade val="98000"/>
+                <a:lumMod val="102000"/>
+              </a:schemeClr>
+            </a:gs>
+            <a:gs pos="50000">
+              <a:schemeClr val="phClr">
+                <a:tint val="98000"/>
+                <a:satMod val="130000"/>
+                <a:shade val="90000"/>
+                <a:lumMod val="103000"/>
+              </a:schemeClr>
+            </a:gs>
+            <a:gs pos="100000">
+              <a:schemeClr val="phClr">
+                <a:shade val="63000"/>
+                <a:satMod val="120000"/>
+              </a:schemeClr>
+            </a:gs>
+          </a:gsLst>
+          <a:lin ang="5400000" scaled="0"/>
+        </a:gradFill>
+      </a:bgFillStyleLst>
+    </a:fmtScheme>
+  </a:themeElements>
+  <a:objectDefaults/>
+  <a:extraClrSchemeLst/>
+  <a:extLst>
+    <a:ext uri="{05A4C25C-085E-4340-85A3-A5531E510DB2}">
+      <thm15:themeFamily xmlns:thm15="http://schemas.microsoft.com/office/thememl/2012/main" name="Office Theme" id="{62F939B6-93AF-4DB8-9C6B-D6C7DFDC589F}" vid="{4A3C46E8-61CC-4603-A589-7422A47A8E4A}"/>
+    </a:ext>
+  </a:extLst>
+</a:theme>
 </file>
--- a/Projects/P1/doc/IART01.pptx
+++ b/Projects/P1/doc/IART01.pptx
@@ -114,6 +114,9 @@
   <p:extLst>
     <p:ext uri="{EFAFB233-063F-42B5-8137-9DF3F51BA10A}">
       <p15:sldGuideLst xmlns:p15="http://schemas.microsoft.com/office/powerpoint/2012/main"/>
+    </p:ext>
+    <p:ext uri="{2D200454-40CA-4A62-9FC3-DE9A4176ACB9}">
+      <p15:notesGuideLst xmlns:p15="http://schemas.microsoft.com/office/powerpoint/2012/main"/>
     </p:ext>
   </p:extLst>
 </p:presentation>
@@ -4060,11 +4063,39 @@
             <p:ph idx="1"/>
           </p:nvPr>
         </p:nvSpPr>
-        <p:spPr/>
+        <p:spPr>
+          <a:xfrm>
+            <a:off x="4800600" y="731520"/>
+            <a:ext cx="5172959" cy="5257800"/>
+          </a:xfrm>
+        </p:spPr>
         <p:txBody>
           <a:bodyPr/>
           <a:lstStyle/>
           <a:p>
+            <a:pPr algn="just"/>
+            <a:r>
+              <a:rPr lang="en-US" sz="2800" b="1" dirty="0"/>
+              <a:t>Project Goals</a:t>
+            </a:r>
+          </a:p>
+          <a:p>
+            <a:pPr lvl="1" algn="just">
+              <a:spcAft>
+                <a:spcPts val="1200"/>
+              </a:spcAft>
+            </a:pPr>
+            <a:r>
+              <a:rPr lang="en-US" dirty="0"/>
+              <a:t>This project aims to solve an optimization problem of self driving rides, with the goal of efficiently getting commuters to their destinations on time, by assigning optimal rides to vehicles on the map. </a:t>
+            </a:r>
+          </a:p>
+          <a:p>
+            <a:pPr lvl="1" algn="just"/>
+            <a:r>
+              <a:rPr lang="en-US" dirty="0"/>
+              <a:t>There should be a list of pre-booked rides in a city as well as a fleet of self driving rides given as input and with this information the program should be able to determine an efficient solution. </a:t>
+            </a:r>
             <a:endParaRPr lang="pt-PT" dirty="0"/>
           </a:p>
         </p:txBody>

--- a/Projects/P1/doc/IART01.pptx
+++ b/Projects/P1/doc/IART01.pptx
@@ -216,7 +216,7 @@
           <a:p>
             <a:fld id="{3198FB46-316A-4315-9B41-C243CD40CDB0}" type="datetimeFigureOut">
               <a:rPr lang="pt-PT" smtClean="0"/>
-              <a:t>10/03/2020</a:t>
+              <a:t>15/03/2020</a:t>
             </a:fld>
             <a:endParaRPr lang="pt-PT"/>
           </a:p>
@@ -294,7 +294,7 @@
           <a:p>
             <a:fld id="{BC06498D-EC0A-4992-99AE-73C0AB70FC23}" type="slidenum">
               <a:rPr lang="pt-PT" smtClean="0"/>
-              <a:t>‹#›</a:t>
+              <a:t>‹nº›</a:t>
             </a:fld>
             <a:endParaRPr lang="pt-PT"/>
           </a:p>
@@ -537,7 +537,7 @@
           <a:p>
             <a:fld id="{E8A19EEC-21EA-4CAF-8095-9FB30FBE369D}" type="datetimeFigureOut">
               <a:rPr lang="en-US" smtClean="0"/>
-              <a:t>10-Mar-20</a:t>
+              <a:t>3/15/2020</a:t>
             </a:fld>
             <a:endParaRPr lang="en-US"/>
           </a:p>
@@ -579,7 +579,7 @@
           <a:p>
             <a:fld id="{BDFF435A-5B5D-48FB-B899-D92624692E5F}" type="slidenum">
               <a:rPr lang="en-US" smtClean="0"/>
-              <a:t>‹#›</a:t>
+              <a:t>‹nº›</a:t>
             </a:fld>
             <a:endParaRPr lang="en-US"/>
           </a:p>
@@ -745,7 +745,7 @@
           <a:p>
             <a:fld id="{E8A19EEC-21EA-4CAF-8095-9FB30FBE369D}" type="datetimeFigureOut">
               <a:rPr lang="en-US" smtClean="0"/>
-              <a:t>10-Mar-20</a:t>
+              <a:t>3/15/2020</a:t>
             </a:fld>
             <a:endParaRPr lang="en-US"/>
           </a:p>
@@ -787,7 +787,7 @@
           <a:p>
             <a:fld id="{BDFF435A-5B5D-48FB-B899-D92624692E5F}" type="slidenum">
               <a:rPr lang="en-US" smtClean="0"/>
-              <a:t>‹#›</a:t>
+              <a:t>‹nº›</a:t>
             </a:fld>
             <a:endParaRPr lang="en-US"/>
           </a:p>
@@ -1001,7 +1001,7 @@
           <a:p>
             <a:fld id="{E8A19EEC-21EA-4CAF-8095-9FB30FBE369D}" type="datetimeFigureOut">
               <a:rPr lang="en-US" smtClean="0"/>
-              <a:t>10-Mar-20</a:t>
+              <a:t>3/15/2020</a:t>
             </a:fld>
             <a:endParaRPr lang="en-US"/>
           </a:p>
@@ -1043,7 +1043,7 @@
           <a:p>
             <a:fld id="{BDFF435A-5B5D-48FB-B899-D92624692E5F}" type="slidenum">
               <a:rPr lang="en-US" smtClean="0"/>
-              <a:t>‹#›</a:t>
+              <a:t>‹nº›</a:t>
             </a:fld>
             <a:endParaRPr lang="en-US"/>
           </a:p>
@@ -1243,7 +1243,7 @@
           <a:p>
             <a:fld id="{BDFF435A-5B5D-48FB-B899-D92624692E5F}" type="slidenum">
               <a:rPr lang="en-US" smtClean="0"/>
-              <a:t>‹#›</a:t>
+              <a:t>‹nº›</a:t>
             </a:fld>
             <a:endParaRPr lang="en-US" dirty="0"/>
           </a:p>
@@ -1579,7 +1579,7 @@
           <a:p>
             <a:fld id="{E8A19EEC-21EA-4CAF-8095-9FB30FBE369D}" type="datetimeFigureOut">
               <a:rPr lang="en-US" smtClean="0"/>
-              <a:t>10-Mar-20</a:t>
+              <a:t>3/15/2020</a:t>
             </a:fld>
             <a:endParaRPr lang="en-US"/>
           </a:p>
@@ -1621,7 +1621,7 @@
           <a:p>
             <a:fld id="{BDFF435A-5B5D-48FB-B899-D92624692E5F}" type="slidenum">
               <a:rPr lang="en-US" smtClean="0"/>
-              <a:t>‹#›</a:t>
+              <a:t>‹nº›</a:t>
             </a:fld>
             <a:endParaRPr lang="en-US"/>
           </a:p>
@@ -1854,7 +1854,7 @@
           <a:p>
             <a:fld id="{E8A19EEC-21EA-4CAF-8095-9FB30FBE369D}" type="datetimeFigureOut">
               <a:rPr lang="en-US" smtClean="0"/>
-              <a:t>10-Mar-20</a:t>
+              <a:t>3/15/2020</a:t>
             </a:fld>
             <a:endParaRPr lang="en-US"/>
           </a:p>
@@ -1896,7 +1896,7 @@
           <a:p>
             <a:fld id="{BDFF435A-5B5D-48FB-B899-D92624692E5F}" type="slidenum">
               <a:rPr lang="en-US" smtClean="0"/>
-              <a:t>‹#›</a:t>
+              <a:t>‹nº›</a:t>
             </a:fld>
             <a:endParaRPr lang="en-US"/>
           </a:p>
@@ -2233,7 +2233,7 @@
           <a:p>
             <a:fld id="{E8A19EEC-21EA-4CAF-8095-9FB30FBE369D}" type="datetimeFigureOut">
               <a:rPr lang="en-US" smtClean="0"/>
-              <a:t>10-Mar-20</a:t>
+              <a:t>3/15/2020</a:t>
             </a:fld>
             <a:endParaRPr lang="en-US"/>
           </a:p>
@@ -2275,7 +2275,7 @@
           <a:p>
             <a:fld id="{BDFF435A-5B5D-48FB-B899-D92624692E5F}" type="slidenum">
               <a:rPr lang="en-US" smtClean="0"/>
-              <a:t>‹#›</a:t>
+              <a:t>‹nº›</a:t>
             </a:fld>
             <a:endParaRPr lang="en-US"/>
           </a:p>
@@ -2351,7 +2351,7 @@
           <a:p>
             <a:fld id="{E8A19EEC-21EA-4CAF-8095-9FB30FBE369D}" type="datetimeFigureOut">
               <a:rPr lang="en-US" smtClean="0"/>
-              <a:t>10-Mar-20</a:t>
+              <a:t>3/15/2020</a:t>
             </a:fld>
             <a:endParaRPr lang="en-US"/>
           </a:p>
@@ -2393,7 +2393,7 @@
           <a:p>
             <a:fld id="{BDFF435A-5B5D-48FB-B899-D92624692E5F}" type="slidenum">
               <a:rPr lang="en-US" smtClean="0"/>
-              <a:t>‹#›</a:t>
+              <a:t>‹nº›</a:t>
             </a:fld>
             <a:endParaRPr lang="en-US"/>
           </a:p>
@@ -2522,7 +2522,7 @@
           <a:p>
             <a:fld id="{E8A19EEC-21EA-4CAF-8095-9FB30FBE369D}" type="datetimeFigureOut">
               <a:rPr lang="en-US" smtClean="0"/>
-              <a:t>10-Mar-20</a:t>
+              <a:t>3/15/2020</a:t>
             </a:fld>
             <a:endParaRPr lang="en-US"/>
           </a:p>
@@ -2572,7 +2572,7 @@
           <a:p>
             <a:fld id="{BDFF435A-5B5D-48FB-B899-D92624692E5F}" type="slidenum">
               <a:rPr lang="en-US" smtClean="0"/>
-              <a:t>‹#›</a:t>
+              <a:t>‹nº›</a:t>
             </a:fld>
             <a:endParaRPr lang="en-US"/>
           </a:p>
@@ -2906,7 +2906,7 @@
           <a:p>
             <a:fld id="{BDFF435A-5B5D-48FB-B899-D92624692E5F}" type="slidenum">
               <a:rPr lang="en-US" smtClean="0"/>
-              <a:t>‹#›</a:t>
+              <a:t>‹nº›</a:t>
             </a:fld>
             <a:endParaRPr lang="en-US"/>
           </a:p>
@@ -3225,7 +3225,7 @@
           <a:p>
             <a:fld id="{E8A19EEC-21EA-4CAF-8095-9FB30FBE369D}" type="datetimeFigureOut">
               <a:rPr lang="en-US" smtClean="0"/>
-              <a:t>10-Mar-20</a:t>
+              <a:t>3/15/2020</a:t>
             </a:fld>
             <a:endParaRPr lang="en-US"/>
           </a:p>
@@ -3267,7 +3267,7 @@
           <a:p>
             <a:fld id="{BDFF435A-5B5D-48FB-B899-D92624692E5F}" type="slidenum">
               <a:rPr lang="en-US" smtClean="0"/>
-              <a:t>‹#›</a:t>
+              <a:t>‹nº›</a:t>
             </a:fld>
             <a:endParaRPr lang="en-US"/>
           </a:p>
@@ -3510,7 +3510,7 @@
           <a:p>
             <a:fld id="{E8A19EEC-21EA-4CAF-8095-9FB30FBE369D}" type="datetimeFigureOut">
               <a:rPr lang="en-US" smtClean="0"/>
-              <a:t>10-Mar-20</a:t>
+              <a:t>3/15/2020</a:t>
             </a:fld>
             <a:endParaRPr lang="en-US"/>
           </a:p>
@@ -3584,7 +3584,7 @@
           <a:p>
             <a:fld id="{BDFF435A-5B5D-48FB-B899-D92624692E5F}" type="slidenum">
               <a:rPr lang="en-US" smtClean="0"/>
-              <a:t>‹#›</a:t>
+              <a:t>‹nº›</a:t>
             </a:fld>
             <a:endParaRPr lang="en-US"/>
           </a:p>
@@ -4851,8 +4851,57 @@
           <a:p>
             <a:r>
               <a:rPr lang="en-150" noProof="0" dirty="0"/>
-              <a:t>During the research stage of the project the group came across several implementations of algorithms that can be adapted and used on our own project, such as Python implementations of A*, BFS, DFS, uniform cost, interactive deepening and greedy algorithms.</a:t>
-            </a:r>
+              <a:t>During the research stage of the project the group came across several implementations of algorithms that can be adapted and used on our own project, such as Python implementations of greedy algorithms</a:t>
+            </a:r>
+            <a:r>
+              <a:rPr lang="pt-PT" noProof="0" dirty="0"/>
+              <a:t>, </a:t>
+            </a:r>
+            <a:r>
+              <a:rPr lang="pt-PT" noProof="0" dirty="0" err="1"/>
+              <a:t>genetic</a:t>
+            </a:r>
+            <a:r>
+              <a:rPr lang="pt-PT" noProof="0" dirty="0"/>
+              <a:t> </a:t>
+            </a:r>
+            <a:r>
+              <a:rPr lang="pt-PT" noProof="0" dirty="0" err="1"/>
+              <a:t>algorithms</a:t>
+            </a:r>
+            <a:r>
+              <a:rPr lang="pt-PT" noProof="0" dirty="0"/>
+              <a:t> </a:t>
+            </a:r>
+            <a:r>
+              <a:rPr lang="pt-PT" noProof="0" dirty="0" err="1"/>
+              <a:t>and</a:t>
+            </a:r>
+            <a:r>
+              <a:rPr lang="pt-PT" noProof="0" dirty="0"/>
+              <a:t> web </a:t>
+            </a:r>
+            <a:r>
+              <a:rPr lang="pt-PT" noProof="0" dirty="0" err="1"/>
+              <a:t>articles</a:t>
+            </a:r>
+            <a:r>
+              <a:rPr lang="pt-PT" noProof="0" dirty="0"/>
+              <a:t> </a:t>
+            </a:r>
+            <a:r>
+              <a:rPr lang="pt-PT" noProof="0" dirty="0" err="1"/>
+              <a:t>explaining</a:t>
+            </a:r>
+            <a:r>
+              <a:rPr lang="pt-PT" noProof="0" dirty="0"/>
+              <a:t> diferente </a:t>
+            </a:r>
+            <a:r>
+              <a:rPr lang="pt-PT" noProof="0" dirty="0" err="1"/>
+              <a:t>aproaches</a:t>
+            </a:r>
+            <a:endParaRPr lang="en-150" noProof="0" dirty="0"/>
           </a:p>
           <a:p>
             <a:r>
@@ -4885,6 +4934,92 @@
                 <a:hlinkClick r:id="rId3"/>
               </a:rPr>
               <a:t>https://github.com/papachristoumarios/HashCode-Team111/blob/master/selfdriving.py</a:t>
+            </a:r>
+            <a:endParaRPr lang="pt-PT" noProof="0" dirty="0"/>
+          </a:p>
+          <a:p>
+            <a:pPr lvl="1"/>
+            <a:endParaRPr lang="pt-PT" dirty="0"/>
+          </a:p>
+          <a:p>
+            <a:pPr marL="201168" lvl="1" indent="0">
+              <a:buNone/>
+            </a:pPr>
+            <a:r>
+              <a:rPr lang="pt-PT" noProof="0" dirty="0" err="1"/>
+              <a:t>Genetic</a:t>
+            </a:r>
+            <a:r>
+              <a:rPr lang="pt-PT" noProof="0" dirty="0"/>
+              <a:t> </a:t>
+            </a:r>
+            <a:r>
+              <a:rPr lang="pt-PT" noProof="0" dirty="0" err="1"/>
+              <a:t>Algortihm</a:t>
+            </a:r>
+            <a:r>
+              <a:rPr lang="pt-PT" noProof="0" dirty="0"/>
+              <a:t>:</a:t>
+            </a:r>
+          </a:p>
+          <a:p>
+            <a:pPr lvl="1"/>
+            <a:r>
+              <a:rPr lang="pt-PT" dirty="0">
+                <a:hlinkClick r:id="rId4"/>
+              </a:rPr>
+              <a:t>https://github.com/schesa/hashcode2018</a:t>
+            </a:r>
+            <a:endParaRPr lang="pt-PT" dirty="0"/>
+          </a:p>
+          <a:p>
+            <a:pPr lvl="1"/>
+            <a:r>
+              <a:rPr lang="pt-PT" dirty="0">
+                <a:hlinkClick r:id="rId5"/>
+              </a:rPr>
+              <a:t>https://github.com/devspaceship/google-hash-code-2018</a:t>
+            </a:r>
+            <a:endParaRPr lang="pt-PT" dirty="0"/>
+          </a:p>
+          <a:p>
+            <a:pPr lvl="1"/>
+            <a:r>
+              <a:rPr lang="pt-PT" dirty="0">
+                <a:hlinkClick r:id="rId6"/>
+              </a:rPr>
+              <a:t>https://albertherd.com/2018/03/03/google-hash-code-2018-solution-and-source-code-1st-in-malta-and-top-20-worldwide/</a:t>
+            </a:r>
+            <a:endParaRPr lang="pt-PT" noProof="0" dirty="0"/>
+          </a:p>
+          <a:p>
+            <a:pPr lvl="1"/>
+            <a:endParaRPr lang="pt-PT" dirty="0"/>
+          </a:p>
+          <a:p>
+            <a:pPr marL="201168" lvl="1" indent="0">
+              <a:buNone/>
+            </a:pPr>
+            <a:r>
+              <a:rPr lang="pt-PT" dirty="0" err="1"/>
+              <a:t>Article</a:t>
+            </a:r>
+            <a:r>
+              <a:rPr lang="en-150" dirty="0"/>
+              <a:t> </a:t>
+            </a:r>
+            <a:r>
+              <a:rPr lang="pt-PT" noProof="0" dirty="0"/>
+              <a:t>:</a:t>
+            </a:r>
+          </a:p>
+          <a:p>
+            <a:pPr lvl="1"/>
+            <a:r>
+              <a:rPr lang="pt-PT" dirty="0">
+                <a:hlinkClick r:id="rId7"/>
+              </a:rPr>
+              <a:t>https://medium.com/plapadoo/lessons-learned-from-google-hash-code-9982e5e207d</a:t>
             </a:r>
             <a:endParaRPr lang="en-150" noProof="0" dirty="0"/>
           </a:p>
@@ -5355,8 +5490,37 @@
             <a:pPr lvl="2"/>
             <a:r>
               <a:rPr lang="en-150" noProof="0" dirty="0"/>
-              <a:t>Assets: where code developed by others is located.</a:t>
-            </a:r>
+              <a:t>Assets: where code developed by others </a:t>
+            </a:r>
+            <a:r>
+              <a:rPr lang="pt-PT" noProof="0" dirty="0" err="1"/>
+              <a:t>and</a:t>
+            </a:r>
+            <a:r>
+              <a:rPr lang="pt-PT" noProof="0" dirty="0"/>
+              <a:t> </a:t>
+            </a:r>
+            <a:r>
+              <a:rPr lang="pt-PT" noProof="0" dirty="0" err="1"/>
+              <a:t>the</a:t>
+            </a:r>
+            <a:r>
+              <a:rPr lang="pt-PT" noProof="0" dirty="0"/>
+              <a:t> Input </a:t>
+            </a:r>
+            <a:r>
+              <a:rPr lang="pt-PT" noProof="0" dirty="0" err="1"/>
+              <a:t>is</a:t>
+            </a:r>
+            <a:r>
+              <a:rPr lang="pt-PT" noProof="0" dirty="0"/>
+              <a:t> </a:t>
+            </a:r>
+            <a:r>
+              <a:rPr lang="pt-PT" noProof="0"/>
+              <a:t>located</a:t>
+            </a:r>
+            <a:endParaRPr lang="en-150" noProof="0" dirty="0"/>
           </a:p>
         </p:txBody>
       </p:sp>

--- a/Projects/P1/doc/IART01.pptx
+++ b/Projects/P1/doc/IART01.pptx
@@ -5,7 +5,7 @@
     <p:sldMasterId id="2147483672" r:id="rId1"/>
   </p:sldMasterIdLst>
   <p:handoutMasterIdLst>
-    <p:handoutMasterId r:id="rId7"/>
+    <p:handoutMasterId r:id="rId8"/>
   </p:handoutMasterIdLst>
   <p:sldIdLst>
     <p:sldId id="261" r:id="rId2"/>
@@ -13,6 +13,7 @@
     <p:sldId id="258" r:id="rId4"/>
     <p:sldId id="259" r:id="rId5"/>
     <p:sldId id="260" r:id="rId6"/>
+    <p:sldId id="262" r:id="rId7"/>
   </p:sldIdLst>
   <p:sldSz cx="12192000" cy="6858000"/>
   <p:notesSz cx="6858000" cy="9144000"/>
@@ -5091,245 +5092,6 @@
           </a:p>
         </p:txBody>
       </p:sp>
-      <p:graphicFrame>
-        <p:nvGraphicFramePr>
-          <p:cNvPr id="4" name="Table 4">
-            <a:extLst>
-              <a:ext uri="{FF2B5EF4-FFF2-40B4-BE49-F238E27FC236}">
-                <a16:creationId xmlns:a16="http://schemas.microsoft.com/office/drawing/2014/main" id="{5D1B0E1E-73AB-480B-B9B0-96886011ED3F}"/>
-              </a:ext>
-            </a:extLst>
-          </p:cNvPr>
-          <p:cNvGraphicFramePr>
-            <a:graphicFrameLocks noGrp="1"/>
-          </p:cNvGraphicFramePr>
-          <p:nvPr>
-            <p:ph idx="1"/>
-            <p:extLst>
-              <p:ext uri="{D42A27DB-BD31-4B8C-83A1-F6EECF244321}">
-                <p14:modId xmlns:p14="http://schemas.microsoft.com/office/powerpoint/2010/main" val="832955798"/>
-              </p:ext>
-            </p:extLst>
-          </p:nvPr>
-        </p:nvGraphicFramePr>
-        <p:xfrm>
-          <a:off x="1096963" y="1846263"/>
-          <a:ext cx="9179558" cy="1112520"/>
-        </p:xfrm>
-        <a:graphic>
-          <a:graphicData uri="http://schemas.openxmlformats.org/drawingml/2006/table">
-            <a:tbl>
-              <a:tblPr firstRow="1" bandRow="1">
-                <a:tableStyleId>{5940675A-B579-460E-94D1-54222C63F5DA}</a:tableStyleId>
-              </a:tblPr>
-              <a:tblGrid>
-                <a:gridCol w="2473960">
-                  <a:extLst>
-                    <a:ext uri="{9D8B030D-6E8A-4147-A177-3AD203B41FA5}">
-                      <a16:colId xmlns:a16="http://schemas.microsoft.com/office/drawing/2014/main" val="3260735719"/>
-                    </a:ext>
-                  </a:extLst>
-                </a:gridCol>
-                <a:gridCol w="3352799">
-                  <a:extLst>
-                    <a:ext uri="{9D8B030D-6E8A-4147-A177-3AD203B41FA5}">
-                      <a16:colId xmlns:a16="http://schemas.microsoft.com/office/drawing/2014/main" val="719756492"/>
-                    </a:ext>
-                  </a:extLst>
-                </a:gridCol>
-                <a:gridCol w="3352799">
-                  <a:extLst>
-                    <a:ext uri="{9D8B030D-6E8A-4147-A177-3AD203B41FA5}">
-                      <a16:colId xmlns:a16="http://schemas.microsoft.com/office/drawing/2014/main" val="219582939"/>
-                    </a:ext>
-                  </a:extLst>
-                </a:gridCol>
-              </a:tblGrid>
-              <a:tr h="370840">
-                <a:tc>
-                  <a:txBody>
-                    <a:bodyPr/>
-                    <a:lstStyle/>
-                    <a:p>
-                      <a:r>
-                        <a:rPr lang="en-US" noProof="0" dirty="0"/>
-                        <a:t>Solution</a:t>
-                      </a:r>
-                      <a:r>
-                        <a:rPr lang="pt-PT" dirty="0"/>
-                        <a:t> </a:t>
-                      </a:r>
-                      <a:r>
-                        <a:rPr lang="en-US" noProof="0" dirty="0"/>
-                        <a:t>Representation</a:t>
-                      </a:r>
-                    </a:p>
-                  </a:txBody>
-                  <a:tcPr/>
-                </a:tc>
-                <a:tc>
-                  <a:txBody>
-                    <a:bodyPr/>
-                    <a:lstStyle/>
-                    <a:p>
-                      <a:endParaRPr lang="en-US" dirty="0"/>
-                    </a:p>
-                  </a:txBody>
-                  <a:tcPr/>
-                </a:tc>
-                <a:tc>
-                  <a:txBody>
-                    <a:bodyPr/>
-                    <a:lstStyle/>
-                    <a:p>
-                      <a:endParaRPr lang="en-US" dirty="0"/>
-                    </a:p>
-                  </a:txBody>
-                  <a:tcPr/>
-                </a:tc>
-                <a:extLst>
-                  <a:ext uri="{0D108BD9-81ED-4DB2-BD59-A6C34878D82A}">
-                    <a16:rowId xmlns:a16="http://schemas.microsoft.com/office/drawing/2014/main" val="3464672890"/>
-                  </a:ext>
-                </a:extLst>
-              </a:tr>
-              <a:tr h="370840">
-                <a:tc>
-                  <a:txBody>
-                    <a:bodyPr/>
-                    <a:lstStyle/>
-                    <a:p>
-                      <a:r>
-                        <a:rPr lang="pt-PT" dirty="0" err="1"/>
-                        <a:t>Neighborhood</a:t>
-                      </a:r>
-                      <a:r>
-                        <a:rPr lang="pt-PT" dirty="0"/>
-                        <a:t> </a:t>
-                      </a:r>
-                      <a:r>
-                        <a:rPr lang="pt-PT" dirty="0" err="1"/>
-                        <a:t>Function</a:t>
-                      </a:r>
-                      <a:endParaRPr lang="en-US" dirty="0"/>
-                    </a:p>
-                  </a:txBody>
-                  <a:tcPr/>
-                </a:tc>
-                <a:tc>
-                  <a:txBody>
-                    <a:bodyPr/>
-                    <a:lstStyle/>
-                    <a:p>
-                      <a:endParaRPr lang="en-US" dirty="0"/>
-                    </a:p>
-                  </a:txBody>
-                  <a:tcPr/>
-                </a:tc>
-                <a:tc>
-                  <a:txBody>
-                    <a:bodyPr/>
-                    <a:lstStyle/>
-                    <a:p>
-                      <a:endParaRPr lang="en-US" dirty="0"/>
-                    </a:p>
-                  </a:txBody>
-                  <a:tcPr/>
-                </a:tc>
-                <a:extLst>
-                  <a:ext uri="{0D108BD9-81ED-4DB2-BD59-A6C34878D82A}">
-                    <a16:rowId xmlns:a16="http://schemas.microsoft.com/office/drawing/2014/main" val="728440322"/>
-                  </a:ext>
-                </a:extLst>
-              </a:tr>
-              <a:tr h="370840">
-                <a:tc>
-                  <a:txBody>
-                    <a:bodyPr/>
-                    <a:lstStyle/>
-                    <a:p>
-                      <a:r>
-                        <a:rPr lang="en-US" dirty="0"/>
-                        <a:t>Cross Function</a:t>
-                      </a:r>
-                    </a:p>
-                  </a:txBody>
-                  <a:tcPr/>
-                </a:tc>
-                <a:tc>
-                  <a:txBody>
-                    <a:bodyPr/>
-                    <a:lstStyle/>
-                    <a:p>
-                      <a:endParaRPr lang="en-US"/>
-                    </a:p>
-                  </a:txBody>
-                  <a:tcPr/>
-                </a:tc>
-                <a:tc>
-                  <a:txBody>
-                    <a:bodyPr/>
-                    <a:lstStyle/>
-                    <a:p>
-                      <a:endParaRPr lang="en-US" dirty="0"/>
-                    </a:p>
-                  </a:txBody>
-                  <a:tcPr/>
-                </a:tc>
-                <a:extLst>
-                  <a:ext uri="{0D108BD9-81ED-4DB2-BD59-A6C34878D82A}">
-                    <a16:rowId xmlns:a16="http://schemas.microsoft.com/office/drawing/2014/main" val="3611386653"/>
-                  </a:ext>
-                </a:extLst>
-              </a:tr>
-            </a:tbl>
-          </a:graphicData>
-        </a:graphic>
-      </p:graphicFrame>
-      <p:sp>
-        <p:nvSpPr>
-          <p:cNvPr id="8" name="TextBox 7">
-            <a:extLst>
-              <a:ext uri="{FF2B5EF4-FFF2-40B4-BE49-F238E27FC236}">
-                <a16:creationId xmlns:a16="http://schemas.microsoft.com/office/drawing/2014/main" id="{AC035474-B24B-4C55-9C03-FA4A2A17BD54}"/>
-              </a:ext>
-            </a:extLst>
-          </p:cNvPr>
-          <p:cNvSpPr txBox="1"/>
-          <p:nvPr/>
-        </p:nvSpPr>
-        <p:spPr>
-          <a:xfrm>
-            <a:off x="1096962" y="3528378"/>
-            <a:ext cx="6715387" cy="369332"/>
-          </a:xfrm>
-          <a:prstGeom prst="rect">
-            <a:avLst/>
-          </a:prstGeom>
-          <a:noFill/>
-        </p:spPr>
-        <p:txBody>
-          <a:bodyPr wrap="square" rtlCol="0">
-            <a:spAutoFit/>
-          </a:bodyPr>
-          <a:lstStyle/>
-          <a:p>
-            <a:r>
-              <a:rPr lang="pt-PT" dirty="0" err="1"/>
-              <a:t>Rigid</a:t>
-            </a:r>
-            <a:r>
-              <a:rPr lang="pt-PT" dirty="0"/>
-              <a:t> </a:t>
-            </a:r>
-            <a:r>
-              <a:rPr lang="pt-PT" dirty="0" err="1"/>
-              <a:t>Restrictions</a:t>
-            </a:r>
-            <a:endParaRPr lang="en-US" dirty="0"/>
-          </a:p>
-        </p:txBody>
-      </p:sp>
       <p:sp>
         <p:nvSpPr>
           <p:cNvPr id="7" name="TextBox 6">
@@ -5344,7 +5106,7 @@
         </p:nvSpPr>
         <p:spPr>
           <a:xfrm>
-            <a:off x="1096962" y="4096465"/>
+            <a:off x="525462" y="1203189"/>
             <a:ext cx="6715387" cy="369332"/>
           </a:xfrm>
           <a:prstGeom prst="rect">
@@ -5361,6 +5123,138 @@
             <a:r>
               <a:rPr lang="en-US" dirty="0"/>
               <a:t>Evaluation Function</a:t>
+            </a:r>
+          </a:p>
+        </p:txBody>
+      </p:sp>
+      <p:pic>
+        <p:nvPicPr>
+          <p:cNvPr id="6" name="Marcador de Posição de Conteúdo 5">
+            <a:extLst>
+              <a:ext uri="{FF2B5EF4-FFF2-40B4-BE49-F238E27FC236}">
+                <a16:creationId xmlns:a16="http://schemas.microsoft.com/office/drawing/2014/main" id="{CB84E102-10A8-4CBD-8D76-6A881317856A}"/>
+              </a:ext>
+            </a:extLst>
+          </p:cNvPr>
+          <p:cNvPicPr>
+            <a:picLocks noGrp="1" noChangeAspect="1"/>
+          </p:cNvPicPr>
+          <p:nvPr>
+            <p:ph idx="1"/>
+          </p:nvPr>
+        </p:nvPicPr>
+        <p:blipFill>
+          <a:blip r:embed="rId2"/>
+          <a:stretch>
+            <a:fillRect/>
+          </a:stretch>
+        </p:blipFill>
+        <p:spPr>
+          <a:xfrm>
+            <a:off x="525462" y="1768974"/>
+            <a:ext cx="7920697" cy="1660026"/>
+          </a:xfrm>
+          <a:prstGeom prst="rect">
+            <a:avLst/>
+          </a:prstGeom>
+        </p:spPr>
+      </p:pic>
+      <p:sp>
+        <p:nvSpPr>
+          <p:cNvPr id="9" name="CaixaDeTexto 8">
+            <a:extLst>
+              <a:ext uri="{FF2B5EF4-FFF2-40B4-BE49-F238E27FC236}">
+                <a16:creationId xmlns:a16="http://schemas.microsoft.com/office/drawing/2014/main" id="{686A86D3-1A60-4E0A-A777-4ADD83BCF7FD}"/>
+              </a:ext>
+            </a:extLst>
+          </p:cNvPr>
+          <p:cNvSpPr txBox="1"/>
+          <p:nvPr/>
+        </p:nvSpPr>
+        <p:spPr>
+          <a:xfrm>
+            <a:off x="525462" y="3782786"/>
+            <a:ext cx="8977767" cy="369332"/>
+          </a:xfrm>
+          <a:prstGeom prst="rect">
+            <a:avLst/>
+          </a:prstGeom>
+          <a:noFill/>
+        </p:spPr>
+        <p:txBody>
+          <a:bodyPr wrap="square" rtlCol="0">
+            <a:spAutoFit/>
+          </a:bodyPr>
+          <a:lstStyle/>
+          <a:p>
+            <a:r>
+              <a:rPr lang="pt-PT" dirty="0"/>
+              <a:t>Luís explica</a:t>
+            </a:r>
+          </a:p>
+        </p:txBody>
+      </p:sp>
+      <p:pic>
+        <p:nvPicPr>
+          <p:cNvPr id="10" name="Imagem 9">
+            <a:extLst>
+              <a:ext uri="{FF2B5EF4-FFF2-40B4-BE49-F238E27FC236}">
+                <a16:creationId xmlns:a16="http://schemas.microsoft.com/office/drawing/2014/main" id="{41A61F1E-64F9-4E73-A8B3-0670E6E2374C}"/>
+              </a:ext>
+            </a:extLst>
+          </p:cNvPr>
+          <p:cNvPicPr>
+            <a:picLocks noChangeAspect="1"/>
+          </p:cNvPicPr>
+          <p:nvPr/>
+        </p:nvPicPr>
+        <p:blipFill>
+          <a:blip r:embed="rId3"/>
+          <a:stretch>
+            <a:fillRect/>
+          </a:stretch>
+        </p:blipFill>
+        <p:spPr>
+          <a:xfrm>
+            <a:off x="3484573" y="4505904"/>
+            <a:ext cx="797161" cy="1742632"/>
+          </a:xfrm>
+          <a:prstGeom prst="rect">
+            <a:avLst/>
+          </a:prstGeom>
+        </p:spPr>
+      </p:pic>
+      <p:sp>
+        <p:nvSpPr>
+          <p:cNvPr id="11" name="TextBox 6">
+            <a:extLst>
+              <a:ext uri="{FF2B5EF4-FFF2-40B4-BE49-F238E27FC236}">
+                <a16:creationId xmlns:a16="http://schemas.microsoft.com/office/drawing/2014/main" id="{1226E312-AA04-4FE6-A07D-BD669B1BDE70}"/>
+              </a:ext>
+            </a:extLst>
+          </p:cNvPr>
+          <p:cNvSpPr txBox="1"/>
+          <p:nvPr/>
+        </p:nvSpPr>
+        <p:spPr>
+          <a:xfrm>
+            <a:off x="525461" y="4321238"/>
+            <a:ext cx="6715387" cy="369332"/>
+          </a:xfrm>
+          <a:prstGeom prst="rect">
+            <a:avLst/>
+          </a:prstGeom>
+          <a:noFill/>
+        </p:spPr>
+        <p:txBody>
+          <a:bodyPr wrap="square" rtlCol="0">
+            <a:spAutoFit/>
+          </a:bodyPr>
+          <a:lstStyle/>
+          <a:p>
+            <a:r>
+              <a:rPr lang="en-US" dirty="0"/>
+              <a:t>Solution Representation</a:t>
             </a:r>
           </a:p>
         </p:txBody>
@@ -5517,7 +5411,7 @@
               <a:t> </a:t>
             </a:r>
             <a:r>
-              <a:rPr lang="pt-PT" noProof="0"/>
+              <a:rPr lang="pt-PT" noProof="0" dirty="0" err="1"/>
               <a:t>located</a:t>
             </a:r>
             <a:endParaRPr lang="en-150" noProof="0" dirty="0"/>
@@ -5528,6 +5422,86 @@
     <p:extLst>
       <p:ext uri="{BB962C8B-B14F-4D97-AF65-F5344CB8AC3E}">
         <p14:creationId xmlns:p14="http://schemas.microsoft.com/office/powerpoint/2010/main" val="2168552250"/>
+      </p:ext>
+    </p:extLst>
+  </p:cSld>
+  <p:clrMapOvr>
+    <a:masterClrMapping/>
+  </p:clrMapOvr>
+</p:sld>
+</file>
+
+<file path=ppt/slides/slide6.xml><?xml version="1.0" encoding="utf-8"?>
+<p:sld xmlns:a="http://schemas.openxmlformats.org/drawingml/2006/main" xmlns:r="http://schemas.openxmlformats.org/officeDocument/2006/relationships" xmlns:p="http://schemas.openxmlformats.org/presentationml/2006/main">
+  <p:cSld>
+    <p:spTree>
+      <p:nvGrpSpPr>
+        <p:cNvPr id="1" name=""/>
+        <p:cNvGrpSpPr/>
+        <p:nvPr/>
+      </p:nvGrpSpPr>
+      <p:grpSpPr>
+        <a:xfrm>
+          <a:off x="0" y="0"/>
+          <a:ext cx="0" cy="0"/>
+          <a:chOff x="0" y="0"/>
+          <a:chExt cx="0" cy="0"/>
+        </a:xfrm>
+      </p:grpSpPr>
+      <p:sp>
+        <p:nvSpPr>
+          <p:cNvPr id="2" name="Título 1">
+            <a:extLst>
+              <a:ext uri="{FF2B5EF4-FFF2-40B4-BE49-F238E27FC236}">
+                <a16:creationId xmlns:a16="http://schemas.microsoft.com/office/drawing/2014/main" id="{E0A4E8DB-9FAE-4F5B-877C-858A4771447B}"/>
+              </a:ext>
+            </a:extLst>
+          </p:cNvPr>
+          <p:cNvSpPr>
+            <a:spLocks noGrp="1"/>
+          </p:cNvSpPr>
+          <p:nvPr>
+            <p:ph type="title"/>
+          </p:nvPr>
+        </p:nvSpPr>
+        <p:spPr/>
+        <p:txBody>
+          <a:bodyPr/>
+          <a:lstStyle/>
+          <a:p>
+            <a:endParaRPr lang="pt-PT" dirty="0"/>
+          </a:p>
+        </p:txBody>
+      </p:sp>
+      <p:sp>
+        <p:nvSpPr>
+          <p:cNvPr id="3" name="Marcador de Posição de Conteúdo 2">
+            <a:extLst>
+              <a:ext uri="{FF2B5EF4-FFF2-40B4-BE49-F238E27FC236}">
+                <a16:creationId xmlns:a16="http://schemas.microsoft.com/office/drawing/2014/main" id="{9FED855A-724A-4295-9ECE-AFDAA92E76E1}"/>
+              </a:ext>
+            </a:extLst>
+          </p:cNvPr>
+          <p:cNvSpPr>
+            <a:spLocks noGrp="1"/>
+          </p:cNvSpPr>
+          <p:nvPr>
+            <p:ph idx="1"/>
+          </p:nvPr>
+        </p:nvSpPr>
+        <p:spPr/>
+        <p:txBody>
+          <a:bodyPr/>
+          <a:lstStyle/>
+          <a:p>
+            <a:endParaRPr lang="pt-PT"/>
+          </a:p>
+        </p:txBody>
+      </p:sp>
+    </p:spTree>
+    <p:extLst>
+      <p:ext uri="{BB962C8B-B14F-4D97-AF65-F5344CB8AC3E}">
+        <p14:creationId xmlns:p14="http://schemas.microsoft.com/office/powerpoint/2010/main" val="268360594"/>
       </p:ext>
     </p:extLst>
   </p:cSld>

--- a/Projects/P1/doc/IART01.pptx
+++ b/Projects/P1/doc/IART01.pptx
@@ -5,7 +5,7 @@
     <p:sldMasterId id="2147483672" r:id="rId1"/>
   </p:sldMasterIdLst>
   <p:handoutMasterIdLst>
-    <p:handoutMasterId r:id="rId8"/>
+    <p:handoutMasterId r:id="rId7"/>
   </p:handoutMasterIdLst>
   <p:sldIdLst>
     <p:sldId id="261" r:id="rId2"/>
@@ -13,7 +13,6 @@
     <p:sldId id="258" r:id="rId4"/>
     <p:sldId id="259" r:id="rId5"/>
     <p:sldId id="260" r:id="rId6"/>
-    <p:sldId id="262" r:id="rId7"/>
   </p:sldIdLst>
   <p:sldSz cx="12192000" cy="6858000"/>
   <p:notesSz cx="6858000" cy="9144000"/>
@@ -217,7 +216,7 @@
           <a:p>
             <a:fld id="{3198FB46-316A-4315-9B41-C243CD40CDB0}" type="datetimeFigureOut">
               <a:rPr lang="pt-PT" smtClean="0"/>
-              <a:t>15/03/2020</a:t>
+              <a:t>16/03/2020</a:t>
             </a:fld>
             <a:endParaRPr lang="pt-PT"/>
           </a:p>
@@ -295,7 +294,7 @@
           <a:p>
             <a:fld id="{BC06498D-EC0A-4992-99AE-73C0AB70FC23}" type="slidenum">
               <a:rPr lang="pt-PT" smtClean="0"/>
-              <a:t>‹nº›</a:t>
+              <a:t>‹#›</a:t>
             </a:fld>
             <a:endParaRPr lang="pt-PT"/>
           </a:p>
@@ -538,7 +537,7 @@
           <a:p>
             <a:fld id="{E8A19EEC-21EA-4CAF-8095-9FB30FBE369D}" type="datetimeFigureOut">
               <a:rPr lang="en-US" smtClean="0"/>
-              <a:t>3/15/2020</a:t>
+              <a:t>16-Mar-20</a:t>
             </a:fld>
             <a:endParaRPr lang="en-US"/>
           </a:p>
@@ -580,7 +579,7 @@
           <a:p>
             <a:fld id="{BDFF435A-5B5D-48FB-B899-D92624692E5F}" type="slidenum">
               <a:rPr lang="en-US" smtClean="0"/>
-              <a:t>‹nº›</a:t>
+              <a:t>‹#›</a:t>
             </a:fld>
             <a:endParaRPr lang="en-US"/>
           </a:p>
@@ -746,7 +745,7 @@
           <a:p>
             <a:fld id="{E8A19EEC-21EA-4CAF-8095-9FB30FBE369D}" type="datetimeFigureOut">
               <a:rPr lang="en-US" smtClean="0"/>
-              <a:t>3/15/2020</a:t>
+              <a:t>16-Mar-20</a:t>
             </a:fld>
             <a:endParaRPr lang="en-US"/>
           </a:p>
@@ -788,7 +787,7 @@
           <a:p>
             <a:fld id="{BDFF435A-5B5D-48FB-B899-D92624692E5F}" type="slidenum">
               <a:rPr lang="en-US" smtClean="0"/>
-              <a:t>‹nº›</a:t>
+              <a:t>‹#›</a:t>
             </a:fld>
             <a:endParaRPr lang="en-US"/>
           </a:p>
@@ -1002,7 +1001,7 @@
           <a:p>
             <a:fld id="{E8A19EEC-21EA-4CAF-8095-9FB30FBE369D}" type="datetimeFigureOut">
               <a:rPr lang="en-US" smtClean="0"/>
-              <a:t>3/15/2020</a:t>
+              <a:t>16-Mar-20</a:t>
             </a:fld>
             <a:endParaRPr lang="en-US"/>
           </a:p>
@@ -1044,7 +1043,7 @@
           <a:p>
             <a:fld id="{BDFF435A-5B5D-48FB-B899-D92624692E5F}" type="slidenum">
               <a:rPr lang="en-US" smtClean="0"/>
-              <a:t>‹nº›</a:t>
+              <a:t>‹#›</a:t>
             </a:fld>
             <a:endParaRPr lang="en-US"/>
           </a:p>
@@ -1244,7 +1243,7 @@
           <a:p>
             <a:fld id="{BDFF435A-5B5D-48FB-B899-D92624692E5F}" type="slidenum">
               <a:rPr lang="en-US" smtClean="0"/>
-              <a:t>‹nº›</a:t>
+              <a:t>‹#›</a:t>
             </a:fld>
             <a:endParaRPr lang="en-US" dirty="0"/>
           </a:p>
@@ -1580,7 +1579,7 @@
           <a:p>
             <a:fld id="{E8A19EEC-21EA-4CAF-8095-9FB30FBE369D}" type="datetimeFigureOut">
               <a:rPr lang="en-US" smtClean="0"/>
-              <a:t>3/15/2020</a:t>
+              <a:t>16-Mar-20</a:t>
             </a:fld>
             <a:endParaRPr lang="en-US"/>
           </a:p>
@@ -1622,7 +1621,7 @@
           <a:p>
             <a:fld id="{BDFF435A-5B5D-48FB-B899-D92624692E5F}" type="slidenum">
               <a:rPr lang="en-US" smtClean="0"/>
-              <a:t>‹nº›</a:t>
+              <a:t>‹#›</a:t>
             </a:fld>
             <a:endParaRPr lang="en-US"/>
           </a:p>
@@ -1855,7 +1854,7 @@
           <a:p>
             <a:fld id="{E8A19EEC-21EA-4CAF-8095-9FB30FBE369D}" type="datetimeFigureOut">
               <a:rPr lang="en-US" smtClean="0"/>
-              <a:t>3/15/2020</a:t>
+              <a:t>16-Mar-20</a:t>
             </a:fld>
             <a:endParaRPr lang="en-US"/>
           </a:p>
@@ -1897,7 +1896,7 @@
           <a:p>
             <a:fld id="{BDFF435A-5B5D-48FB-B899-D92624692E5F}" type="slidenum">
               <a:rPr lang="en-US" smtClean="0"/>
-              <a:t>‹nº›</a:t>
+              <a:t>‹#›</a:t>
             </a:fld>
             <a:endParaRPr lang="en-US"/>
           </a:p>
@@ -2234,7 +2233,7 @@
           <a:p>
             <a:fld id="{E8A19EEC-21EA-4CAF-8095-9FB30FBE369D}" type="datetimeFigureOut">
               <a:rPr lang="en-US" smtClean="0"/>
-              <a:t>3/15/2020</a:t>
+              <a:t>16-Mar-20</a:t>
             </a:fld>
             <a:endParaRPr lang="en-US"/>
           </a:p>
@@ -2276,7 +2275,7 @@
           <a:p>
             <a:fld id="{BDFF435A-5B5D-48FB-B899-D92624692E5F}" type="slidenum">
               <a:rPr lang="en-US" smtClean="0"/>
-              <a:t>‹nº›</a:t>
+              <a:t>‹#›</a:t>
             </a:fld>
             <a:endParaRPr lang="en-US"/>
           </a:p>
@@ -2352,7 +2351,7 @@
           <a:p>
             <a:fld id="{E8A19EEC-21EA-4CAF-8095-9FB30FBE369D}" type="datetimeFigureOut">
               <a:rPr lang="en-US" smtClean="0"/>
-              <a:t>3/15/2020</a:t>
+              <a:t>16-Mar-20</a:t>
             </a:fld>
             <a:endParaRPr lang="en-US"/>
           </a:p>
@@ -2394,7 +2393,7 @@
           <a:p>
             <a:fld id="{BDFF435A-5B5D-48FB-B899-D92624692E5F}" type="slidenum">
               <a:rPr lang="en-US" smtClean="0"/>
-              <a:t>‹nº›</a:t>
+              <a:t>‹#›</a:t>
             </a:fld>
             <a:endParaRPr lang="en-US"/>
           </a:p>
@@ -2523,7 +2522,7 @@
           <a:p>
             <a:fld id="{E8A19EEC-21EA-4CAF-8095-9FB30FBE369D}" type="datetimeFigureOut">
               <a:rPr lang="en-US" smtClean="0"/>
-              <a:t>3/15/2020</a:t>
+              <a:t>16-Mar-20</a:t>
             </a:fld>
             <a:endParaRPr lang="en-US"/>
           </a:p>
@@ -2573,7 +2572,7 @@
           <a:p>
             <a:fld id="{BDFF435A-5B5D-48FB-B899-D92624692E5F}" type="slidenum">
               <a:rPr lang="en-US" smtClean="0"/>
-              <a:t>‹nº›</a:t>
+              <a:t>‹#›</a:t>
             </a:fld>
             <a:endParaRPr lang="en-US"/>
           </a:p>
@@ -2907,7 +2906,7 @@
           <a:p>
             <a:fld id="{BDFF435A-5B5D-48FB-B899-D92624692E5F}" type="slidenum">
               <a:rPr lang="en-US" smtClean="0"/>
-              <a:t>‹nº›</a:t>
+              <a:t>‹#›</a:t>
             </a:fld>
             <a:endParaRPr lang="en-US"/>
           </a:p>
@@ -3226,7 +3225,7 @@
           <a:p>
             <a:fld id="{E8A19EEC-21EA-4CAF-8095-9FB30FBE369D}" type="datetimeFigureOut">
               <a:rPr lang="en-US" smtClean="0"/>
-              <a:t>3/15/2020</a:t>
+              <a:t>16-Mar-20</a:t>
             </a:fld>
             <a:endParaRPr lang="en-US"/>
           </a:p>
@@ -3268,7 +3267,7 @@
           <a:p>
             <a:fld id="{BDFF435A-5B5D-48FB-B899-D92624692E5F}" type="slidenum">
               <a:rPr lang="en-US" smtClean="0"/>
-              <a:t>‹nº›</a:t>
+              <a:t>‹#›</a:t>
             </a:fld>
             <a:endParaRPr lang="en-US"/>
           </a:p>
@@ -3511,7 +3510,7 @@
           <a:p>
             <a:fld id="{E8A19EEC-21EA-4CAF-8095-9FB30FBE369D}" type="datetimeFigureOut">
               <a:rPr lang="en-US" smtClean="0"/>
-              <a:t>3/15/2020</a:t>
+              <a:t>16-Mar-20</a:t>
             </a:fld>
             <a:endParaRPr lang="en-US"/>
           </a:p>
@@ -3585,7 +3584,7 @@
           <a:p>
             <a:fld id="{BDFF435A-5B5D-48FB-B899-D92624692E5F}" type="slidenum">
               <a:rPr lang="en-US" smtClean="0"/>
-              <a:t>‹nº›</a:t>
+              <a:t>‹#›</a:t>
             </a:fld>
             <a:endParaRPr lang="en-US"/>
           </a:p>
@@ -4031,20 +4030,20 @@
               </a:spcAft>
             </a:pPr>
             <a:r>
-              <a:rPr lang="en-US" sz="4000" dirty="0"/>
+              <a:rPr lang="en-US" sz="4000" b="0" dirty="0"/>
               <a:t>Artificial Intelligence</a:t>
             </a:r>
             <a:br>
-              <a:rPr lang="en-US" sz="4000" dirty="0"/>
+              <a:rPr lang="en-US" sz="4000" b="0" dirty="0"/>
             </a:br>
             <a:br>
-              <a:rPr lang="en-US" sz="4000" dirty="0"/>
+              <a:rPr lang="en-US" sz="4000" b="0" dirty="0"/>
             </a:br>
             <a:r>
-              <a:rPr lang="en-US" sz="4000" dirty="0"/>
+              <a:rPr lang="en-US" sz="4000" b="0" dirty="0"/>
               <a:t>Self Driving Rides</a:t>
             </a:r>
-            <a:endParaRPr lang="pt-PT" sz="4000" dirty="0"/>
+            <a:endParaRPr lang="pt-PT" sz="4000" b="0" dirty="0"/>
           </a:p>
         </p:txBody>
       </p:sp>
@@ -4074,7 +4073,11 @@
           <a:bodyPr/>
           <a:lstStyle/>
           <a:p>
-            <a:pPr algn="just"/>
+            <a:pPr algn="just">
+              <a:spcAft>
+                <a:spcPts val="600"/>
+              </a:spcAft>
+            </a:pPr>
             <a:r>
               <a:rPr lang="en-US" sz="2800" b="1" dirty="0"/>
               <a:t>Project Goals</a:t>
@@ -4119,49 +4122,133 @@
         </p:nvSpPr>
         <p:spPr/>
         <p:txBody>
-          <a:bodyPr/>
+          <a:bodyPr>
+            <a:normAutofit lnSpcReduction="10000"/>
+          </a:bodyPr>
           <a:lstStyle/>
           <a:p>
-            <a:r>
-              <a:rPr lang="en-US" dirty="0"/>
+            <a:pPr algn="just">
+              <a:spcBef>
+                <a:spcPts val="0"/>
+              </a:spcBef>
+              <a:spcAft>
+                <a:spcPts val="0"/>
+              </a:spcAft>
+            </a:pPr>
+            <a:r>
+              <a:rPr lang="en-US" b="0" dirty="0"/>
+              <a:t>Checkpoint for AI Project 1</a:t>
+            </a:r>
+          </a:p>
+          <a:p>
+            <a:pPr algn="just">
+              <a:spcBef>
+                <a:spcPts val="0"/>
+              </a:spcBef>
+              <a:spcAft>
+                <a:spcPts val="0"/>
+              </a:spcAft>
+            </a:pPr>
+            <a:r>
+              <a:rPr lang="en-US" b="0" dirty="0"/>
               <a:t>March 2020</a:t>
             </a:r>
           </a:p>
           <a:p>
+            <a:pPr algn="just"/>
             <a:endParaRPr lang="en-US" dirty="0"/>
           </a:p>
           <a:p>
-            <a:pPr>
+            <a:pPr algn="just"/>
+            <a:endParaRPr lang="en-US" dirty="0"/>
+          </a:p>
+          <a:p>
+            <a:pPr algn="just"/>
+            <a:endParaRPr lang="en-US" dirty="0"/>
+          </a:p>
+          <a:p>
+            <a:pPr algn="just"/>
+            <a:endParaRPr lang="en-US" dirty="0"/>
+          </a:p>
+          <a:p>
+            <a:pPr algn="just"/>
+            <a:endParaRPr lang="en-US" dirty="0"/>
+          </a:p>
+          <a:p>
+            <a:pPr algn="just"/>
+            <a:endParaRPr lang="en-US" dirty="0"/>
+          </a:p>
+          <a:p>
+            <a:pPr algn="just">
               <a:spcBef>
                 <a:spcPts val="0"/>
               </a:spcBef>
             </a:pPr>
             <a:r>
               <a:rPr lang="en-US" dirty="0"/>
-              <a:t>Francisco</a:t>
-            </a:r>
-          </a:p>
-          <a:p>
-            <a:pPr>
+              <a:t>Francisco Gonçalves</a:t>
+            </a:r>
+          </a:p>
+          <a:p>
+            <a:pPr algn="just">
               <a:spcBef>
                 <a:spcPts val="0"/>
               </a:spcBef>
             </a:pPr>
             <a:r>
               <a:rPr lang="en-US" dirty="0"/>
-              <a:t>Luís </a:t>
-            </a:r>
-          </a:p>
-          <a:p>
-            <a:pPr>
+              <a:t>Luís Ramos </a:t>
+            </a:r>
+          </a:p>
+          <a:p>
+            <a:pPr algn="just">
               <a:spcBef>
                 <a:spcPts val="0"/>
               </a:spcBef>
             </a:pPr>
             <a:r>
               <a:rPr lang="en-US" dirty="0"/>
-              <a:t>Martim</a:t>
-            </a:r>
+              <a:t>Martim Silva</a:t>
+            </a:r>
+          </a:p>
+          <a:p>
+            <a:pPr algn="just">
+              <a:spcBef>
+                <a:spcPts val="0"/>
+              </a:spcBef>
+            </a:pPr>
+            <a:endParaRPr lang="en-US" dirty="0"/>
+          </a:p>
+          <a:p>
+            <a:pPr algn="just">
+              <a:spcBef>
+                <a:spcPts val="0"/>
+              </a:spcBef>
+            </a:pPr>
+            <a:endParaRPr lang="en-US" dirty="0"/>
+          </a:p>
+          <a:p>
+            <a:pPr algn="just">
+              <a:spcBef>
+                <a:spcPts val="0"/>
+              </a:spcBef>
+            </a:pPr>
+            <a:endParaRPr lang="en-US" dirty="0"/>
+          </a:p>
+          <a:p>
+            <a:pPr algn="just">
+              <a:spcBef>
+                <a:spcPts val="0"/>
+              </a:spcBef>
+            </a:pPr>
+            <a:endParaRPr lang="en-US" dirty="0"/>
+          </a:p>
+          <a:p>
+            <a:pPr algn="just">
+              <a:spcBef>
+                <a:spcPts val="0"/>
+              </a:spcBef>
+            </a:pPr>
             <a:endParaRPr lang="pt-PT" dirty="0"/>
           </a:p>
         </p:txBody>
@@ -5082,7 +5169,9 @@
           </a:xfrm>
         </p:spPr>
         <p:txBody>
-          <a:bodyPr/>
+          <a:bodyPr>
+            <a:normAutofit/>
+          </a:bodyPr>
           <a:lstStyle/>
           <a:p>
             <a:r>
@@ -5107,7 +5196,7 @@
         <p:spPr>
           <a:xfrm>
             <a:off x="525462" y="1203189"/>
-            <a:ext cx="6715387" cy="369332"/>
+            <a:ext cx="6715387" cy="338554"/>
           </a:xfrm>
           <a:prstGeom prst="rect">
             <a:avLst/>
@@ -5121,7 +5210,16 @@
           <a:lstStyle/>
           <a:p>
             <a:r>
-              <a:rPr lang="en-US" dirty="0"/>
+              <a:rPr lang="en-US" sz="1600" dirty="0">
+                <a:solidFill>
+                  <a:schemeClr val="bg2">
+                    <a:lumMod val="10000"/>
+                  </a:schemeClr>
+                </a:solidFill>
+                <a:highlight>
+                  <a:srgbClr val="C0C0C0"/>
+                </a:highlight>
+              </a:rPr>
               <a:t>Evaluation Function</a:t>
             </a:r>
           </a:p>
@@ -5151,49 +5249,14 @@
         </p:blipFill>
         <p:spPr>
           <a:xfrm>
-            <a:off x="525462" y="1768974"/>
-            <a:ext cx="7920697" cy="1660026"/>
+            <a:off x="610304" y="1534813"/>
+            <a:ext cx="7187930" cy="1506452"/>
           </a:xfrm>
           <a:prstGeom prst="rect">
             <a:avLst/>
           </a:prstGeom>
         </p:spPr>
       </p:pic>
-      <p:sp>
-        <p:nvSpPr>
-          <p:cNvPr id="9" name="CaixaDeTexto 8">
-            <a:extLst>
-              <a:ext uri="{FF2B5EF4-FFF2-40B4-BE49-F238E27FC236}">
-                <a16:creationId xmlns:a16="http://schemas.microsoft.com/office/drawing/2014/main" id="{686A86D3-1A60-4E0A-A777-4ADD83BCF7FD}"/>
-              </a:ext>
-            </a:extLst>
-          </p:cNvPr>
-          <p:cNvSpPr txBox="1"/>
-          <p:nvPr/>
-        </p:nvSpPr>
-        <p:spPr>
-          <a:xfrm>
-            <a:off x="525462" y="3782786"/>
-            <a:ext cx="8977767" cy="369332"/>
-          </a:xfrm>
-          <a:prstGeom prst="rect">
-            <a:avLst/>
-          </a:prstGeom>
-          <a:noFill/>
-        </p:spPr>
-        <p:txBody>
-          <a:bodyPr wrap="square" rtlCol="0">
-            <a:spAutoFit/>
-          </a:bodyPr>
-          <a:lstStyle/>
-          <a:p>
-            <a:r>
-              <a:rPr lang="pt-PT" dirty="0"/>
-              <a:t>Luís explica</a:t>
-            </a:r>
-          </a:p>
-        </p:txBody>
-      </p:sp>
       <p:pic>
         <p:nvPicPr>
           <p:cNvPr id="10" name="Imagem 9">
@@ -5216,8 +5279,8 @@
         </p:blipFill>
         <p:spPr>
           <a:xfrm>
-            <a:off x="3484573" y="4505904"/>
-            <a:ext cx="797161" cy="1742632"/>
+            <a:off x="6872143" y="3331729"/>
+            <a:ext cx="908690" cy="1986440"/>
           </a:xfrm>
           <a:prstGeom prst="rect">
             <a:avLst/>
@@ -5238,8 +5301,8 @@
         </p:nvSpPr>
         <p:spPr>
           <a:xfrm>
-            <a:off x="525461" y="4321238"/>
-            <a:ext cx="6715387" cy="369332"/>
+            <a:off x="525461" y="3187492"/>
+            <a:ext cx="6715387" cy="338554"/>
           </a:xfrm>
           <a:prstGeom prst="rect">
             <a:avLst/>
@@ -5253,9 +5316,49 @@
           <a:lstStyle/>
           <a:p>
             <a:r>
-              <a:rPr lang="en-US" dirty="0"/>
-              <a:t>Solution Representation</a:t>
-            </a:r>
+              <a:rPr lang="en-US" sz="1600" dirty="0">
+                <a:highlight>
+                  <a:srgbClr val="C0C0C0"/>
+                </a:highlight>
+              </a:rPr>
+              <a:t>Solution Representation:</a:t>
+            </a:r>
+          </a:p>
+        </p:txBody>
+      </p:sp>
+      <p:sp>
+        <p:nvSpPr>
+          <p:cNvPr id="4" name="TextBox 3">
+            <a:extLst>
+              <a:ext uri="{FF2B5EF4-FFF2-40B4-BE49-F238E27FC236}">
+                <a16:creationId xmlns:a16="http://schemas.microsoft.com/office/drawing/2014/main" id="{EB69CAFC-FB3A-4832-A358-EA68534ACC52}"/>
+              </a:ext>
+            </a:extLst>
+          </p:cNvPr>
+          <p:cNvSpPr txBox="1"/>
+          <p:nvPr/>
+        </p:nvSpPr>
+        <p:spPr>
+          <a:xfrm>
+            <a:off x="525461" y="3575537"/>
+            <a:ext cx="6082729" cy="307777"/>
+          </a:xfrm>
+          <a:prstGeom prst="rect">
+            <a:avLst/>
+          </a:prstGeom>
+          <a:noFill/>
+        </p:spPr>
+        <p:txBody>
+          <a:bodyPr wrap="square" rtlCol="0">
+            <a:spAutoFit/>
+          </a:bodyPr>
+          <a:lstStyle/>
+          <a:p>
+            <a:r>
+              <a:rPr lang="en-US" sz="1400" dirty="0"/>
+              <a:t>Explanation goes here</a:t>
+            </a:r>
+            <a:endParaRPr lang="pt-PT" sz="1400" dirty="0"/>
           </a:p>
         </p:txBody>
       </p:sp>
@@ -5338,83 +5441,306 @@
             <p:ph idx="1"/>
           </p:nvPr>
         </p:nvSpPr>
-        <p:spPr/>
-        <p:txBody>
-          <a:bodyPr/>
+        <p:spPr>
+          <a:xfrm>
+            <a:off x="161926" y="1038691"/>
+            <a:ext cx="11621580" cy="5220065"/>
+          </a:xfrm>
+        </p:spPr>
+        <p:txBody>
+          <a:bodyPr>
+            <a:normAutofit/>
+          </a:bodyPr>
           <a:lstStyle/>
           <a:p>
-            <a:r>
-              <a:rPr lang="en-150" noProof="0" dirty="0"/>
+            <a:pPr>
+              <a:spcBef>
+                <a:spcPts val="400"/>
+              </a:spcBef>
+              <a:spcAft>
+                <a:spcPts val="0"/>
+              </a:spcAft>
+            </a:pPr>
+            <a:r>
+              <a:rPr lang="en-150" sz="1400" noProof="0" dirty="0"/>
               <a:t>The project will be developed mostly in Python 3 with a possible visualization using JavaScript.</a:t>
             </a:r>
           </a:p>
           <a:p>
-            <a:r>
-              <a:rPr lang="en-150" noProof="0" dirty="0"/>
+            <a:pPr>
+              <a:spcBef>
+                <a:spcPts val="400"/>
+              </a:spcBef>
+            </a:pPr>
+            <a:r>
+              <a:rPr lang="en-150" sz="1400" noProof="0" dirty="0"/>
               <a:t>The development environment used by the group to develop the project is PyCharm by JetBrains.</a:t>
             </a:r>
           </a:p>
           <a:p>
-            <a:r>
-              <a:rPr lang="en-150" noProof="0" dirty="0"/>
-              <a:t>Data structures that will be most used are trees.</a:t>
-            </a:r>
-          </a:p>
-          <a:p>
-            <a:r>
-              <a:rPr lang="en-150" noProof="0" dirty="0"/>
+            <a:pPr>
+              <a:spcBef>
+                <a:spcPts val="400"/>
+              </a:spcBef>
+            </a:pPr>
+            <a:r>
+              <a:rPr lang="en-150" sz="1400" noProof="0" dirty="0"/>
+              <a:t>Data structures that will be used are trees</a:t>
+            </a:r>
+            <a:r>
+              <a:rPr lang="en-US" sz="1400" noProof="0" dirty="0"/>
+              <a:t> for the most part</a:t>
+            </a:r>
+            <a:r>
+              <a:rPr lang="en-150" sz="1400" noProof="0" dirty="0"/>
+              <a:t>.</a:t>
+            </a:r>
+            <a:r>
+              <a:rPr lang="en-US" sz="1400" noProof="0" dirty="0"/>
+              <a:t> </a:t>
+            </a:r>
+            <a:endParaRPr lang="en-150" sz="1400" noProof="0" dirty="0"/>
+          </a:p>
+          <a:p>
+            <a:pPr>
+              <a:spcBef>
+                <a:spcPts val="400"/>
+              </a:spcBef>
+              <a:spcAft>
+                <a:spcPts val="600"/>
+              </a:spcAft>
+            </a:pPr>
+            <a:r>
+              <a:rPr lang="en-150" sz="1400" noProof="0" dirty="0"/>
               <a:t>The project directory will follow this structure:</a:t>
             </a:r>
           </a:p>
           <a:p>
-            <a:pPr lvl="1"/>
-            <a:r>
-              <a:rPr lang="en-150" noProof="0" dirty="0"/>
-              <a:t>Doc: where all documents will be stored;</a:t>
-            </a:r>
-          </a:p>
-          <a:p>
-            <a:pPr lvl="1"/>
-            <a:r>
-              <a:rPr lang="en-150" noProof="0" dirty="0"/>
-              <a:t>Src: where the project’s source code is located;</a:t>
-            </a:r>
-          </a:p>
-          <a:p>
-            <a:pPr lvl="2"/>
-            <a:r>
-              <a:rPr lang="en-150" noProof="0" dirty="0"/>
-              <a:t>Assets: where code developed by others </a:t>
-            </a:r>
-            <a:r>
-              <a:rPr lang="pt-PT" noProof="0" dirty="0" err="1"/>
-              <a:t>and</a:t>
-            </a:r>
-            <a:r>
-              <a:rPr lang="pt-PT" noProof="0" dirty="0"/>
+            <a:pPr lvl="1">
+              <a:spcBef>
+                <a:spcPts val="400"/>
+              </a:spcBef>
+              <a:spcAft>
+                <a:spcPts val="0"/>
+              </a:spcAft>
+            </a:pPr>
+            <a:r>
+              <a:rPr lang="en-US" sz="1300" b="1" noProof="0" dirty="0"/>
+              <a:t>d</a:t>
+            </a:r>
+            <a:r>
+              <a:rPr lang="en-150" sz="1300" b="1" noProof="0" dirty="0"/>
+              <a:t>oc</a:t>
+            </a:r>
+            <a:r>
+              <a:rPr lang="en-150" sz="1300" noProof="0" dirty="0"/>
+              <a:t>: where all documents will be stored;</a:t>
+            </a:r>
+          </a:p>
+          <a:p>
+            <a:pPr lvl="1">
+              <a:spcBef>
+                <a:spcPts val="400"/>
+              </a:spcBef>
+              <a:spcAft>
+                <a:spcPts val="0"/>
+              </a:spcAft>
+            </a:pPr>
+            <a:r>
+              <a:rPr lang="en-US" sz="1300" b="1" noProof="0" dirty="0"/>
+              <a:t>s</a:t>
+            </a:r>
+            <a:r>
+              <a:rPr lang="en-150" sz="1300" b="1" noProof="0" dirty="0"/>
+              <a:t>rc</a:t>
+            </a:r>
+            <a:r>
+              <a:rPr lang="en-150" sz="1300" noProof="0" dirty="0"/>
+              <a:t>: where the project’s source code is located;</a:t>
+            </a:r>
+            <a:endParaRPr lang="en-US" sz="1300" noProof="0" dirty="0"/>
+          </a:p>
+          <a:p>
+            <a:pPr lvl="1">
+              <a:spcBef>
+                <a:spcPts val="400"/>
+              </a:spcBef>
+              <a:spcAft>
+                <a:spcPts val="0"/>
+              </a:spcAft>
+            </a:pPr>
+            <a:r>
+              <a:rPr lang="en-US" sz="1300" b="1" dirty="0"/>
+              <a:t>assets</a:t>
+            </a:r>
+            <a:r>
+              <a:rPr lang="en-150" sz="1300" dirty="0"/>
+              <a:t>: where code developed by others and</a:t>
+            </a:r>
+            <a:r>
+              <a:rPr lang="pt-PT" sz="1300" dirty="0"/>
               <a:t> </a:t>
             </a:r>
             <a:r>
-              <a:rPr lang="pt-PT" noProof="0" dirty="0" err="1"/>
+              <a:rPr lang="en-150" sz="1300" dirty="0"/>
               <a:t>the</a:t>
             </a:r>
             <a:r>
-              <a:rPr lang="pt-PT" noProof="0" dirty="0"/>
-              <a:t> Input </a:t>
-            </a:r>
-            <a:r>
-              <a:rPr lang="pt-PT" noProof="0" dirty="0" err="1"/>
+              <a:rPr lang="pt-PT" sz="1300" dirty="0"/>
+              <a:t> </a:t>
+            </a:r>
+            <a:r>
+              <a:rPr lang="pt-PT" sz="1300" b="1" dirty="0"/>
+              <a:t>input</a:t>
+            </a:r>
+            <a:r>
+              <a:rPr lang="pt-PT" sz="1300" dirty="0"/>
+              <a:t> </a:t>
+            </a:r>
+            <a:r>
+              <a:rPr lang="en-150" sz="1300" dirty="0"/>
               <a:t>is</a:t>
             </a:r>
             <a:r>
-              <a:rPr lang="pt-PT" noProof="0" dirty="0"/>
+              <a:rPr lang="pt-PT" sz="1300" dirty="0"/>
               <a:t> </a:t>
             </a:r>
             <a:r>
-              <a:rPr lang="pt-PT" noProof="0" dirty="0" err="1"/>
+              <a:rPr lang="en-150" sz="1300" dirty="0"/>
               <a:t>located</a:t>
             </a:r>
-            <a:endParaRPr lang="en-150" noProof="0" dirty="0"/>
+            <a:r>
+              <a:rPr lang="pt-PT" sz="1300" dirty="0"/>
+              <a:t> (5 </a:t>
+            </a:r>
+            <a:r>
+              <a:rPr lang="en-150" sz="1300" dirty="0"/>
+              <a:t>different</a:t>
+            </a:r>
+            <a:r>
+              <a:rPr lang="pt-PT" sz="1300" dirty="0"/>
+              <a:t> files).</a:t>
+            </a:r>
+            <a:endParaRPr lang="en-US" sz="1300" dirty="0"/>
+          </a:p>
+          <a:p>
+            <a:pPr marL="201168" lvl="1" indent="0">
+              <a:spcBef>
+                <a:spcPts val="400"/>
+              </a:spcBef>
+              <a:spcAft>
+                <a:spcPts val="0"/>
+              </a:spcAft>
+              <a:buNone/>
+            </a:pPr>
+            <a:endParaRPr lang="en-US" sz="700" noProof="0" dirty="0"/>
+          </a:p>
+          <a:p>
+            <a:pPr marL="201168" lvl="1" indent="0">
+              <a:spcBef>
+                <a:spcPts val="0"/>
+              </a:spcBef>
+              <a:spcAft>
+                <a:spcPts val="0"/>
+              </a:spcAft>
+              <a:buNone/>
+            </a:pPr>
+            <a:r>
+              <a:rPr lang="en-US" sz="1400" noProof="0" dirty="0"/>
+              <a:t>Each input file contains 6 integers in each line. The first line contains [</a:t>
+            </a:r>
+            <a:r>
+              <a:rPr lang="en-US" sz="1400" b="1" noProof="0" dirty="0"/>
+              <a:t>grid rows, grid columns, vehicles, rides, bonus per ride, steps</a:t>
+            </a:r>
+            <a:r>
+              <a:rPr lang="en-US" sz="1400" noProof="0" dirty="0"/>
+              <a:t>]. </a:t>
+            </a:r>
+          </a:p>
+          <a:p>
+            <a:pPr marL="201168" lvl="1" indent="0">
+              <a:spcBef>
+                <a:spcPts val="400"/>
+              </a:spcBef>
+              <a:buNone/>
+            </a:pPr>
+            <a:r>
+              <a:rPr lang="en-US" sz="1400" noProof="0" dirty="0"/>
+              <a:t>The second line contains [</a:t>
+            </a:r>
+            <a:r>
+              <a:rPr lang="en-US" sz="1400" b="1" noProof="0" dirty="0"/>
+              <a:t>(x1, y1), (x2, y2), earliest start, latest finish</a:t>
+            </a:r>
+            <a:r>
+              <a:rPr lang="en-US" sz="1400" noProof="0" dirty="0"/>
+              <a:t>].</a:t>
+            </a:r>
+          </a:p>
+          <a:p>
+            <a:pPr marL="201168" lvl="1" indent="0">
+              <a:spcBef>
+                <a:spcPts val="400"/>
+              </a:spcBef>
+              <a:buNone/>
+            </a:pPr>
+            <a:r>
+              <a:rPr lang="en-US" sz="1400" noProof="0" dirty="0"/>
+              <a:t>The greedy approach has already been implemented by the group.</a:t>
+            </a:r>
+          </a:p>
+          <a:p>
+            <a:pPr marL="201168" lvl="1" indent="0">
+              <a:spcBef>
+                <a:spcPts val="400"/>
+              </a:spcBef>
+              <a:buNone/>
+            </a:pPr>
+            <a:r>
+              <a:rPr lang="en-US" sz="1400" dirty="0"/>
+              <a:t>The program can be run </a:t>
+            </a:r>
+            <a:r>
+              <a:rPr lang="en-US" sz="1400" u="sng" dirty="0"/>
+              <a:t>with</a:t>
+            </a:r>
+            <a:r>
+              <a:rPr lang="en-US" sz="1400" dirty="0"/>
+              <a:t> or </a:t>
+            </a:r>
+            <a:r>
+              <a:rPr lang="en-US" sz="1400" u="sng" dirty="0"/>
+              <a:t>without</a:t>
+            </a:r>
+            <a:r>
+              <a:rPr lang="en-US" sz="1400" dirty="0"/>
+              <a:t> arguments. If the program is executed with an argument it should be the </a:t>
+            </a:r>
+            <a:r>
+              <a:rPr lang="en-US" sz="1400" u="sng" dirty="0"/>
+              <a:t>title</a:t>
+            </a:r>
+            <a:r>
+              <a:rPr lang="en-US" sz="1400" dirty="0"/>
+              <a:t> of an input (.in) file. If not, the program will test all 5 input files determining the sum of all 5 scores. 1</a:t>
+            </a:r>
+            <a:r>
+              <a:rPr lang="en-US" sz="1400" baseline="30000" dirty="0"/>
+              <a:t>st</a:t>
+            </a:r>
+            <a:r>
+              <a:rPr lang="en-US" sz="1400" dirty="0"/>
+              <a:t> and 2</a:t>
+            </a:r>
+            <a:r>
+              <a:rPr lang="en-US" sz="1400" baseline="30000" dirty="0"/>
+              <a:t>nd</a:t>
+            </a:r>
+            <a:r>
+              <a:rPr lang="en-US" sz="1400" dirty="0"/>
+              <a:t> files are almost instantly processed and as for the other 3 they all take around 4 and half minutes each (almost 14 minutes in total).</a:t>
+            </a:r>
           </a:p>
         </p:txBody>
       </p:sp>
@@ -5422,86 +5748,6 @@
     <p:extLst>
       <p:ext uri="{BB962C8B-B14F-4D97-AF65-F5344CB8AC3E}">
         <p14:creationId xmlns:p14="http://schemas.microsoft.com/office/powerpoint/2010/main" val="2168552250"/>
-      </p:ext>
-    </p:extLst>
-  </p:cSld>
-  <p:clrMapOvr>
-    <a:masterClrMapping/>
-  </p:clrMapOvr>
-</p:sld>
-</file>
-
-<file path=ppt/slides/slide6.xml><?xml version="1.0" encoding="utf-8"?>
-<p:sld xmlns:a="http://schemas.openxmlformats.org/drawingml/2006/main" xmlns:r="http://schemas.openxmlformats.org/officeDocument/2006/relationships" xmlns:p="http://schemas.openxmlformats.org/presentationml/2006/main">
-  <p:cSld>
-    <p:spTree>
-      <p:nvGrpSpPr>
-        <p:cNvPr id="1" name=""/>
-        <p:cNvGrpSpPr/>
-        <p:nvPr/>
-      </p:nvGrpSpPr>
-      <p:grpSpPr>
-        <a:xfrm>
-          <a:off x="0" y="0"/>
-          <a:ext cx="0" cy="0"/>
-          <a:chOff x="0" y="0"/>
-          <a:chExt cx="0" cy="0"/>
-        </a:xfrm>
-      </p:grpSpPr>
-      <p:sp>
-        <p:nvSpPr>
-          <p:cNvPr id="2" name="Título 1">
-            <a:extLst>
-              <a:ext uri="{FF2B5EF4-FFF2-40B4-BE49-F238E27FC236}">
-                <a16:creationId xmlns:a16="http://schemas.microsoft.com/office/drawing/2014/main" id="{E0A4E8DB-9FAE-4F5B-877C-858A4771447B}"/>
-              </a:ext>
-            </a:extLst>
-          </p:cNvPr>
-          <p:cNvSpPr>
-            <a:spLocks noGrp="1"/>
-          </p:cNvSpPr>
-          <p:nvPr>
-            <p:ph type="title"/>
-          </p:nvPr>
-        </p:nvSpPr>
-        <p:spPr/>
-        <p:txBody>
-          <a:bodyPr/>
-          <a:lstStyle/>
-          <a:p>
-            <a:endParaRPr lang="pt-PT" dirty="0"/>
-          </a:p>
-        </p:txBody>
-      </p:sp>
-      <p:sp>
-        <p:nvSpPr>
-          <p:cNvPr id="3" name="Marcador de Posição de Conteúdo 2">
-            <a:extLst>
-              <a:ext uri="{FF2B5EF4-FFF2-40B4-BE49-F238E27FC236}">
-                <a16:creationId xmlns:a16="http://schemas.microsoft.com/office/drawing/2014/main" id="{9FED855A-724A-4295-9ECE-AFDAA92E76E1}"/>
-              </a:ext>
-            </a:extLst>
-          </p:cNvPr>
-          <p:cNvSpPr>
-            <a:spLocks noGrp="1"/>
-          </p:cNvSpPr>
-          <p:nvPr>
-            <p:ph idx="1"/>
-          </p:nvPr>
-        </p:nvSpPr>
-        <p:spPr/>
-        <p:txBody>
-          <a:bodyPr/>
-          <a:lstStyle/>
-          <a:p>
-            <a:endParaRPr lang="pt-PT"/>
-          </a:p>
-        </p:txBody>
-      </p:sp>
-    </p:spTree>
-    <p:extLst>
-      <p:ext uri="{BB962C8B-B14F-4D97-AF65-F5344CB8AC3E}">
-        <p14:creationId xmlns:p14="http://schemas.microsoft.com/office/powerpoint/2010/main" val="268360594"/>
       </p:ext>
     </p:extLst>
   </p:cSld>

--- a/Projects/P1/doc/IART01.pptx
+++ b/Projects/P1/doc/IART01.pptx
@@ -4,8 +4,11 @@
   <p:sldMasterIdLst>
     <p:sldMasterId id="2147483672" r:id="rId1"/>
   </p:sldMasterIdLst>
+  <p:notesMasterIdLst>
+    <p:notesMasterId r:id="rId7"/>
+  </p:notesMasterIdLst>
   <p:handoutMasterIdLst>
-    <p:handoutMasterId r:id="rId7"/>
+    <p:handoutMasterId r:id="rId8"/>
   </p:handoutMasterIdLst>
   <p:sldIdLst>
     <p:sldId id="261" r:id="rId2"/>
@@ -309,6 +312,440 @@
   </p:cSld>
   <p:clrMap bg1="lt1" tx1="dk1" bg2="lt2" tx2="dk2" accent1="accent1" accent2="accent2" accent3="accent3" accent4="accent4" accent5="accent5" accent6="accent6" hlink="hlink" folHlink="folHlink"/>
 </p:handoutMaster>
+</file>
+
+<file path=ppt/notesMasters/notesMaster1.xml><?xml version="1.0" encoding="utf-8"?>
+<p:notesMaster xmlns:a="http://schemas.openxmlformats.org/drawingml/2006/main" xmlns:r="http://schemas.openxmlformats.org/officeDocument/2006/relationships" xmlns:p="http://schemas.openxmlformats.org/presentationml/2006/main">
+  <p:cSld>
+    <p:bg>
+      <p:bgRef idx="1001">
+        <a:schemeClr val="bg1"/>
+      </p:bgRef>
+    </p:bg>
+    <p:spTree>
+      <p:nvGrpSpPr>
+        <p:cNvPr id="1" name=""/>
+        <p:cNvGrpSpPr/>
+        <p:nvPr/>
+      </p:nvGrpSpPr>
+      <p:grpSpPr>
+        <a:xfrm>
+          <a:off x="0" y="0"/>
+          <a:ext cx="0" cy="0"/>
+          <a:chOff x="0" y="0"/>
+          <a:chExt cx="0" cy="0"/>
+        </a:xfrm>
+      </p:grpSpPr>
+      <p:sp>
+        <p:nvSpPr>
+          <p:cNvPr id="2" name="Header Placeholder 1"/>
+          <p:cNvSpPr>
+            <a:spLocks noGrp="1"/>
+          </p:cNvSpPr>
+          <p:nvPr>
+            <p:ph type="hdr" sz="quarter"/>
+          </p:nvPr>
+        </p:nvSpPr>
+        <p:spPr>
+          <a:xfrm>
+            <a:off x="0" y="0"/>
+            <a:ext cx="2971800" cy="458788"/>
+          </a:xfrm>
+          <a:prstGeom prst="rect">
+            <a:avLst/>
+          </a:prstGeom>
+        </p:spPr>
+        <p:txBody>
+          <a:bodyPr vert="horz" lIns="91440" tIns="45720" rIns="91440" bIns="45720" rtlCol="0"/>
+          <a:lstStyle>
+            <a:lvl1pPr algn="l">
+              <a:defRPr sz="1200"/>
+            </a:lvl1pPr>
+          </a:lstStyle>
+          <a:p>
+            <a:endParaRPr lang="pt-PT"/>
+          </a:p>
+        </p:txBody>
+      </p:sp>
+      <p:sp>
+        <p:nvSpPr>
+          <p:cNvPr id="3" name="Date Placeholder 2"/>
+          <p:cNvSpPr>
+            <a:spLocks noGrp="1"/>
+          </p:cNvSpPr>
+          <p:nvPr>
+            <p:ph type="dt" idx="1"/>
+          </p:nvPr>
+        </p:nvSpPr>
+        <p:spPr>
+          <a:xfrm>
+            <a:off x="3884613" y="0"/>
+            <a:ext cx="2971800" cy="458788"/>
+          </a:xfrm>
+          <a:prstGeom prst="rect">
+            <a:avLst/>
+          </a:prstGeom>
+        </p:spPr>
+        <p:txBody>
+          <a:bodyPr vert="horz" lIns="91440" tIns="45720" rIns="91440" bIns="45720" rtlCol="0"/>
+          <a:lstStyle>
+            <a:lvl1pPr algn="r">
+              <a:defRPr sz="1200"/>
+            </a:lvl1pPr>
+          </a:lstStyle>
+          <a:p>
+            <a:fld id="{150874B2-744E-447B-A26A-35965F8F185A}" type="datetimeFigureOut">
+              <a:rPr lang="pt-PT" smtClean="0"/>
+              <a:t>16/03/2020</a:t>
+            </a:fld>
+            <a:endParaRPr lang="pt-PT"/>
+          </a:p>
+        </p:txBody>
+      </p:sp>
+      <p:sp>
+        <p:nvSpPr>
+          <p:cNvPr id="4" name="Slide Image Placeholder 3"/>
+          <p:cNvSpPr>
+            <a:spLocks noGrp="1" noRot="1" noChangeAspect="1"/>
+          </p:cNvSpPr>
+          <p:nvPr>
+            <p:ph type="sldImg" idx="2"/>
+          </p:nvPr>
+        </p:nvSpPr>
+        <p:spPr>
+          <a:xfrm>
+            <a:off x="685800" y="1143000"/>
+            <a:ext cx="5486400" cy="3086100"/>
+          </a:xfrm>
+          <a:prstGeom prst="rect">
+            <a:avLst/>
+          </a:prstGeom>
+          <a:noFill/>
+          <a:ln w="12700">
+            <a:solidFill>
+              <a:prstClr val="black"/>
+            </a:solidFill>
+          </a:ln>
+        </p:spPr>
+        <p:txBody>
+          <a:bodyPr vert="horz" lIns="91440" tIns="45720" rIns="91440" bIns="45720" rtlCol="0" anchor="ctr"/>
+          <a:lstStyle/>
+          <a:p>
+            <a:endParaRPr lang="pt-PT"/>
+          </a:p>
+        </p:txBody>
+      </p:sp>
+      <p:sp>
+        <p:nvSpPr>
+          <p:cNvPr id="5" name="Notes Placeholder 4"/>
+          <p:cNvSpPr>
+            <a:spLocks noGrp="1"/>
+          </p:cNvSpPr>
+          <p:nvPr>
+            <p:ph type="body" sz="quarter" idx="3"/>
+          </p:nvPr>
+        </p:nvSpPr>
+        <p:spPr>
+          <a:xfrm>
+            <a:off x="685800" y="4400550"/>
+            <a:ext cx="5486400" cy="3600450"/>
+          </a:xfrm>
+          <a:prstGeom prst="rect">
+            <a:avLst/>
+          </a:prstGeom>
+        </p:spPr>
+        <p:txBody>
+          <a:bodyPr vert="horz" lIns="91440" tIns="45720" rIns="91440" bIns="45720" rtlCol="0"/>
+          <a:lstStyle/>
+          <a:p>
+            <a:pPr lvl="0"/>
+            <a:r>
+              <a:rPr lang="en-US"/>
+              <a:t>Click to edit Master text styles</a:t>
+            </a:r>
+          </a:p>
+          <a:p>
+            <a:pPr lvl="1"/>
+            <a:r>
+              <a:rPr lang="en-US"/>
+              <a:t>Second level</a:t>
+            </a:r>
+          </a:p>
+          <a:p>
+            <a:pPr lvl="2"/>
+            <a:r>
+              <a:rPr lang="en-US"/>
+              <a:t>Third level</a:t>
+            </a:r>
+          </a:p>
+          <a:p>
+            <a:pPr lvl="3"/>
+            <a:r>
+              <a:rPr lang="en-US"/>
+              <a:t>Fourth level</a:t>
+            </a:r>
+          </a:p>
+          <a:p>
+            <a:pPr lvl="4"/>
+            <a:r>
+              <a:rPr lang="en-US"/>
+              <a:t>Fifth level</a:t>
+            </a:r>
+            <a:endParaRPr lang="pt-PT"/>
+          </a:p>
+        </p:txBody>
+      </p:sp>
+      <p:sp>
+        <p:nvSpPr>
+          <p:cNvPr id="6" name="Footer Placeholder 5"/>
+          <p:cNvSpPr>
+            <a:spLocks noGrp="1"/>
+          </p:cNvSpPr>
+          <p:nvPr>
+            <p:ph type="ftr" sz="quarter" idx="4"/>
+          </p:nvPr>
+        </p:nvSpPr>
+        <p:spPr>
+          <a:xfrm>
+            <a:off x="0" y="8685213"/>
+            <a:ext cx="2971800" cy="458787"/>
+          </a:xfrm>
+          <a:prstGeom prst="rect">
+            <a:avLst/>
+          </a:prstGeom>
+        </p:spPr>
+        <p:txBody>
+          <a:bodyPr vert="horz" lIns="91440" tIns="45720" rIns="91440" bIns="45720" rtlCol="0" anchor="b"/>
+          <a:lstStyle>
+            <a:lvl1pPr algn="l">
+              <a:defRPr sz="1200"/>
+            </a:lvl1pPr>
+          </a:lstStyle>
+          <a:p>
+            <a:endParaRPr lang="pt-PT"/>
+          </a:p>
+        </p:txBody>
+      </p:sp>
+      <p:sp>
+        <p:nvSpPr>
+          <p:cNvPr id="7" name="Slide Number Placeholder 6"/>
+          <p:cNvSpPr>
+            <a:spLocks noGrp="1"/>
+          </p:cNvSpPr>
+          <p:nvPr>
+            <p:ph type="sldNum" sz="quarter" idx="5"/>
+          </p:nvPr>
+        </p:nvSpPr>
+        <p:spPr>
+          <a:xfrm>
+            <a:off x="3884613" y="8685213"/>
+            <a:ext cx="2971800" cy="458787"/>
+          </a:xfrm>
+          <a:prstGeom prst="rect">
+            <a:avLst/>
+          </a:prstGeom>
+        </p:spPr>
+        <p:txBody>
+          <a:bodyPr vert="horz" lIns="91440" tIns="45720" rIns="91440" bIns="45720" rtlCol="0" anchor="b"/>
+          <a:lstStyle>
+            <a:lvl1pPr algn="r">
+              <a:defRPr sz="1200"/>
+            </a:lvl1pPr>
+          </a:lstStyle>
+          <a:p>
+            <a:fld id="{50DE5D39-ABCD-4B0F-B87F-02B193BB2B1C}" type="slidenum">
+              <a:rPr lang="pt-PT" smtClean="0"/>
+              <a:t>‹#›</a:t>
+            </a:fld>
+            <a:endParaRPr lang="pt-PT"/>
+          </a:p>
+        </p:txBody>
+      </p:sp>
+    </p:spTree>
+    <p:extLst>
+      <p:ext uri="{BB962C8B-B14F-4D97-AF65-F5344CB8AC3E}">
+        <p14:creationId xmlns:p14="http://schemas.microsoft.com/office/powerpoint/2010/main" val="175160449"/>
+      </p:ext>
+    </p:extLst>
+  </p:cSld>
+  <p:clrMap bg1="lt1" tx1="dk1" bg2="lt2" tx2="dk2" accent1="accent1" accent2="accent2" accent3="accent3" accent4="accent4" accent5="accent5" accent6="accent6" hlink="hlink" folHlink="folHlink"/>
+  <p:notesStyle>
+    <a:lvl1pPr marL="0" algn="l" defTabSz="914400" rtl="0" eaLnBrk="1" latinLnBrk="0" hangingPunct="1">
+      <a:defRPr sz="1200" kern="1200">
+        <a:solidFill>
+          <a:schemeClr val="tx1"/>
+        </a:solidFill>
+        <a:latin typeface="+mn-lt"/>
+        <a:ea typeface="+mn-ea"/>
+        <a:cs typeface="+mn-cs"/>
+      </a:defRPr>
+    </a:lvl1pPr>
+    <a:lvl2pPr marL="457200" algn="l" defTabSz="914400" rtl="0" eaLnBrk="1" latinLnBrk="0" hangingPunct="1">
+      <a:defRPr sz="1200" kern="1200">
+        <a:solidFill>
+          <a:schemeClr val="tx1"/>
+        </a:solidFill>
+        <a:latin typeface="+mn-lt"/>
+        <a:ea typeface="+mn-ea"/>
+        <a:cs typeface="+mn-cs"/>
+      </a:defRPr>
+    </a:lvl2pPr>
+    <a:lvl3pPr marL="914400" algn="l" defTabSz="914400" rtl="0" eaLnBrk="1" latinLnBrk="0" hangingPunct="1">
+      <a:defRPr sz="1200" kern="1200">
+        <a:solidFill>
+          <a:schemeClr val="tx1"/>
+        </a:solidFill>
+        <a:latin typeface="+mn-lt"/>
+        <a:ea typeface="+mn-ea"/>
+        <a:cs typeface="+mn-cs"/>
+      </a:defRPr>
+    </a:lvl3pPr>
+    <a:lvl4pPr marL="1371600" algn="l" defTabSz="914400" rtl="0" eaLnBrk="1" latinLnBrk="0" hangingPunct="1">
+      <a:defRPr sz="1200" kern="1200">
+        <a:solidFill>
+          <a:schemeClr val="tx1"/>
+        </a:solidFill>
+        <a:latin typeface="+mn-lt"/>
+        <a:ea typeface="+mn-ea"/>
+        <a:cs typeface="+mn-cs"/>
+      </a:defRPr>
+    </a:lvl4pPr>
+    <a:lvl5pPr marL="1828800" algn="l" defTabSz="914400" rtl="0" eaLnBrk="1" latinLnBrk="0" hangingPunct="1">
+      <a:defRPr sz="1200" kern="1200">
+        <a:solidFill>
+          <a:schemeClr val="tx1"/>
+        </a:solidFill>
+        <a:latin typeface="+mn-lt"/>
+        <a:ea typeface="+mn-ea"/>
+        <a:cs typeface="+mn-cs"/>
+      </a:defRPr>
+    </a:lvl5pPr>
+    <a:lvl6pPr marL="2286000" algn="l" defTabSz="914400" rtl="0" eaLnBrk="1" latinLnBrk="0" hangingPunct="1">
+      <a:defRPr sz="1200" kern="1200">
+        <a:solidFill>
+          <a:schemeClr val="tx1"/>
+        </a:solidFill>
+        <a:latin typeface="+mn-lt"/>
+        <a:ea typeface="+mn-ea"/>
+        <a:cs typeface="+mn-cs"/>
+      </a:defRPr>
+    </a:lvl6pPr>
+    <a:lvl7pPr marL="2743200" algn="l" defTabSz="914400" rtl="0" eaLnBrk="1" latinLnBrk="0" hangingPunct="1">
+      <a:defRPr sz="1200" kern="1200">
+        <a:solidFill>
+          <a:schemeClr val="tx1"/>
+        </a:solidFill>
+        <a:latin typeface="+mn-lt"/>
+        <a:ea typeface="+mn-ea"/>
+        <a:cs typeface="+mn-cs"/>
+      </a:defRPr>
+    </a:lvl7pPr>
+    <a:lvl8pPr marL="3200400" algn="l" defTabSz="914400" rtl="0" eaLnBrk="1" latinLnBrk="0" hangingPunct="1">
+      <a:defRPr sz="1200" kern="1200">
+        <a:solidFill>
+          <a:schemeClr val="tx1"/>
+        </a:solidFill>
+        <a:latin typeface="+mn-lt"/>
+        <a:ea typeface="+mn-ea"/>
+        <a:cs typeface="+mn-cs"/>
+      </a:defRPr>
+    </a:lvl8pPr>
+    <a:lvl9pPr marL="3657600" algn="l" defTabSz="914400" rtl="0" eaLnBrk="1" latinLnBrk="0" hangingPunct="1">
+      <a:defRPr sz="1200" kern="1200">
+        <a:solidFill>
+          <a:schemeClr val="tx1"/>
+        </a:solidFill>
+        <a:latin typeface="+mn-lt"/>
+        <a:ea typeface="+mn-ea"/>
+        <a:cs typeface="+mn-cs"/>
+      </a:defRPr>
+    </a:lvl9pPr>
+  </p:notesStyle>
+</p:notesMaster>
+</file>
+
+<file path=ppt/notesSlides/notesSlide1.xml><?xml version="1.0" encoding="utf-8"?>
+<p:notes xmlns:a="http://schemas.openxmlformats.org/drawingml/2006/main" xmlns:r="http://schemas.openxmlformats.org/officeDocument/2006/relationships" xmlns:p="http://schemas.openxmlformats.org/presentationml/2006/main">
+  <p:cSld>
+    <p:spTree>
+      <p:nvGrpSpPr>
+        <p:cNvPr id="1" name=""/>
+        <p:cNvGrpSpPr/>
+        <p:nvPr/>
+      </p:nvGrpSpPr>
+      <p:grpSpPr>
+        <a:xfrm>
+          <a:off x="0" y="0"/>
+          <a:ext cx="0" cy="0"/>
+          <a:chOff x="0" y="0"/>
+          <a:chExt cx="0" cy="0"/>
+        </a:xfrm>
+      </p:grpSpPr>
+      <p:sp>
+        <p:nvSpPr>
+          <p:cNvPr id="2" name="Slide Image Placeholder 1"/>
+          <p:cNvSpPr>
+            <a:spLocks noGrp="1" noRot="1" noChangeAspect="1"/>
+          </p:cNvSpPr>
+          <p:nvPr>
+            <p:ph type="sldImg"/>
+          </p:nvPr>
+        </p:nvSpPr>
+        <p:spPr/>
+      </p:sp>
+      <p:sp>
+        <p:nvSpPr>
+          <p:cNvPr id="3" name="Notes Placeholder 2"/>
+          <p:cNvSpPr>
+            <a:spLocks noGrp="1"/>
+          </p:cNvSpPr>
+          <p:nvPr>
+            <p:ph type="body" idx="1"/>
+          </p:nvPr>
+        </p:nvSpPr>
+        <p:spPr/>
+        <p:txBody>
+          <a:bodyPr/>
+          <a:lstStyle/>
+          <a:p>
+            <a:endParaRPr lang="pt-PT"/>
+          </a:p>
+        </p:txBody>
+      </p:sp>
+      <p:sp>
+        <p:nvSpPr>
+          <p:cNvPr id="4" name="Slide Number Placeholder 3"/>
+          <p:cNvSpPr>
+            <a:spLocks noGrp="1"/>
+          </p:cNvSpPr>
+          <p:nvPr>
+            <p:ph type="sldNum" sz="quarter" idx="5"/>
+          </p:nvPr>
+        </p:nvSpPr>
+        <p:spPr/>
+        <p:txBody>
+          <a:bodyPr/>
+          <a:lstStyle/>
+          <a:p>
+            <a:fld id="{50DE5D39-ABCD-4B0F-B87F-02B193BB2B1C}" type="slidenum">
+              <a:rPr lang="pt-PT" smtClean="0"/>
+              <a:t>5</a:t>
+            </a:fld>
+            <a:endParaRPr lang="pt-PT"/>
+          </a:p>
+        </p:txBody>
+      </p:sp>
+    </p:spTree>
+    <p:extLst>
+      <p:ext uri="{BB962C8B-B14F-4D97-AF65-F5344CB8AC3E}">
+        <p14:creationId xmlns:p14="http://schemas.microsoft.com/office/powerpoint/2010/main" val="461473482"/>
+      </p:ext>
+    </p:extLst>
+  </p:cSld>
+  <p:clrMapOvr>
+    <a:masterClrMapping/>
+  </p:clrMapOvr>
+</p:notes>
 </file>
 
 <file path=ppt/slideLayouts/slideLayout1.xml><?xml version="1.0" encoding="utf-8"?>
@@ -5341,7 +5778,7 @@
         <p:spPr>
           <a:xfrm>
             <a:off x="525461" y="3575537"/>
-            <a:ext cx="6082729" cy="307777"/>
+            <a:ext cx="6082729" cy="1323439"/>
           </a:xfrm>
           <a:prstGeom prst="rect">
             <a:avLst/>
@@ -5354,11 +5791,44 @@
           </a:bodyPr>
           <a:lstStyle/>
           <a:p>
-            <a:r>
-              <a:rPr lang="en-US" sz="1400" dirty="0"/>
-              <a:t>Explanation goes here</a:t>
-            </a:r>
-            <a:endParaRPr lang="pt-PT" sz="1400" dirty="0"/>
+            <a:pPr algn="just"/>
+            <a:r>
+              <a:rPr lang="en-US" sz="1600" dirty="0"/>
+              <a:t>The solution is provided in an output file (.out). Each line corresponds to a vehicle. The first number (let’s call it </a:t>
+            </a:r>
+            <a:r>
+              <a:rPr lang="en-US" sz="1600" b="1" dirty="0"/>
+              <a:t>n</a:t>
+            </a:r>
+            <a:r>
+              <a:rPr lang="en-US" sz="1600" dirty="0"/>
+              <a:t>) is the amount of rides that have been assigned to each vehicle. After that there are </a:t>
+            </a:r>
+            <a:r>
+              <a:rPr lang="en-US" sz="1600" b="1" dirty="0"/>
+              <a:t>n</a:t>
+            </a:r>
+            <a:r>
+              <a:rPr lang="en-US" sz="1600" dirty="0"/>
+              <a:t> numbers and each represents the index of each assigned ride. On the right there is an example of output (first vehicle - first line - has </a:t>
+            </a:r>
+            <a:r>
+              <a:rPr lang="en-US" sz="1600" b="1" dirty="0"/>
+              <a:t>3</a:t>
+            </a:r>
+            <a:r>
+              <a:rPr lang="en-US" sz="1600" dirty="0"/>
+              <a:t> rides [</a:t>
+            </a:r>
+            <a:r>
+              <a:rPr lang="en-US" sz="1600" b="1" dirty="0"/>
+              <a:t>0, 277, 265</a:t>
+            </a:r>
+            <a:r>
+              <a:rPr lang="en-US" sz="1600" dirty="0"/>
+              <a:t>]).</a:t>
+            </a:r>
+            <a:endParaRPr lang="pt-PT" sz="1600" dirty="0"/>
           </a:p>
         </p:txBody>
       </p:sp>
@@ -5667,11 +6137,11 @@
             </a:pPr>
             <a:r>
               <a:rPr lang="en-US" sz="1400" noProof="0" dirty="0"/>
-              <a:t>The second line contains [</a:t>
+              <a:t>All the other lines contain [</a:t>
             </a:r>
             <a:r>
               <a:rPr lang="en-US" sz="1400" b="1" noProof="0" dirty="0"/>
-              <a:t>(x1, y1), (x2, y2), earliest start, latest finish</a:t>
+              <a:t>row1, column1, row2, column2, earliest start, latest finish</a:t>
             </a:r>
             <a:r>
               <a:rPr lang="en-US" sz="1400" noProof="0" dirty="0"/>
@@ -5687,7 +6157,15 @@
             </a:pPr>
             <a:r>
               <a:rPr lang="en-US" sz="1400" noProof="0" dirty="0"/>
-              <a:t>The greedy approach has already been implemented by the group.</a:t>
+              <a:t>The </a:t>
+            </a:r>
+            <a:r>
+              <a:rPr lang="en-US" sz="1400" b="1" noProof="0" dirty="0"/>
+              <a:t>greedy</a:t>
+            </a:r>
+            <a:r>
+              <a:rPr lang="en-US" sz="1400" noProof="0" dirty="0"/>
+              <a:t> approach has already been implemented by the group.</a:t>
             </a:r>
           </a:p>
           <a:p>
@@ -5742,8 +6220,59 @@
               <a:t> files are almost instantly processed and as for the other 3 they all take around 4 and half minutes each (almost 14 minutes in total).</a:t>
             </a:r>
           </a:p>
-        </p:txBody>
-      </p:sp>
+          <a:p>
+            <a:pPr marL="201168" lvl="1" indent="0">
+              <a:spcBef>
+                <a:spcPts val="400"/>
+              </a:spcBef>
+              <a:buNone/>
+            </a:pPr>
+            <a:endParaRPr lang="en-US" sz="1400" dirty="0"/>
+          </a:p>
+          <a:p>
+            <a:pPr marL="201168" lvl="1" indent="0">
+              <a:spcBef>
+                <a:spcPts val="400"/>
+              </a:spcBef>
+              <a:buNone/>
+            </a:pPr>
+            <a:r>
+              <a:rPr lang="en-US" sz="1400" dirty="0"/>
+              <a:t>The console will show the details of every ride and when it’s done it will show the score for the input file (using the evaluation function)</a:t>
+            </a:r>
+          </a:p>
+        </p:txBody>
+      </p:sp>
+      <p:pic>
+        <p:nvPicPr>
+          <p:cNvPr id="4" name="Picture 3">
+            <a:extLst>
+              <a:ext uri="{FF2B5EF4-FFF2-40B4-BE49-F238E27FC236}">
+                <a16:creationId xmlns:a16="http://schemas.microsoft.com/office/drawing/2014/main" id="{1123E172-B1E0-49BF-A1D4-4E3462D0CBFF}"/>
+              </a:ext>
+            </a:extLst>
+          </p:cNvPr>
+          <p:cNvPicPr>
+            <a:picLocks noChangeAspect="1"/>
+          </p:cNvPicPr>
+          <p:nvPr/>
+        </p:nvPicPr>
+        <p:blipFill>
+          <a:blip r:embed="rId3"/>
+          <a:stretch>
+            <a:fillRect/>
+          </a:stretch>
+        </p:blipFill>
+        <p:spPr>
+          <a:xfrm>
+            <a:off x="408494" y="5033737"/>
+            <a:ext cx="2790537" cy="873560"/>
+          </a:xfrm>
+          <a:prstGeom prst="rect">
+            <a:avLst/>
+          </a:prstGeom>
+        </p:spPr>
+      </p:pic>
     </p:spTree>
     <p:extLst>
       <p:ext uri="{BB962C8B-B14F-4D97-AF65-F5344CB8AC3E}">
@@ -6333,4 +6862,299 @@
     </a:ext>
   </a:extLst>
 </a:theme>
+</file>
+
+<file path=ppt/theme/theme3.xml><?xml version="1.0" encoding="utf-8"?>
+<a:theme xmlns:a="http://schemas.openxmlformats.org/drawingml/2006/main" name="Office Theme">
+  <a:themeElements>
+    <a:clrScheme name="Office">
+      <a:dk1>
+        <a:sysClr val="windowText" lastClr="000000"/>
+      </a:dk1>
+      <a:lt1>
+        <a:sysClr val="window" lastClr="FFFFFF"/>
+      </a:lt1>
+      <a:dk2>
+        <a:srgbClr val="44546A"/>
+      </a:dk2>
+      <a:lt2>
+        <a:srgbClr val="E7E6E6"/>
+      </a:lt2>
+      <a:accent1>
+        <a:srgbClr val="4472C4"/>
+      </a:accent1>
+      <a:accent2>
+        <a:srgbClr val="ED7D31"/>
+      </a:accent2>
+      <a:accent3>
+        <a:srgbClr val="A5A5A5"/>
+      </a:accent3>
+      <a:accent4>
+        <a:srgbClr val="FFC000"/>
+      </a:accent4>
+      <a:accent5>
+        <a:srgbClr val="5B9BD5"/>
+      </a:accent5>
+      <a:accent6>
+        <a:srgbClr val="70AD47"/>
+      </a:accent6>
+      <a:hlink>
+        <a:srgbClr val="0563C1"/>
+      </a:hlink>
+      <a:folHlink>
+        <a:srgbClr val="954F72"/>
+      </a:folHlink>
+    </a:clrScheme>
+    <a:fontScheme name="Office">
+      <a:majorFont>
+        <a:latin typeface="Calibri Light" panose="020F0302020204030204"/>
+        <a:ea typeface=""/>
+        <a:cs typeface=""/>
+        <a:font script="Jpan" typeface="游ゴシック Light"/>
+        <a:font script="Hang" typeface="맑은 고딕"/>
+        <a:font script="Hans" typeface="等线 Light"/>
+        <a:font script="Hant" typeface="新細明體"/>
+        <a:font script="Arab" typeface="Times New Roman"/>
+        <a:font script="Hebr" typeface="Times New Roman"/>
+        <a:font script="Thai" typeface="Angsana New"/>
+        <a:font script="Ethi" typeface="Nyala"/>
+        <a:font script="Beng" typeface="Vrinda"/>
+        <a:font script="Gujr" typeface="Shruti"/>
+        <a:font script="Khmr" typeface="MoolBoran"/>
+        <a:font script="Knda" typeface="Tunga"/>
+        <a:font script="Guru" typeface="Raavi"/>
+        <a:font script="Cans" typeface="Euphemia"/>
+        <a:font script="Cher" typeface="Plantagenet Cherokee"/>
+        <a:font script="Yiii" typeface="Microsoft Yi Baiti"/>
+        <a:font script="Tibt" typeface="Microsoft Himalaya"/>
+        <a:font script="Thaa" typeface="MV Boli"/>
+        <a:font script="Deva" typeface="Mangal"/>
+        <a:font script="Telu" typeface="Gautami"/>
+        <a:font script="Taml" typeface="Latha"/>
+        <a:font script="Syrc" typeface="Estrangelo Edessa"/>
+        <a:font script="Orya" typeface="Kalinga"/>
+        <a:font script="Mlym" typeface="Kartika"/>
+        <a:font script="Laoo" typeface="DokChampa"/>
+        <a:font script="Sinh" typeface="Iskoola Pota"/>
+        <a:font script="Mong" typeface="Mongolian Baiti"/>
+        <a:font script="Viet" typeface="Times New Roman"/>
+        <a:font script="Uigh" typeface="Microsoft Uighur"/>
+        <a:font script="Geor" typeface="Sylfaen"/>
+        <a:font script="Armn" typeface="Arial"/>
+        <a:font script="Bugi" typeface="Leelawadee UI"/>
+        <a:font script="Bopo" typeface="Microsoft JhengHei"/>
+        <a:font script="Java" typeface="Javanese Text"/>
+        <a:font script="Lisu" typeface="Segoe UI"/>
+        <a:font script="Mymr" typeface="Myanmar Text"/>
+        <a:font script="Nkoo" typeface="Ebrima"/>
+        <a:font script="Olck" typeface="Nirmala UI"/>
+        <a:font script="Osma" typeface="Ebrima"/>
+        <a:font script="Phag" typeface="Phagspa"/>
+        <a:font script="Syrn" typeface="Estrangelo Edessa"/>
+        <a:font script="Syrj" typeface="Estrangelo Edessa"/>
+        <a:font script="Syre" typeface="Estrangelo Edessa"/>
+        <a:font script="Sora" typeface="Nirmala UI"/>
+        <a:font script="Tale" typeface="Microsoft Tai Le"/>
+        <a:font script="Talu" typeface="Microsoft New Tai Lue"/>
+        <a:font script="Tfng" typeface="Ebrima"/>
+      </a:majorFont>
+      <a:minorFont>
+        <a:latin typeface="Calibri" panose="020F0502020204030204"/>
+        <a:ea typeface=""/>
+        <a:cs typeface=""/>
+        <a:font script="Jpan" typeface="游ゴシック"/>
+        <a:font script="Hang" typeface="맑은 고딕"/>
+        <a:font script="Hans" typeface="等线"/>
+        <a:font script="Hant" typeface="新細明體"/>
+        <a:font script="Arab" typeface="Arial"/>
+        <a:font script="Hebr" typeface="Arial"/>
+        <a:font script="Thai" typeface="Cordia New"/>
+        <a:font script="Ethi" typeface="Nyala"/>
+        <a:font script="Beng" typeface="Vrinda"/>
+        <a:font script="Gujr" typeface="Shruti"/>
+        <a:font script="Khmr" typeface="DaunPenh"/>
+        <a:font script="Knda" typeface="Tunga"/>
+        <a:font script="Guru" typeface="Raavi"/>
+        <a:font script="Cans" typeface="Euphemia"/>
+        <a:font script="Cher" typeface="Plantagenet Cherokee"/>
+        <a:font script="Yiii" typeface="Microsoft Yi Baiti"/>
+        <a:font script="Tibt" typeface="Microsoft Himalaya"/>
+        <a:font script="Thaa" typeface="MV Boli"/>
+        <a:font script="Deva" typeface="Mangal"/>
+        <a:font script="Telu" typeface="Gautami"/>
+        <a:font script="Taml" typeface="Latha"/>
+        <a:font script="Syrc" typeface="Estrangelo Edessa"/>
+        <a:font script="Orya" typeface="Kalinga"/>
+        <a:font script="Mlym" typeface="Kartika"/>
+        <a:font script="Laoo" typeface="DokChampa"/>
+        <a:font script="Sinh" typeface="Iskoola Pota"/>
+        <a:font script="Mong" typeface="Mongolian Baiti"/>
+        <a:font script="Viet" typeface="Arial"/>
+        <a:font script="Uigh" typeface="Microsoft Uighur"/>
+        <a:font script="Geor" typeface="Sylfaen"/>
+        <a:font script="Armn" typeface="Arial"/>
+        <a:font script="Bugi" typeface="Leelawadee UI"/>
+        <a:font script="Bopo" typeface="Microsoft JhengHei"/>
+        <a:font script="Java" typeface="Javanese Text"/>
+        <a:font script="Lisu" typeface="Segoe UI"/>
+        <a:font script="Mymr" typeface="Myanmar Text"/>
+        <a:font script="Nkoo" typeface="Ebrima"/>
+        <a:font script="Olck" typeface="Nirmala UI"/>
+        <a:font script="Osma" typeface="Ebrima"/>
+        <a:font script="Phag" typeface="Phagspa"/>
+        <a:font script="Syrn" typeface="Estrangelo Edessa"/>
+        <a:font script="Syrj" typeface="Estrangelo Edessa"/>
+        <a:font script="Syre" typeface="Estrangelo Edessa"/>
+        <a:font script="Sora" typeface="Nirmala UI"/>
+        <a:font script="Tale" typeface="Microsoft Tai Le"/>
+        <a:font script="Talu" typeface="Microsoft New Tai Lue"/>
+        <a:font script="Tfng" typeface="Ebrima"/>
+      </a:minorFont>
+    </a:fontScheme>
+    <a:fmtScheme name="Office">
+      <a:fillStyleLst>
+        <a:solidFill>
+          <a:schemeClr val="phClr"/>
+        </a:solidFill>
+        <a:gradFill rotWithShape="1">
+          <a:gsLst>
+            <a:gs pos="0">
+              <a:schemeClr val="phClr">
+                <a:lumMod val="110000"/>
+                <a:satMod val="105000"/>
+                <a:tint val="67000"/>
+              </a:schemeClr>
+            </a:gs>
+            <a:gs pos="50000">
+              <a:schemeClr val="phClr">
+                <a:lumMod val="105000"/>
+                <a:satMod val="103000"/>
+                <a:tint val="73000"/>
+              </a:schemeClr>
+            </a:gs>
+            <a:gs pos="100000">
+              <a:schemeClr val="phClr">
+                <a:lumMod val="105000"/>
+                <a:satMod val="109000"/>
+                <a:tint val="81000"/>
+              </a:schemeClr>
+            </a:gs>
+          </a:gsLst>
+          <a:lin ang="5400000" scaled="0"/>
+        </a:gradFill>
+        <a:gradFill rotWithShape="1">
+          <a:gsLst>
+            <a:gs pos="0">
+              <a:schemeClr val="phClr">
+                <a:satMod val="103000"/>
+                <a:lumMod val="102000"/>
+                <a:tint val="94000"/>
+              </a:schemeClr>
+            </a:gs>
+            <a:gs pos="50000">
+              <a:schemeClr val="phClr">
+                <a:satMod val="110000"/>
+                <a:lumMod val="100000"/>
+                <a:shade val="100000"/>
+              </a:schemeClr>
+            </a:gs>
+            <a:gs pos="100000">
+              <a:schemeClr val="phClr">
+                <a:lumMod val="99000"/>
+                <a:satMod val="120000"/>
+                <a:shade val="78000"/>
+              </a:schemeClr>
+            </a:gs>
+          </a:gsLst>
+          <a:lin ang="5400000" scaled="0"/>
+        </a:gradFill>
+      </a:fillStyleLst>
+      <a:lnStyleLst>
+        <a:ln w="6350" cap="flat" cmpd="sng" algn="ctr">
+          <a:solidFill>
+            <a:schemeClr val="phClr"/>
+          </a:solidFill>
+          <a:prstDash val="solid"/>
+          <a:miter lim="800000"/>
+        </a:ln>
+        <a:ln w="12700" cap="flat" cmpd="sng" algn="ctr">
+          <a:solidFill>
+            <a:schemeClr val="phClr"/>
+          </a:solidFill>
+          <a:prstDash val="solid"/>
+          <a:miter lim="800000"/>
+        </a:ln>
+        <a:ln w="19050" cap="flat" cmpd="sng" algn="ctr">
+          <a:solidFill>
+            <a:schemeClr val="phClr"/>
+          </a:solidFill>
+          <a:prstDash val="solid"/>
+          <a:miter lim="800000"/>
+        </a:ln>
+      </a:lnStyleLst>
+      <a:effectStyleLst>
+        <a:effectStyle>
+          <a:effectLst/>
+        </a:effectStyle>
+        <a:effectStyle>
+          <a:effectLst/>
+        </a:effectStyle>
+        <a:effectStyle>
+          <a:effectLst>
+            <a:outerShdw blurRad="57150" dist="19050" dir="5400000" algn="ctr" rotWithShape="0">
+              <a:srgbClr val="000000">
+                <a:alpha val="63000"/>
+              </a:srgbClr>
+            </a:outerShdw>
+          </a:effectLst>
+        </a:effectStyle>
+      </a:effectStyleLst>
+      <a:bgFillStyleLst>
+        <a:solidFill>
+          <a:schemeClr val="phClr"/>
+        </a:solidFill>
+        <a:solidFill>
+          <a:schemeClr val="phClr">
+            <a:tint val="95000"/>
+            <a:satMod val="170000"/>
+          </a:schemeClr>
+        </a:solidFill>
+        <a:gradFill rotWithShape="1">
+          <a:gsLst>
+            <a:gs pos="0">
+              <a:schemeClr val="phClr">
+                <a:tint val="93000"/>
+                <a:satMod val="150000"/>
+                <a:shade val="98000"/>
+                <a:lumMod val="102000"/>
+              </a:schemeClr>
+            </a:gs>
+            <a:gs pos="50000">
+              <a:schemeClr val="phClr">
+                <a:tint val="98000"/>
+                <a:satMod val="130000"/>
+                <a:shade val="90000"/>
+                <a:lumMod val="103000"/>
+              </a:schemeClr>
+            </a:gs>
+            <a:gs pos="100000">
+              <a:schemeClr val="phClr">
+                <a:shade val="63000"/>
+                <a:satMod val="120000"/>
+              </a:schemeClr>
+            </a:gs>
+          </a:gsLst>
+          <a:lin ang="5400000" scaled="0"/>
+        </a:gradFill>
+      </a:bgFillStyleLst>
+    </a:fmtScheme>
+  </a:themeElements>
+  <a:objectDefaults/>
+  <a:extraClrSchemeLst/>
+  <a:extLst>
+    <a:ext uri="{05A4C25C-085E-4340-85A3-A5531E510DB2}">
+      <thm15:themeFamily xmlns:thm15="http://schemas.microsoft.com/office/thememl/2012/main" name="Office Theme" id="{62F939B6-93AF-4DB8-9C6B-D6C7DFDC589F}" vid="{4A3C46E8-61CC-4603-A589-7422A47A8E4A}"/>
+    </a:ext>
+  </a:extLst>
+</a:theme>
 </file>